--- a/TestenMileStone3.pptx
+++ b/TestenMileStone3.pptx
@@ -16,8 +16,8 @@
     <p:sldId id="258" r:id="rId5"/>
     <p:sldId id="259" r:id="rId6"/>
     <p:sldId id="260" r:id="rId7"/>
-    <p:sldId id="261" r:id="rId8"/>
-    <p:sldId id="263" r:id="rId9"/>
+    <p:sldId id="263" r:id="rId8"/>
+    <p:sldId id="261" r:id="rId9"/>
     <p:sldId id="262" r:id="rId10"/>
   </p:sldIdLst>
   <p:sldSz cx="12192000" cy="6858000"/>
@@ -221,7 +221,7 @@
           <a:p>
             <a:fld id="{65DD71D7-55AC-46BD-81B3-09AB2F9EFBD8}" type="datetimeFigureOut">
               <a:rPr lang="de-DE" smtClean="0"/>
-              <a:t>04.01.2016</a:t>
+              <a:t>tt.01.jjjj</a:t>
             </a:fld>
             <a:endParaRPr lang="de-DE" dirty="0"/>
           </a:p>
@@ -386,7 +386,7 @@
           <a:p>
             <a:fld id="{1F89424F-BB59-4F4E-9822-4CA3E770FFD2}" type="datetimeFigureOut">
               <a:rPr lang="de-DE" smtClean="0"/>
-              <a:t>04.01.2016</a:t>
+              <a:t>tt.01.jjjj</a:t>
             </a:fld>
             <a:endParaRPr lang="de-DE" dirty="0"/>
           </a:p>
@@ -1197,7 +1197,7 @@
           <a:p>
             <a:fld id="{8AE61375-67D6-420B-86AE-DA020D70A190}" type="datetime1">
               <a:rPr lang="de-DE" smtClean="0"/>
-              <a:t>04.01.2016</a:t>
+              <a:t>tt.01.jjjj</a:t>
             </a:fld>
             <a:endParaRPr lang="de-DE" dirty="0"/>
           </a:p>
@@ -1271,13 +1271,6 @@
       </p:transition>
     </mc:Fallback>
   </mc:AlternateContent>
-  <p:timing>
-    <p:tnLst>
-      <p:par>
-        <p:cTn id="1" dur="indefinite" restart="never" nodeType="tmRoot"/>
-      </p:par>
-    </p:tnLst>
-  </p:timing>
 </p:sldLayout>
 </file>
 
@@ -1400,7 +1393,7 @@
           <a:p>
             <a:fld id="{4C3CB006-1C8F-4FFF-9886-C7F4371DAF23}" type="datetime1">
               <a:rPr lang="de-DE" smtClean="0"/>
-              <a:t>04.01.2016</a:t>
+              <a:t>tt.01.jjjj</a:t>
             </a:fld>
             <a:endParaRPr lang="de-DE" dirty="0"/>
           </a:p>
@@ -1474,13 +1467,6 @@
       </p:transition>
     </mc:Fallback>
   </mc:AlternateContent>
-  <p:timing>
-    <p:tnLst>
-      <p:par>
-        <p:cTn id="1" dur="indefinite" restart="never" nodeType="tmRoot"/>
-      </p:par>
-    </p:tnLst>
-  </p:timing>
 </p:sldLayout>
 </file>
 
@@ -1593,7 +1579,7 @@
           <a:p>
             <a:fld id="{D321307D-809D-48F8-91EE-9AA8198446F8}" type="datetime1">
               <a:rPr lang="de-DE" smtClean="0"/>
-              <a:t>04.01.2016</a:t>
+              <a:t>tt.01.jjjj</a:t>
             </a:fld>
             <a:endParaRPr lang="de-DE" dirty="0"/>
           </a:p>
@@ -1667,13 +1653,6 @@
       </p:transition>
     </mc:Fallback>
   </mc:AlternateContent>
-  <p:timing>
-    <p:tnLst>
-      <p:par>
-        <p:cTn id="1" dur="indefinite" restart="never" nodeType="tmRoot"/>
-      </p:par>
-    </p:tnLst>
-  </p:timing>
   <p:extLst mod="1">
     <p:ext uri="{DCECCB84-F9BA-43D5-87BE-67443E8EF086}">
       <p15:sldGuideLst xmlns:p15="http://schemas.microsoft.com/office/powerpoint/2012/main"/>
@@ -1965,13 +1944,6 @@
       </p:transition>
     </mc:Fallback>
   </mc:AlternateContent>
-  <p:timing>
-    <p:tnLst>
-      <p:par>
-        <p:cTn id="1" dur="indefinite" restart="never" nodeType="tmRoot"/>
-      </p:par>
-    </p:tnLst>
-  </p:timing>
 </p:sldLayout>
 </file>
 
@@ -2206,7 +2178,7 @@
           <a:p>
             <a:fld id="{7F2630C1-7A3F-498A-B70C-5B81638D9A90}" type="datetime1">
               <a:rPr lang="de-DE" smtClean="0"/>
-              <a:t>04.01.2016</a:t>
+              <a:t>tt.01.jjjj</a:t>
             </a:fld>
             <a:endParaRPr lang="de-DE" dirty="0"/>
           </a:p>
@@ -2280,13 +2252,6 @@
       </p:transition>
     </mc:Fallback>
   </mc:AlternateContent>
-  <p:timing>
-    <p:tnLst>
-      <p:par>
-        <p:cTn id="1" dur="indefinite" restart="never" nodeType="tmRoot"/>
-      </p:par>
-    </p:tnLst>
-  </p:timing>
 </p:sldLayout>
 </file>
 
@@ -2661,7 +2626,7 @@
           <a:p>
             <a:fld id="{073F4EA5-F2B1-4A30-B391-9C13E4EB1066}" type="datetime1">
               <a:rPr lang="de-DE" smtClean="0"/>
-              <a:t>04.01.2016</a:t>
+              <a:t>tt.01.jjjj</a:t>
             </a:fld>
             <a:endParaRPr lang="de-DE" dirty="0"/>
           </a:p>
@@ -2735,13 +2700,6 @@
       </p:transition>
     </mc:Fallback>
   </mc:AlternateContent>
-  <p:timing>
-    <p:tnLst>
-      <p:par>
-        <p:cTn id="1" dur="indefinite" restart="never" nodeType="tmRoot"/>
-      </p:par>
-    </p:tnLst>
-  </p:timing>
 </p:sldLayout>
 </file>
 
@@ -2802,7 +2760,7 @@
           <a:p>
             <a:fld id="{D6A603CA-3662-4A3A-83DC-758F233EE0F1}" type="datetime1">
               <a:rPr lang="de-DE" smtClean="0"/>
-              <a:t>04.01.2016</a:t>
+              <a:t>tt.01.jjjj</a:t>
             </a:fld>
             <a:endParaRPr lang="de-DE" dirty="0"/>
           </a:p>
@@ -2876,13 +2834,6 @@
       </p:transition>
     </mc:Fallback>
   </mc:AlternateContent>
-  <p:timing>
-    <p:tnLst>
-      <p:par>
-        <p:cTn id="1" dur="indefinite" restart="never" nodeType="tmRoot"/>
-      </p:par>
-    </p:tnLst>
-  </p:timing>
 </p:sldLayout>
 </file>
 
@@ -2920,7 +2871,7 @@
           <a:p>
             <a:fld id="{C78925BB-189B-4468-A51B-FBC34BAEE2A3}" type="datetime1">
               <a:rPr lang="de-DE" smtClean="0"/>
-              <a:t>04.01.2016</a:t>
+              <a:t>tt.01.jjjj</a:t>
             </a:fld>
             <a:endParaRPr lang="de-DE" dirty="0"/>
           </a:p>
@@ -2994,13 +2945,6 @@
       </p:transition>
     </mc:Fallback>
   </mc:AlternateContent>
-  <p:timing>
-    <p:tnLst>
-      <p:par>
-        <p:cTn id="1" dur="indefinite" restart="never" nodeType="tmRoot"/>
-      </p:par>
-    </p:tnLst>
-  </p:timing>
 </p:sldLayout>
 </file>
 
@@ -3356,7 +3300,7 @@
           <a:p>
             <a:fld id="{A4A24417-A66A-4DB9-A411-86E6167B556E}" type="datetime1">
               <a:rPr lang="de-DE" smtClean="0"/>
-              <a:t>04.01.2016</a:t>
+              <a:t>tt.01.jjjj</a:t>
             </a:fld>
             <a:endParaRPr lang="de-DE" dirty="0"/>
           </a:p>
@@ -3430,13 +3374,6 @@
       </p:transition>
     </mc:Fallback>
   </mc:AlternateContent>
-  <p:timing>
-    <p:tnLst>
-      <p:par>
-        <p:cTn id="1" dur="indefinite" restart="never" nodeType="tmRoot"/>
-      </p:par>
-    </p:tnLst>
-  </p:timing>
 </p:sldLayout>
 </file>
 
@@ -3782,7 +3719,7 @@
           <a:p>
             <a:fld id="{2B5E8D1E-9E6B-4DE7-806A-E0D9A440D85A}" type="datetime1">
               <a:rPr lang="de-DE" smtClean="0"/>
-              <a:t>04.01.2016</a:t>
+              <a:t>tt.01.jjjj</a:t>
             </a:fld>
             <a:endParaRPr lang="de-DE" dirty="0"/>
           </a:p>
@@ -3856,13 +3793,6 @@
       </p:transition>
     </mc:Fallback>
   </mc:AlternateContent>
-  <p:timing>
-    <p:tnLst>
-      <p:par>
-        <p:cTn id="1" dur="indefinite" restart="never" nodeType="tmRoot"/>
-      </p:par>
-    </p:tnLst>
-  </p:timing>
 </p:sldLayout>
 </file>
 
@@ -4066,7 +3996,7 @@
           <a:p>
             <a:fld id="{76EFFB5E-0A4E-4527-8E61-46DE082A53B6}" type="datetime1">
               <a:rPr lang="de-DE" smtClean="0"/>
-              <a:t>04.01.2016</a:t>
+              <a:t>tt.01.jjjj</a:t>
             </a:fld>
             <a:endParaRPr lang="de-DE" dirty="0"/>
           </a:p>
@@ -4656,13 +4586,6 @@
       </p:transition>
     </mc:Fallback>
   </mc:AlternateContent>
-  <p:timing>
-    <p:tnLst>
-      <p:par>
-        <p:cTn id="1" dur="indefinite" restart="never" nodeType="tmRoot"/>
-      </p:par>
-    </p:tnLst>
-  </p:timing>
 </p:sld>
 </file>
 
@@ -4729,24 +4652,14 @@
           <a:p>
             <a:r>
               <a:rPr lang="de-DE" dirty="0" smtClean="0"/>
-              <a:t>Ersten </a:t>
-            </a:r>
-            <a:r>
-              <a:rPr lang="de-DE" dirty="0" err="1" smtClean="0"/>
-              <a:t>Milenstein</a:t>
-            </a:r>
-            <a:endParaRPr lang="de-DE" dirty="0" smtClean="0"/>
+              <a:t>Erster Meilenstein</a:t>
+            </a:r>
           </a:p>
           <a:p>
             <a:r>
               <a:rPr lang="de-DE" dirty="0" smtClean="0"/>
-              <a:t>Zweiter </a:t>
-            </a:r>
-            <a:r>
-              <a:rPr lang="de-DE" dirty="0" err="1" smtClean="0"/>
-              <a:t>Milenstein</a:t>
-            </a:r>
-            <a:endParaRPr lang="de-DE" dirty="0" smtClean="0"/>
+              <a:t>Zweiter Meilenstein</a:t>
+            </a:r>
           </a:p>
           <a:p>
             <a:r>
@@ -4787,11 +4700,7 @@
             </a:r>
             <a:r>
               <a:rPr lang="de-DE" dirty="0" smtClean="0"/>
-              <a:t> und </a:t>
-            </a:r>
-            <a:r>
-              <a:rPr lang="de-DE" dirty="0" smtClean="0"/>
-              <a:t>Aljoscha Czepoks</a:t>
+              <a:t> und Aljoscha Czepoks</a:t>
             </a:r>
             <a:endParaRPr lang="de-DE" dirty="0"/>
           </a:p>
@@ -4842,13 +4751,6 @@
       </p:transition>
     </mc:Fallback>
   </mc:AlternateContent>
-  <p:timing>
-    <p:tnLst>
-      <p:par>
-        <p:cTn id="1" dur="indefinite" restart="never" nodeType="tmRoot"/>
-      </p:par>
-    </p:tnLst>
-  </p:timing>
 </p:sld>
 </file>
 
@@ -5044,25 +4946,18 @@
   <p:clrMapOvr>
     <a:masterClrMapping/>
   </p:clrMapOvr>
-  <mc:AlternateContent xmlns:mc="http://schemas.openxmlformats.org/markup-compatibility/2006">
-    <mc:Choice xmlns:p14="http://schemas.microsoft.com/office/powerpoint/2010/main" Requires="p14">
+  <mc:AlternateContent xmlns:mc="http://schemas.openxmlformats.org/markup-compatibility/2006" xmlns:p14="http://schemas.microsoft.com/office/powerpoint/2010/main">
+    <mc:Choice Requires="p14">
       <p:transition spd="med" p14:dur="700">
         <p:fade/>
       </p:transition>
     </mc:Choice>
-    <mc:Fallback>
+    <mc:Fallback xmlns="">
       <p:transition spd="med">
         <p:fade/>
       </p:transition>
     </mc:Fallback>
   </mc:AlternateContent>
-  <p:timing>
-    <p:tnLst>
-      <p:par>
-        <p:cTn id="1" dur="indefinite" restart="never" nodeType="tmRoot"/>
-      </p:par>
-    </p:tnLst>
-  </p:timing>
 </p:sld>
 </file>
 
@@ -5107,11 +5002,7 @@
             </a:br>
             <a:r>
               <a:rPr lang="de-DE" sz="2000" dirty="0" smtClean="0"/>
-              <a:t>erster </a:t>
-            </a:r>
-            <a:r>
-              <a:rPr lang="de-DE" sz="2000" dirty="0" err="1" smtClean="0"/>
-              <a:t>milenStein</a:t>
+              <a:t>erster Meilenstein</a:t>
             </a:r>
             <a:endParaRPr lang="de-DE" dirty="0"/>
           </a:p>
@@ -5134,15 +5025,7 @@
           <a:p>
             <a:r>
               <a:rPr lang="de-DE" dirty="0" smtClean="0"/>
-              <a:t>Ziel des ersten </a:t>
-            </a:r>
-            <a:r>
-              <a:rPr lang="de-DE" dirty="0" err="1" smtClean="0"/>
-              <a:t>Milenstein</a:t>
-            </a:r>
-            <a:r>
-              <a:rPr lang="de-DE" dirty="0" smtClean="0"/>
-              <a:t> war es die Funktionsweise der einzelnen Programme heraus zu finden.</a:t>
+              <a:t>Ziel des ersten Meilensteins war es die Funktionsweise der einzelnen Programme heraus zu finden.</a:t>
             </a:r>
           </a:p>
           <a:p>
@@ -5247,25 +5130,18 @@
   <p:clrMapOvr>
     <a:masterClrMapping/>
   </p:clrMapOvr>
-  <mc:AlternateContent xmlns:mc="http://schemas.openxmlformats.org/markup-compatibility/2006">
-    <mc:Choice xmlns:p14="http://schemas.microsoft.com/office/powerpoint/2010/main" Requires="p14">
+  <mc:AlternateContent xmlns:mc="http://schemas.openxmlformats.org/markup-compatibility/2006" xmlns:p14="http://schemas.microsoft.com/office/powerpoint/2010/main">
+    <mc:Choice Requires="p14">
       <p:transition spd="med" p14:dur="700">
         <p:fade/>
       </p:transition>
     </mc:Choice>
-    <mc:Fallback>
+    <mc:Fallback xmlns="">
       <p:transition spd="med">
         <p:fade/>
       </p:transition>
     </mc:Fallback>
   </mc:AlternateContent>
-  <p:timing>
-    <p:tnLst>
-      <p:par>
-        <p:cTn id="1" dur="indefinite" restart="never" nodeType="tmRoot"/>
-      </p:par>
-    </p:tnLst>
-  </p:timing>
 </p:sld>
 </file>
 
@@ -5310,11 +5186,7 @@
             </a:br>
             <a:r>
               <a:rPr lang="de-DE" sz="2000" dirty="0" smtClean="0"/>
-              <a:t>Zweiter </a:t>
-            </a:r>
-            <a:r>
-              <a:rPr lang="de-DE" sz="2000" dirty="0" err="1" smtClean="0"/>
-              <a:t>milenStein</a:t>
+              <a:t>Zweiter Meilenstein</a:t>
             </a:r>
             <a:endParaRPr lang="de-DE" dirty="0"/>
           </a:p>
@@ -5337,15 +5209,7 @@
           <a:p>
             <a:r>
               <a:rPr lang="de-DE" dirty="0" smtClean="0"/>
-              <a:t>Im zweiten </a:t>
-            </a:r>
-            <a:r>
-              <a:rPr lang="de-DE" dirty="0" err="1" smtClean="0"/>
-              <a:t>Milenstein</a:t>
-            </a:r>
-            <a:r>
-              <a:rPr lang="de-DE" dirty="0" smtClean="0"/>
-              <a:t> sollte ein </a:t>
+              <a:t>Im zweiten Meilenstein sollte ein </a:t>
             </a:r>
             <a:r>
               <a:rPr lang="de-DE" dirty="0" err="1" smtClean="0"/>
@@ -5501,25 +5365,18 @@
   <p:clrMapOvr>
     <a:masterClrMapping/>
   </p:clrMapOvr>
-  <mc:AlternateContent xmlns:mc="http://schemas.openxmlformats.org/markup-compatibility/2006">
-    <mc:Choice xmlns:p14="http://schemas.microsoft.com/office/powerpoint/2010/main" Requires="p14">
+  <mc:AlternateContent xmlns:mc="http://schemas.openxmlformats.org/markup-compatibility/2006" xmlns:p14="http://schemas.microsoft.com/office/powerpoint/2010/main">
+    <mc:Choice Requires="p14">
       <p:transition spd="med" p14:dur="700">
         <p:fade/>
       </p:transition>
     </mc:Choice>
-    <mc:Fallback>
+    <mc:Fallback xmlns="">
       <p:transition spd="med">
         <p:fade/>
       </p:transition>
     </mc:Fallback>
   </mc:AlternateContent>
-  <p:timing>
-    <p:tnLst>
-      <p:par>
-        <p:cTn id="1" dur="indefinite" restart="never" nodeType="tmRoot"/>
-      </p:par>
-    </p:tnLst>
-  </p:timing>
 </p:sld>
 </file>
 
@@ -5564,162 +5421,6 @@
             </a:br>
             <a:r>
               <a:rPr lang="de-DE" sz="2000" dirty="0" smtClean="0"/>
-              <a:t>Heuristiken zur Erstellung von </a:t>
-            </a:r>
-            <a:r>
-              <a:rPr lang="de-DE" sz="2000" dirty="0" err="1" smtClean="0"/>
-              <a:t>Classification</a:t>
-            </a:r>
-            <a:r>
-              <a:rPr lang="de-DE" sz="2000" dirty="0" smtClean="0"/>
-              <a:t> TREES</a:t>
-            </a:r>
-            <a:endParaRPr lang="de-DE" dirty="0"/>
-          </a:p>
-        </p:txBody>
-      </p:sp>
-      <p:sp>
-        <p:nvSpPr>
-          <p:cNvPr id="3" name="Inhaltsplatzhalter 2"/>
-          <p:cNvSpPr>
-            <a:spLocks noGrp="1"/>
-          </p:cNvSpPr>
-          <p:nvPr>
-            <p:ph idx="1"/>
-          </p:nvPr>
-        </p:nvSpPr>
-        <p:spPr/>
-        <p:txBody>
-          <a:bodyPr/>
-          <a:lstStyle/>
-          <a:p>
-            <a:r>
-              <a:rPr lang="de-DE" dirty="0" smtClean="0"/>
-              <a:t> </a:t>
-            </a:r>
-            <a:endParaRPr lang="de-DE" dirty="0"/>
-          </a:p>
-        </p:txBody>
-      </p:sp>
-      <p:sp>
-        <p:nvSpPr>
-          <p:cNvPr id="4" name="Fußzeilenplatzhalter 3"/>
-          <p:cNvSpPr>
-            <a:spLocks noGrp="1"/>
-          </p:cNvSpPr>
-          <p:nvPr>
-            <p:ph type="ftr" sz="quarter" idx="11"/>
-          </p:nvPr>
-        </p:nvSpPr>
-        <p:spPr/>
-        <p:txBody>
-          <a:bodyPr/>
-          <a:lstStyle/>
-          <a:p>
-            <a:r>
-              <a:rPr lang="de-DE" smtClean="0"/>
-              <a:t>Daniel Gehn, Bianca Niklass und Aljoscha Czepoks</a:t>
-            </a:r>
-            <a:endParaRPr lang="de-DE" dirty="0"/>
-          </a:p>
-        </p:txBody>
-      </p:sp>
-      <p:sp>
-        <p:nvSpPr>
-          <p:cNvPr id="5" name="Foliennummernplatzhalter 4"/>
-          <p:cNvSpPr>
-            <a:spLocks noGrp="1"/>
-          </p:cNvSpPr>
-          <p:nvPr>
-            <p:ph type="sldNum" sz="quarter" idx="12"/>
-          </p:nvPr>
-        </p:nvSpPr>
-        <p:spPr/>
-        <p:txBody>
-          <a:bodyPr/>
-          <a:lstStyle/>
-          <a:p>
-            <a:fld id="{E31375A4-56A4-47D6-9801-1991572033F7}" type="slidenum">
-              <a:rPr lang="de-DE" smtClean="0"/>
-              <a:t>6</a:t>
-            </a:fld>
-            <a:endParaRPr lang="de-DE" dirty="0"/>
-          </a:p>
-        </p:txBody>
-      </p:sp>
-    </p:spTree>
-    <p:extLst>
-      <p:ext uri="{BB962C8B-B14F-4D97-AF65-F5344CB8AC3E}">
-        <p14:creationId xmlns:p14="http://schemas.microsoft.com/office/powerpoint/2010/main" val="651135536"/>
-      </p:ext>
-    </p:extLst>
-  </p:cSld>
-  <p:clrMapOvr>
-    <a:masterClrMapping/>
-  </p:clrMapOvr>
-  <mc:AlternateContent xmlns:mc="http://schemas.openxmlformats.org/markup-compatibility/2006">
-    <mc:Choice xmlns:p14="http://schemas.microsoft.com/office/powerpoint/2010/main" Requires="p14">
-      <p:transition spd="med" p14:dur="700">
-        <p:fade/>
-      </p:transition>
-    </mc:Choice>
-    <mc:Fallback>
-      <p:transition spd="med">
-        <p:fade/>
-      </p:transition>
-    </mc:Fallback>
-  </mc:AlternateContent>
-  <p:timing>
-    <p:tnLst>
-      <p:par>
-        <p:cTn id="1" dur="indefinite" restart="never" nodeType="tmRoot"/>
-      </p:par>
-    </p:tnLst>
-  </p:timing>
-</p:sld>
-</file>
-
-<file path=ppt/slides/slide7.xml><?xml version="1.0" encoding="utf-8"?>
-<p:sld xmlns:a="http://schemas.openxmlformats.org/drawingml/2006/main" xmlns:r="http://schemas.openxmlformats.org/officeDocument/2006/relationships" xmlns:p="http://schemas.openxmlformats.org/presentationml/2006/main">
-  <p:cSld>
-    <p:spTree>
-      <p:nvGrpSpPr>
-        <p:cNvPr id="1" name=""/>
-        <p:cNvGrpSpPr/>
-        <p:nvPr/>
-      </p:nvGrpSpPr>
-      <p:grpSpPr>
-        <a:xfrm>
-          <a:off x="0" y="0"/>
-          <a:ext cx="0" cy="0"/>
-          <a:chOff x="0" y="0"/>
-          <a:chExt cx="0" cy="0"/>
-        </a:xfrm>
-      </p:grpSpPr>
-      <p:sp>
-        <p:nvSpPr>
-          <p:cNvPr id="2" name="Titel 1"/>
-          <p:cNvSpPr>
-            <a:spLocks noGrp="1"/>
-          </p:cNvSpPr>
-          <p:nvPr>
-            <p:ph type="title"/>
-          </p:nvPr>
-        </p:nvSpPr>
-        <p:spPr/>
-        <p:txBody>
-          <a:bodyPr/>
-          <a:lstStyle/>
-          <a:p>
-            <a:r>
-              <a:rPr lang="de-DE" dirty="0"/>
-              <a:t>Testen von mobilen Anwendungen</a:t>
-            </a:r>
-            <a:br>
-              <a:rPr lang="de-DE" dirty="0"/>
-            </a:br>
-            <a:r>
-              <a:rPr lang="de-DE" sz="2000" dirty="0" smtClean="0"/>
               <a:t>Hürden mit dem </a:t>
             </a:r>
             <a:r>
@@ -5793,7 +5494,7 @@
           <a:p>
             <a:fld id="{E31375A4-56A4-47D6-9801-1991572033F7}" type="slidenum">
               <a:rPr lang="de-DE" smtClean="0"/>
-              <a:t>7</a:t>
+              <a:t>6</a:t>
             </a:fld>
             <a:endParaRPr lang="de-DE" dirty="0"/>
           </a:p>
@@ -5821,13 +5522,155 @@
       </p:transition>
     </mc:Fallback>
   </mc:AlternateContent>
-  <p:timing>
-    <p:tnLst>
-      <p:par>
-        <p:cTn id="1" dur="indefinite" restart="never" nodeType="tmRoot"/>
-      </p:par>
-    </p:tnLst>
-  </p:timing>
+</p:sld>
+</file>
+
+<file path=ppt/slides/slide7.xml><?xml version="1.0" encoding="utf-8"?>
+<p:sld xmlns:a="http://schemas.openxmlformats.org/drawingml/2006/main" xmlns:r="http://schemas.openxmlformats.org/officeDocument/2006/relationships" xmlns:p="http://schemas.openxmlformats.org/presentationml/2006/main">
+  <p:cSld>
+    <p:spTree>
+      <p:nvGrpSpPr>
+        <p:cNvPr id="1" name=""/>
+        <p:cNvGrpSpPr/>
+        <p:nvPr/>
+      </p:nvGrpSpPr>
+      <p:grpSpPr>
+        <a:xfrm>
+          <a:off x="0" y="0"/>
+          <a:ext cx="0" cy="0"/>
+          <a:chOff x="0" y="0"/>
+          <a:chExt cx="0" cy="0"/>
+        </a:xfrm>
+      </p:grpSpPr>
+      <p:sp>
+        <p:nvSpPr>
+          <p:cNvPr id="2" name="Titel 1"/>
+          <p:cNvSpPr>
+            <a:spLocks noGrp="1"/>
+          </p:cNvSpPr>
+          <p:nvPr>
+            <p:ph type="title"/>
+          </p:nvPr>
+        </p:nvSpPr>
+        <p:spPr/>
+        <p:txBody>
+          <a:bodyPr/>
+          <a:lstStyle/>
+          <a:p>
+            <a:r>
+              <a:rPr lang="de-DE" dirty="0"/>
+              <a:t>Testen von mobilen Anwendungen</a:t>
+            </a:r>
+            <a:br>
+              <a:rPr lang="de-DE" dirty="0"/>
+            </a:br>
+            <a:r>
+              <a:rPr lang="de-DE" sz="2000" dirty="0" smtClean="0"/>
+              <a:t>Heuristiken zur Erstellung von </a:t>
+            </a:r>
+            <a:r>
+              <a:rPr lang="de-DE" sz="2000" dirty="0" err="1" smtClean="0"/>
+              <a:t>Classification</a:t>
+            </a:r>
+            <a:r>
+              <a:rPr lang="de-DE" sz="2000" dirty="0" smtClean="0"/>
+              <a:t> TREES</a:t>
+            </a:r>
+            <a:endParaRPr lang="de-DE" dirty="0"/>
+          </a:p>
+        </p:txBody>
+      </p:sp>
+      <p:sp>
+        <p:nvSpPr>
+          <p:cNvPr id="3" name="Inhaltsplatzhalter 2"/>
+          <p:cNvSpPr>
+            <a:spLocks noGrp="1"/>
+          </p:cNvSpPr>
+          <p:nvPr>
+            <p:ph idx="1"/>
+          </p:nvPr>
+        </p:nvSpPr>
+        <p:spPr/>
+        <p:txBody>
+          <a:bodyPr/>
+          <a:lstStyle/>
+          <a:p>
+            <a:r>
+              <a:rPr lang="de-DE" dirty="0" smtClean="0"/>
+              <a:t> </a:t>
+            </a:r>
+            <a:endParaRPr lang="de-DE" dirty="0"/>
+          </a:p>
+        </p:txBody>
+      </p:sp>
+      <p:sp>
+        <p:nvSpPr>
+          <p:cNvPr id="4" name="Fußzeilenplatzhalter 3"/>
+          <p:cNvSpPr>
+            <a:spLocks noGrp="1"/>
+          </p:cNvSpPr>
+          <p:nvPr>
+            <p:ph type="ftr" sz="quarter" idx="11"/>
+          </p:nvPr>
+        </p:nvSpPr>
+        <p:spPr/>
+        <p:txBody>
+          <a:bodyPr/>
+          <a:lstStyle/>
+          <a:p>
+            <a:r>
+              <a:rPr lang="de-DE" smtClean="0"/>
+              <a:t>Daniel Gehn, Bianca Niklass und Aljoscha Czepoks</a:t>
+            </a:r>
+            <a:endParaRPr lang="de-DE" dirty="0"/>
+          </a:p>
+        </p:txBody>
+      </p:sp>
+      <p:sp>
+        <p:nvSpPr>
+          <p:cNvPr id="5" name="Foliennummernplatzhalter 4"/>
+          <p:cNvSpPr>
+            <a:spLocks noGrp="1"/>
+          </p:cNvSpPr>
+          <p:nvPr>
+            <p:ph type="sldNum" sz="quarter" idx="12"/>
+          </p:nvPr>
+        </p:nvSpPr>
+        <p:spPr/>
+        <p:txBody>
+          <a:bodyPr/>
+          <a:lstStyle/>
+          <a:p>
+            <a:fld id="{E31375A4-56A4-47D6-9801-1991572033F7}" type="slidenum">
+              <a:rPr lang="de-DE" smtClean="0"/>
+              <a:t>7</a:t>
+            </a:fld>
+            <a:endParaRPr lang="de-DE" dirty="0"/>
+          </a:p>
+        </p:txBody>
+      </p:sp>
+    </p:spTree>
+    <p:extLst>
+      <p:ext uri="{BB962C8B-B14F-4D97-AF65-F5344CB8AC3E}">
+        <p14:creationId xmlns:p14="http://schemas.microsoft.com/office/powerpoint/2010/main" val="651135536"/>
+      </p:ext>
+    </p:extLst>
+  </p:cSld>
+  <p:clrMapOvr>
+    <a:masterClrMapping/>
+  </p:clrMapOvr>
+  <mc:AlternateContent xmlns:mc="http://schemas.openxmlformats.org/markup-compatibility/2006" xmlns:p14="http://schemas.microsoft.com/office/powerpoint/2010/main">
+    <mc:Choice Requires="p14">
+      <p:transition spd="med" p14:dur="700">
+        <p:fade/>
+      </p:transition>
+    </mc:Choice>
+    <mc:Fallback xmlns="">
+      <p:transition spd="med">
+        <p:fade/>
+      </p:transition>
+    </mc:Fallback>
+  </mc:AlternateContent>
 </p:sld>
 </file>
 
@@ -5962,25 +5805,18 @@
   <p:clrMapOvr>
     <a:masterClrMapping/>
   </p:clrMapOvr>
-  <mc:AlternateContent xmlns:mc="http://schemas.openxmlformats.org/markup-compatibility/2006">
-    <mc:Choice xmlns:p14="http://schemas.microsoft.com/office/powerpoint/2010/main" Requires="p14">
+  <mc:AlternateContent xmlns:mc="http://schemas.openxmlformats.org/markup-compatibility/2006" xmlns:p14="http://schemas.microsoft.com/office/powerpoint/2010/main">
+    <mc:Choice Requires="p14">
       <p:transition spd="med" p14:dur="700">
         <p:fade/>
       </p:transition>
     </mc:Choice>
-    <mc:Fallback>
+    <mc:Fallback xmlns="">
       <p:transition spd="med">
         <p:fade/>
       </p:transition>
     </mc:Fallback>
   </mc:AlternateContent>
-  <p:timing>
-    <p:tnLst>
-      <p:par>
-        <p:cTn id="1" dur="indefinite" restart="never" nodeType="tmRoot"/>
-      </p:par>
-    </p:tnLst>
-  </p:timing>
 </p:sld>
 </file>
 

--- a/TestenMileStone3.pptx
+++ b/TestenMileStone3.pptx
@@ -5,10 +5,10 @@
     <p:sldMasterId id="2147483648" r:id="rId2"/>
   </p:sldMasterIdLst>
   <p:notesMasterIdLst>
-    <p:notesMasterId r:id="rId11"/>
+    <p:notesMasterId r:id="rId16"/>
   </p:notesMasterIdLst>
   <p:handoutMasterIdLst>
-    <p:handoutMasterId r:id="rId12"/>
+    <p:handoutMasterId r:id="rId17"/>
   </p:handoutMasterIdLst>
   <p:sldIdLst>
     <p:sldId id="256" r:id="rId3"/>
@@ -18,7 +18,12 @@
     <p:sldId id="260" r:id="rId7"/>
     <p:sldId id="263" r:id="rId8"/>
     <p:sldId id="261" r:id="rId9"/>
-    <p:sldId id="262" r:id="rId10"/>
+    <p:sldId id="264" r:id="rId10"/>
+    <p:sldId id="265" r:id="rId11"/>
+    <p:sldId id="266" r:id="rId12"/>
+    <p:sldId id="267" r:id="rId13"/>
+    <p:sldId id="268" r:id="rId14"/>
+    <p:sldId id="262" r:id="rId15"/>
   </p:sldIdLst>
   <p:sldSz cx="12192000" cy="6858000"/>
   <p:notesSz cx="6858000" cy="9144000"/>
@@ -4589,6 +4594,1913 @@
 </p:sld>
 </file>
 
+<file path=ppt/slides/slide10.xml><?xml version="1.0" encoding="utf-8"?>
+<p:sld xmlns:a="http://schemas.openxmlformats.org/drawingml/2006/main" xmlns:r="http://schemas.openxmlformats.org/officeDocument/2006/relationships" xmlns:p="http://schemas.openxmlformats.org/presentationml/2006/main">
+  <p:cSld>
+    <p:spTree>
+      <p:nvGrpSpPr>
+        <p:cNvPr id="1" name=""/>
+        <p:cNvGrpSpPr/>
+        <p:nvPr/>
+      </p:nvGrpSpPr>
+      <p:grpSpPr>
+        <a:xfrm>
+          <a:off x="0" y="0"/>
+          <a:ext cx="0" cy="0"/>
+          <a:chOff x="0" y="0"/>
+          <a:chExt cx="0" cy="0"/>
+        </a:xfrm>
+      </p:grpSpPr>
+      <p:sp>
+        <p:nvSpPr>
+          <p:cNvPr id="2" name="Titel 1"/>
+          <p:cNvSpPr>
+            <a:spLocks noGrp="1"/>
+          </p:cNvSpPr>
+          <p:nvPr>
+            <p:ph type="title"/>
+          </p:nvPr>
+        </p:nvSpPr>
+        <p:spPr/>
+        <p:txBody>
+          <a:bodyPr/>
+          <a:lstStyle/>
+          <a:p>
+            <a:r>
+              <a:rPr lang="de-DE" dirty="0"/>
+              <a:t>Testen von mobilen </a:t>
+            </a:r>
+            <a:r>
+              <a:rPr lang="de-DE" dirty="0" smtClean="0"/>
+              <a:t>Anwendungen</a:t>
+            </a:r>
+            <a:br>
+              <a:rPr lang="de-DE" dirty="0" smtClean="0"/>
+            </a:br>
+            <a:r>
+              <a:rPr lang="de-DE" sz="2000" dirty="0" err="1" smtClean="0"/>
+              <a:t>classification</a:t>
+            </a:r>
+            <a:r>
+              <a:rPr lang="de-DE" sz="2000" dirty="0" smtClean="0"/>
+              <a:t> </a:t>
+            </a:r>
+            <a:r>
+              <a:rPr lang="de-DE" sz="2000" dirty="0" err="1" smtClean="0"/>
+              <a:t>Trees</a:t>
+            </a:r>
+            <a:r>
+              <a:rPr lang="de-DE" sz="2000" dirty="0" smtClean="0"/>
+              <a:t> - Situation 3</a:t>
+            </a:r>
+            <a:endParaRPr lang="de-DE" dirty="0"/>
+          </a:p>
+        </p:txBody>
+      </p:sp>
+      <p:sp>
+        <p:nvSpPr>
+          <p:cNvPr id="4" name="Fußzeilenplatzhalter 3"/>
+          <p:cNvSpPr>
+            <a:spLocks noGrp="1"/>
+          </p:cNvSpPr>
+          <p:nvPr>
+            <p:ph type="ftr" sz="quarter" idx="11"/>
+          </p:nvPr>
+        </p:nvSpPr>
+        <p:spPr/>
+        <p:txBody>
+          <a:bodyPr/>
+          <a:lstStyle/>
+          <a:p>
+            <a:r>
+              <a:rPr lang="de-DE" smtClean="0"/>
+              <a:t>Daniel Gehn, Bianca Niklass und Aljoscha Czepoks</a:t>
+            </a:r>
+            <a:endParaRPr lang="de-DE" dirty="0"/>
+          </a:p>
+        </p:txBody>
+      </p:sp>
+      <p:sp>
+        <p:nvSpPr>
+          <p:cNvPr id="5" name="Foliennummernplatzhalter 4"/>
+          <p:cNvSpPr>
+            <a:spLocks noGrp="1"/>
+          </p:cNvSpPr>
+          <p:nvPr>
+            <p:ph type="sldNum" sz="quarter" idx="12"/>
+          </p:nvPr>
+        </p:nvSpPr>
+        <p:spPr/>
+        <p:txBody>
+          <a:bodyPr/>
+          <a:lstStyle/>
+          <a:p>
+            <a:fld id="{E31375A4-56A4-47D6-9801-1991572033F7}" type="slidenum">
+              <a:rPr lang="de-DE" smtClean="0"/>
+              <a:t>10</a:t>
+            </a:fld>
+            <a:endParaRPr lang="de-DE" dirty="0"/>
+          </a:p>
+        </p:txBody>
+      </p:sp>
+      <p:pic>
+        <p:nvPicPr>
+          <p:cNvPr id="9" name="Grafik 8"/>
+          <p:cNvPicPr>
+            <a:picLocks noChangeAspect="1"/>
+          </p:cNvPicPr>
+          <p:nvPr/>
+        </p:nvPicPr>
+        <p:blipFill>
+          <a:blip r:embed="rId2">
+            <a:extLst>
+              <a:ext uri="{28A0092B-C50C-407E-A947-70E740481C1C}">
+                <a14:useLocalDpi xmlns:a14="http://schemas.microsoft.com/office/drawing/2010/main" val="0"/>
+              </a:ext>
+            </a:extLst>
+          </a:blip>
+          <a:stretch>
+            <a:fillRect/>
+          </a:stretch>
+        </p:blipFill>
+        <p:spPr>
+          <a:xfrm>
+            <a:off x="3986279" y="2206272"/>
+            <a:ext cx="7845501" cy="3188463"/>
+          </a:xfrm>
+          <a:prstGeom prst="rect">
+            <a:avLst/>
+          </a:prstGeom>
+        </p:spPr>
+      </p:pic>
+      <p:sp>
+        <p:nvSpPr>
+          <p:cNvPr id="8" name="Inhaltsplatzhalter 7"/>
+          <p:cNvSpPr>
+            <a:spLocks noGrp="1"/>
+          </p:cNvSpPr>
+          <p:nvPr>
+            <p:ph sz="half" idx="2"/>
+          </p:nvPr>
+        </p:nvSpPr>
+        <p:spPr>
+          <a:xfrm>
+            <a:off x="599209" y="1523999"/>
+            <a:ext cx="3387070" cy="4553011"/>
+          </a:xfrm>
+        </p:spPr>
+        <p:txBody>
+          <a:bodyPr>
+            <a:normAutofit/>
+          </a:bodyPr>
+          <a:lstStyle/>
+          <a:p>
+            <a:r>
+              <a:rPr lang="de-DE" dirty="0" smtClean="0"/>
+              <a:t>Einen Schritt zurück gehen</a:t>
+            </a:r>
+          </a:p>
+          <a:p>
+            <a:r>
+              <a:rPr lang="de-DE" dirty="0" smtClean="0"/>
+              <a:t>Hier: Login kann fehlschlagen</a:t>
+            </a:r>
+          </a:p>
+          <a:p>
+            <a:r>
+              <a:rPr lang="de-DE" dirty="0" smtClean="0"/>
+              <a:t>Verschiedene Lösungen:</a:t>
+            </a:r>
+          </a:p>
+          <a:p>
+            <a:pPr lvl="1"/>
+            <a:r>
+              <a:rPr lang="de-DE" dirty="0" smtClean="0"/>
+              <a:t>Zweig enden lassen</a:t>
+            </a:r>
+          </a:p>
+          <a:p>
+            <a:pPr lvl="1"/>
+            <a:r>
+              <a:rPr lang="de-DE" dirty="0" smtClean="0"/>
+              <a:t>vorherigen </a:t>
+            </a:r>
+            <a:r>
+              <a:rPr lang="de-DE" dirty="0" err="1" smtClean="0"/>
+              <a:t>Teilbaum</a:t>
+            </a:r>
+            <a:r>
+              <a:rPr lang="de-DE" dirty="0" smtClean="0"/>
+              <a:t> anhängen</a:t>
+            </a:r>
+          </a:p>
+          <a:p>
+            <a:pPr lvl="1"/>
+            <a:r>
+              <a:rPr lang="de-DE" dirty="0" smtClean="0"/>
+              <a:t>modifizierten vorherigen </a:t>
+            </a:r>
+            <a:r>
+              <a:rPr lang="de-DE" dirty="0" err="1" smtClean="0"/>
+              <a:t>Teilbaum</a:t>
+            </a:r>
+            <a:r>
+              <a:rPr lang="de-DE" dirty="0" smtClean="0"/>
+              <a:t> anhängen</a:t>
+            </a:r>
+          </a:p>
+          <a:p>
+            <a:r>
+              <a:rPr lang="de-DE" dirty="0"/>
+              <a:t>Resultat: modifizierter </a:t>
+            </a:r>
+            <a:r>
+              <a:rPr lang="de-DE" dirty="0" err="1"/>
+              <a:t>Teilbaum</a:t>
+            </a:r>
+            <a:r>
+              <a:rPr lang="de-DE" dirty="0"/>
+              <a:t> „</a:t>
+            </a:r>
+            <a:r>
+              <a:rPr lang="de-DE" dirty="0" err="1"/>
+              <a:t>Loginmaske</a:t>
+            </a:r>
+            <a:r>
+              <a:rPr lang="de-DE" dirty="0"/>
+              <a:t>“ bei inkorrektem Login</a:t>
+            </a:r>
+          </a:p>
+          <a:p>
+            <a:endParaRPr lang="de-DE" dirty="0" smtClean="0"/>
+          </a:p>
+        </p:txBody>
+      </p:sp>
+    </p:spTree>
+    <p:extLst>
+      <p:ext uri="{BB962C8B-B14F-4D97-AF65-F5344CB8AC3E}">
+        <p14:creationId xmlns:p14="http://schemas.microsoft.com/office/powerpoint/2010/main" val="2773183120"/>
+      </p:ext>
+    </p:extLst>
+  </p:cSld>
+  <p:clrMapOvr>
+    <a:masterClrMapping/>
+  </p:clrMapOvr>
+  <mc:AlternateContent xmlns:mc="http://schemas.openxmlformats.org/markup-compatibility/2006" xmlns:p14="http://schemas.microsoft.com/office/powerpoint/2010/main">
+    <mc:Choice Requires="p14">
+      <p:transition spd="med" p14:dur="700">
+        <p:fade/>
+      </p:transition>
+    </mc:Choice>
+    <mc:Fallback xmlns="">
+      <p:transition spd="med">
+        <p:fade/>
+      </p:transition>
+    </mc:Fallback>
+  </mc:AlternateContent>
+</p:sld>
+</file>
+
+<file path=ppt/slides/slide11.xml><?xml version="1.0" encoding="utf-8"?>
+<p:sld xmlns:a="http://schemas.openxmlformats.org/drawingml/2006/main" xmlns:r="http://schemas.openxmlformats.org/officeDocument/2006/relationships" xmlns:p="http://schemas.openxmlformats.org/presentationml/2006/main">
+  <p:cSld>
+    <p:spTree>
+      <p:nvGrpSpPr>
+        <p:cNvPr id="1" name=""/>
+        <p:cNvGrpSpPr/>
+        <p:nvPr/>
+      </p:nvGrpSpPr>
+      <p:grpSpPr>
+        <a:xfrm>
+          <a:off x="0" y="0"/>
+          <a:ext cx="0" cy="0"/>
+          <a:chOff x="0" y="0"/>
+          <a:chExt cx="0" cy="0"/>
+        </a:xfrm>
+      </p:grpSpPr>
+      <p:sp>
+        <p:nvSpPr>
+          <p:cNvPr id="2" name="Titel 1"/>
+          <p:cNvSpPr>
+            <a:spLocks noGrp="1"/>
+          </p:cNvSpPr>
+          <p:nvPr>
+            <p:ph type="title"/>
+          </p:nvPr>
+        </p:nvSpPr>
+        <p:spPr/>
+        <p:txBody>
+          <a:bodyPr/>
+          <a:lstStyle/>
+          <a:p>
+            <a:r>
+              <a:rPr lang="de-DE" dirty="0"/>
+              <a:t>Testen von mobilen </a:t>
+            </a:r>
+            <a:r>
+              <a:rPr lang="de-DE" dirty="0" smtClean="0"/>
+              <a:t>Anwendungen</a:t>
+            </a:r>
+            <a:br>
+              <a:rPr lang="de-DE" dirty="0" smtClean="0"/>
+            </a:br>
+            <a:r>
+              <a:rPr lang="de-DE" sz="2000" dirty="0" err="1" smtClean="0"/>
+              <a:t>classification</a:t>
+            </a:r>
+            <a:r>
+              <a:rPr lang="de-DE" sz="2000" dirty="0" smtClean="0"/>
+              <a:t> </a:t>
+            </a:r>
+            <a:r>
+              <a:rPr lang="de-DE" sz="2000" dirty="0" err="1" smtClean="0"/>
+              <a:t>Trees</a:t>
+            </a:r>
+            <a:r>
+              <a:rPr lang="de-DE" sz="2000" dirty="0" smtClean="0"/>
+              <a:t> - Situation 4</a:t>
+            </a:r>
+            <a:endParaRPr lang="de-DE" dirty="0"/>
+          </a:p>
+        </p:txBody>
+      </p:sp>
+      <p:sp>
+        <p:nvSpPr>
+          <p:cNvPr id="4" name="Fußzeilenplatzhalter 3"/>
+          <p:cNvSpPr>
+            <a:spLocks noGrp="1"/>
+          </p:cNvSpPr>
+          <p:nvPr>
+            <p:ph type="ftr" sz="quarter" idx="11"/>
+          </p:nvPr>
+        </p:nvSpPr>
+        <p:spPr/>
+        <p:txBody>
+          <a:bodyPr/>
+          <a:lstStyle/>
+          <a:p>
+            <a:r>
+              <a:rPr lang="de-DE" smtClean="0"/>
+              <a:t>Daniel Gehn, Bianca Niklass und Aljoscha Czepoks</a:t>
+            </a:r>
+            <a:endParaRPr lang="de-DE" dirty="0"/>
+          </a:p>
+        </p:txBody>
+      </p:sp>
+      <p:sp>
+        <p:nvSpPr>
+          <p:cNvPr id="5" name="Foliennummernplatzhalter 4"/>
+          <p:cNvSpPr>
+            <a:spLocks noGrp="1"/>
+          </p:cNvSpPr>
+          <p:nvPr>
+            <p:ph type="sldNum" sz="quarter" idx="12"/>
+          </p:nvPr>
+        </p:nvSpPr>
+        <p:spPr/>
+        <p:txBody>
+          <a:bodyPr/>
+          <a:lstStyle/>
+          <a:p>
+            <a:fld id="{E31375A4-56A4-47D6-9801-1991572033F7}" type="slidenum">
+              <a:rPr lang="de-DE" smtClean="0"/>
+              <a:t>11</a:t>
+            </a:fld>
+            <a:endParaRPr lang="de-DE" dirty="0"/>
+          </a:p>
+        </p:txBody>
+      </p:sp>
+      <p:pic>
+        <p:nvPicPr>
+          <p:cNvPr id="9" name="Grafik 8"/>
+          <p:cNvPicPr>
+            <a:picLocks noChangeAspect="1"/>
+          </p:cNvPicPr>
+          <p:nvPr/>
+        </p:nvPicPr>
+        <p:blipFill>
+          <a:blip r:embed="rId2">
+            <a:extLst>
+              <a:ext uri="{28A0092B-C50C-407E-A947-70E740481C1C}">
+                <a14:useLocalDpi xmlns:a14="http://schemas.microsoft.com/office/drawing/2010/main" val="0"/>
+              </a:ext>
+            </a:extLst>
+          </a:blip>
+          <a:stretch>
+            <a:fillRect/>
+          </a:stretch>
+        </p:blipFill>
+        <p:spPr>
+          <a:xfrm>
+            <a:off x="4080063" y="2257200"/>
+            <a:ext cx="7845501" cy="3188463"/>
+          </a:xfrm>
+          <a:prstGeom prst="rect">
+            <a:avLst/>
+          </a:prstGeom>
+        </p:spPr>
+      </p:pic>
+      <p:sp>
+        <p:nvSpPr>
+          <p:cNvPr id="8" name="Inhaltsplatzhalter 7"/>
+          <p:cNvSpPr>
+            <a:spLocks noGrp="1"/>
+          </p:cNvSpPr>
+          <p:nvPr>
+            <p:ph sz="half" idx="2"/>
+          </p:nvPr>
+        </p:nvSpPr>
+        <p:spPr>
+          <a:xfrm>
+            <a:off x="599209" y="1523999"/>
+            <a:ext cx="3387070" cy="2341419"/>
+          </a:xfrm>
+        </p:spPr>
+        <p:txBody>
+          <a:bodyPr>
+            <a:normAutofit/>
+          </a:bodyPr>
+          <a:lstStyle/>
+          <a:p>
+            <a:r>
+              <a:rPr lang="de-DE" dirty="0" smtClean="0"/>
+              <a:t>Prüfung einer Eingabe und verschiedene Ansichten als Ziel</a:t>
+            </a:r>
+          </a:p>
+          <a:p>
+            <a:r>
+              <a:rPr lang="de-DE" dirty="0" smtClean="0"/>
+              <a:t>Hier: Gültigkeit der </a:t>
+            </a:r>
+            <a:r>
+              <a:rPr lang="de-DE" dirty="0" err="1" smtClean="0"/>
+              <a:t>Logindaten</a:t>
+            </a:r>
+            <a:endParaRPr lang="de-DE" dirty="0" smtClean="0"/>
+          </a:p>
+          <a:p>
+            <a:r>
+              <a:rPr lang="de-DE" dirty="0" err="1" smtClean="0"/>
+              <a:t>Dependency</a:t>
+            </a:r>
+            <a:r>
+              <a:rPr lang="de-DE" dirty="0" smtClean="0"/>
+              <a:t> Rules</a:t>
+            </a:r>
+          </a:p>
+          <a:p>
+            <a:endParaRPr lang="de-DE" dirty="0" smtClean="0"/>
+          </a:p>
+        </p:txBody>
+      </p:sp>
+    </p:spTree>
+    <p:extLst>
+      <p:ext uri="{BB962C8B-B14F-4D97-AF65-F5344CB8AC3E}">
+        <p14:creationId xmlns:p14="http://schemas.microsoft.com/office/powerpoint/2010/main" val="1166848847"/>
+      </p:ext>
+    </p:extLst>
+  </p:cSld>
+  <p:clrMapOvr>
+    <a:masterClrMapping/>
+  </p:clrMapOvr>
+  <mc:AlternateContent xmlns:mc="http://schemas.openxmlformats.org/markup-compatibility/2006" xmlns:p14="http://schemas.microsoft.com/office/powerpoint/2010/main">
+    <mc:Choice Requires="p14">
+      <p:transition spd="med" p14:dur="700">
+        <p:fade/>
+      </p:transition>
+    </mc:Choice>
+    <mc:Fallback xmlns="">
+      <p:transition spd="med">
+        <p:fade/>
+      </p:transition>
+    </mc:Fallback>
+  </mc:AlternateContent>
+</p:sld>
+</file>
+
+<file path=ppt/slides/slide12.xml><?xml version="1.0" encoding="utf-8"?>
+<p:sld xmlns:a="http://schemas.openxmlformats.org/drawingml/2006/main" xmlns:r="http://schemas.openxmlformats.org/officeDocument/2006/relationships" xmlns:p="http://schemas.openxmlformats.org/presentationml/2006/main">
+  <p:cSld>
+    <p:spTree>
+      <p:nvGrpSpPr>
+        <p:cNvPr id="1" name=""/>
+        <p:cNvGrpSpPr/>
+        <p:nvPr/>
+      </p:nvGrpSpPr>
+      <p:grpSpPr>
+        <a:xfrm>
+          <a:off x="0" y="0"/>
+          <a:ext cx="0" cy="0"/>
+          <a:chOff x="0" y="0"/>
+          <a:chExt cx="0" cy="0"/>
+        </a:xfrm>
+      </p:grpSpPr>
+      <p:sp>
+        <p:nvSpPr>
+          <p:cNvPr id="2" name="Titel 1"/>
+          <p:cNvSpPr>
+            <a:spLocks noGrp="1"/>
+          </p:cNvSpPr>
+          <p:nvPr>
+            <p:ph type="title"/>
+          </p:nvPr>
+        </p:nvSpPr>
+        <p:spPr/>
+        <p:txBody>
+          <a:bodyPr/>
+          <a:lstStyle/>
+          <a:p>
+            <a:r>
+              <a:rPr lang="de-DE" dirty="0"/>
+              <a:t>Testen von mobilen </a:t>
+            </a:r>
+            <a:r>
+              <a:rPr lang="de-DE" dirty="0" smtClean="0"/>
+              <a:t>Anwendungen</a:t>
+            </a:r>
+            <a:br>
+              <a:rPr lang="de-DE" dirty="0" smtClean="0"/>
+            </a:br>
+            <a:r>
+              <a:rPr lang="de-DE" sz="2000" dirty="0" err="1" smtClean="0"/>
+              <a:t>classification</a:t>
+            </a:r>
+            <a:r>
+              <a:rPr lang="de-DE" sz="2000" dirty="0" smtClean="0"/>
+              <a:t> </a:t>
+            </a:r>
+            <a:r>
+              <a:rPr lang="de-DE" sz="2000" dirty="0" err="1" smtClean="0"/>
+              <a:t>Trees</a:t>
+            </a:r>
+            <a:r>
+              <a:rPr lang="de-DE" sz="2000" dirty="0" smtClean="0"/>
+              <a:t> - Situation 4</a:t>
+            </a:r>
+            <a:endParaRPr lang="de-DE" dirty="0"/>
+          </a:p>
+        </p:txBody>
+      </p:sp>
+      <p:sp>
+        <p:nvSpPr>
+          <p:cNvPr id="4" name="Fußzeilenplatzhalter 3"/>
+          <p:cNvSpPr>
+            <a:spLocks noGrp="1"/>
+          </p:cNvSpPr>
+          <p:nvPr>
+            <p:ph type="ftr" sz="quarter" idx="11"/>
+          </p:nvPr>
+        </p:nvSpPr>
+        <p:spPr/>
+        <p:txBody>
+          <a:bodyPr/>
+          <a:lstStyle/>
+          <a:p>
+            <a:r>
+              <a:rPr lang="de-DE" smtClean="0"/>
+              <a:t>Daniel Gehn, Bianca Niklass und Aljoscha Czepoks</a:t>
+            </a:r>
+            <a:endParaRPr lang="de-DE" dirty="0"/>
+          </a:p>
+        </p:txBody>
+      </p:sp>
+      <p:sp>
+        <p:nvSpPr>
+          <p:cNvPr id="5" name="Foliennummernplatzhalter 4"/>
+          <p:cNvSpPr>
+            <a:spLocks noGrp="1"/>
+          </p:cNvSpPr>
+          <p:nvPr>
+            <p:ph type="sldNum" sz="quarter" idx="12"/>
+          </p:nvPr>
+        </p:nvSpPr>
+        <p:spPr/>
+        <p:txBody>
+          <a:bodyPr/>
+          <a:lstStyle/>
+          <a:p>
+            <a:fld id="{E31375A4-56A4-47D6-9801-1991572033F7}" type="slidenum">
+              <a:rPr lang="de-DE" smtClean="0"/>
+              <a:t>12</a:t>
+            </a:fld>
+            <a:endParaRPr lang="de-DE" dirty="0"/>
+          </a:p>
+        </p:txBody>
+      </p:sp>
+      <p:pic>
+        <p:nvPicPr>
+          <p:cNvPr id="9" name="Grafik 8"/>
+          <p:cNvPicPr>
+            <a:picLocks noChangeAspect="1"/>
+          </p:cNvPicPr>
+          <p:nvPr/>
+        </p:nvPicPr>
+        <p:blipFill>
+          <a:blip r:embed="rId2">
+            <a:extLst>
+              <a:ext uri="{28A0092B-C50C-407E-A947-70E740481C1C}">
+                <a14:useLocalDpi xmlns:a14="http://schemas.microsoft.com/office/drawing/2010/main" val="0"/>
+              </a:ext>
+            </a:extLst>
+          </a:blip>
+          <a:stretch>
+            <a:fillRect/>
+          </a:stretch>
+        </p:blipFill>
+        <p:spPr>
+          <a:xfrm>
+            <a:off x="4080063" y="2256799"/>
+            <a:ext cx="7845501" cy="3188463"/>
+          </a:xfrm>
+          <a:prstGeom prst="rect">
+            <a:avLst/>
+          </a:prstGeom>
+        </p:spPr>
+      </p:pic>
+      <p:sp>
+        <p:nvSpPr>
+          <p:cNvPr id="10" name="Rectangle 3"/>
+          <p:cNvSpPr>
+            <a:spLocks noChangeArrowheads="1"/>
+          </p:cNvSpPr>
+          <p:nvPr/>
+        </p:nvSpPr>
+        <p:spPr bwMode="auto">
+          <a:xfrm>
+            <a:off x="709029" y="1524000"/>
+            <a:ext cx="7200000" cy="4654062"/>
+          </a:xfrm>
+          <a:prstGeom prst="rect">
+            <a:avLst/>
+          </a:prstGeom>
+          <a:noFill/>
+          <a:ln>
+            <a:noFill/>
+          </a:ln>
+          <a:effectLst/>
+        </p:spPr>
+        <p:txBody>
+          <a:bodyPr vert="horz" wrap="square" lIns="0" tIns="0" rIns="0" bIns="0" numCol="1" anchor="t" anchorCtr="0" compatLnSpc="1">
+            <a:prstTxWarp prst="textNoShape">
+              <a:avLst/>
+            </a:prstTxWarp>
+            <a:noAutofit/>
+          </a:bodyPr>
+          <a:lstStyle/>
+          <a:p>
+            <a:pPr marL="0" marR="0" lvl="0" indent="0" algn="l" defTabSz="914400" rtl="0" eaLnBrk="0" fontAlgn="base" latinLnBrk="0" hangingPunct="0">
+              <a:lnSpc>
+                <a:spcPct val="100000"/>
+              </a:lnSpc>
+              <a:spcBef>
+                <a:spcPct val="0"/>
+              </a:spcBef>
+              <a:spcAft>
+                <a:spcPct val="0"/>
+              </a:spcAft>
+              <a:buClrTx/>
+              <a:buSzTx/>
+              <a:buFontTx/>
+              <a:buNone/>
+              <a:tabLst/>
+            </a:pPr>
+            <a:r>
+              <a:rPr kumimoji="0" lang="de-DE" altLang="de-DE" sz="1400" b="0" i="0" u="none" strike="noStrike" cap="none" normalizeH="0" baseline="0" dirty="0" smtClean="0">
+                <a:ln>
+                  <a:noFill/>
+                </a:ln>
+                <a:solidFill>
+                  <a:srgbClr val="333333"/>
+                </a:solidFill>
+                <a:effectLst/>
+                <a:latin typeface="Consolas" panose="020B0609020204030204" pitchFamily="49" charset="0"/>
+              </a:rPr>
+              <a:t>(</a:t>
+            </a:r>
+          </a:p>
+          <a:p>
+            <a:pPr marL="0" marR="0" lvl="0" indent="0" algn="l" defTabSz="914400" rtl="0" eaLnBrk="0" fontAlgn="base" latinLnBrk="0" hangingPunct="0">
+              <a:lnSpc>
+                <a:spcPct val="100000"/>
+              </a:lnSpc>
+              <a:spcBef>
+                <a:spcPct val="0"/>
+              </a:spcBef>
+              <a:spcAft>
+                <a:spcPct val="0"/>
+              </a:spcAft>
+              <a:buClrTx/>
+              <a:buSzTx/>
+              <a:buFontTx/>
+              <a:buNone/>
+              <a:tabLst/>
+            </a:pPr>
+            <a:r>
+              <a:rPr lang="de-DE" altLang="de-DE" sz="1400" dirty="0">
+                <a:solidFill>
+                  <a:srgbClr val="333333"/>
+                </a:solidFill>
+                <a:latin typeface="Consolas" panose="020B0609020204030204" pitchFamily="49" charset="0"/>
+              </a:rPr>
+              <a:t> </a:t>
+            </a:r>
+            <a:r>
+              <a:rPr lang="de-DE" altLang="de-DE" sz="1400" dirty="0" smtClean="0">
+                <a:solidFill>
+                  <a:srgbClr val="333333"/>
+                </a:solidFill>
+                <a:latin typeface="Consolas" panose="020B0609020204030204" pitchFamily="49" charset="0"/>
+              </a:rPr>
+              <a:t> </a:t>
+            </a:r>
+            <a:r>
+              <a:rPr kumimoji="0" lang="de-DE" altLang="de-DE" sz="1400" b="0" i="0" u="none" strike="noStrike" cap="none" normalizeH="0" baseline="0" dirty="0" smtClean="0">
+                <a:ln>
+                  <a:noFill/>
+                </a:ln>
+                <a:solidFill>
+                  <a:srgbClr val="333333"/>
+                </a:solidFill>
+                <a:effectLst/>
+                <a:latin typeface="Consolas" panose="020B0609020204030204" pitchFamily="49" charset="0"/>
+              </a:rPr>
+              <a:t>Helios Login AND</a:t>
+            </a:r>
+          </a:p>
+          <a:p>
+            <a:pPr marL="0" marR="0" lvl="0" indent="0" algn="l" defTabSz="914400" rtl="0" eaLnBrk="0" fontAlgn="base" latinLnBrk="0" hangingPunct="0">
+              <a:lnSpc>
+                <a:spcPct val="100000"/>
+              </a:lnSpc>
+              <a:spcBef>
+                <a:spcPct val="0"/>
+              </a:spcBef>
+              <a:spcAft>
+                <a:spcPct val="0"/>
+              </a:spcAft>
+              <a:buClrTx/>
+              <a:buSzTx/>
+              <a:buFontTx/>
+              <a:buNone/>
+              <a:tabLst/>
+            </a:pPr>
+            <a:r>
+              <a:rPr lang="de-DE" altLang="de-DE" sz="1400" dirty="0">
+                <a:solidFill>
+                  <a:srgbClr val="333333"/>
+                </a:solidFill>
+                <a:latin typeface="Consolas" panose="020B0609020204030204" pitchFamily="49" charset="0"/>
+              </a:rPr>
+              <a:t> </a:t>
+            </a:r>
+            <a:r>
+              <a:rPr lang="de-DE" altLang="de-DE" sz="1400" dirty="0" smtClean="0">
+                <a:solidFill>
+                  <a:srgbClr val="333333"/>
+                </a:solidFill>
+                <a:latin typeface="Consolas" panose="020B0609020204030204" pitchFamily="49" charset="0"/>
+              </a:rPr>
+              <a:t> </a:t>
+            </a:r>
+            <a:r>
+              <a:rPr kumimoji="0" lang="de-DE" altLang="de-DE" sz="1400" b="0" i="0" u="none" strike="noStrike" cap="none" normalizeH="0" baseline="0" dirty="0" smtClean="0">
+                <a:ln>
+                  <a:noFill/>
+                </a:ln>
+                <a:solidFill>
+                  <a:srgbClr val="333333"/>
+                </a:solidFill>
+                <a:effectLst/>
+                <a:latin typeface="Consolas" panose="020B0609020204030204" pitchFamily="49" charset="0"/>
+              </a:rPr>
+              <a:t>(</a:t>
+            </a:r>
+          </a:p>
+          <a:p>
+            <a:pPr marL="0" marR="0" lvl="0" indent="0" algn="l" defTabSz="914400" rtl="0" eaLnBrk="0" fontAlgn="base" latinLnBrk="0" hangingPunct="0">
+              <a:lnSpc>
+                <a:spcPct val="100000"/>
+              </a:lnSpc>
+              <a:spcBef>
+                <a:spcPct val="0"/>
+              </a:spcBef>
+              <a:spcAft>
+                <a:spcPct val="0"/>
+              </a:spcAft>
+              <a:buClrTx/>
+              <a:buSzTx/>
+              <a:buFontTx/>
+              <a:buNone/>
+              <a:tabLst/>
+            </a:pPr>
+            <a:r>
+              <a:rPr lang="de-DE" altLang="de-DE" sz="1400" dirty="0">
+                <a:solidFill>
+                  <a:srgbClr val="333333"/>
+                </a:solidFill>
+                <a:latin typeface="Consolas" panose="020B0609020204030204" pitchFamily="49" charset="0"/>
+              </a:rPr>
+              <a:t> </a:t>
+            </a:r>
+            <a:r>
+              <a:rPr lang="de-DE" altLang="de-DE" sz="1400" dirty="0" smtClean="0">
+                <a:solidFill>
+                  <a:srgbClr val="333333"/>
+                </a:solidFill>
+                <a:latin typeface="Consolas" panose="020B0609020204030204" pitchFamily="49" charset="0"/>
+              </a:rPr>
+              <a:t>   </a:t>
+            </a:r>
+            <a:r>
+              <a:rPr kumimoji="0" lang="de-DE" altLang="de-DE" sz="1400" b="0" i="0" u="none" strike="noStrike" cap="none" normalizeH="0" baseline="0" dirty="0" smtClean="0">
+                <a:ln>
+                  <a:noFill/>
+                </a:ln>
+                <a:solidFill>
+                  <a:srgbClr val="333333"/>
+                </a:solidFill>
+                <a:effectLst/>
+                <a:latin typeface="Consolas" panose="020B0609020204030204" pitchFamily="49" charset="0"/>
+              </a:rPr>
+              <a:t>(</a:t>
+            </a:r>
+          </a:p>
+          <a:p>
+            <a:pPr marL="0" marR="0" lvl="0" indent="0" algn="l" defTabSz="914400" rtl="0" eaLnBrk="0" fontAlgn="base" latinLnBrk="0" hangingPunct="0">
+              <a:lnSpc>
+                <a:spcPct val="100000"/>
+              </a:lnSpc>
+              <a:spcBef>
+                <a:spcPct val="0"/>
+              </a:spcBef>
+              <a:spcAft>
+                <a:spcPct val="0"/>
+              </a:spcAft>
+              <a:buClrTx/>
+              <a:buSzTx/>
+              <a:buFontTx/>
+              <a:buNone/>
+              <a:tabLst/>
+            </a:pPr>
+            <a:r>
+              <a:rPr lang="de-DE" altLang="de-DE" sz="1400" dirty="0">
+                <a:solidFill>
+                  <a:srgbClr val="333333"/>
+                </a:solidFill>
+                <a:latin typeface="Consolas" panose="020B0609020204030204" pitchFamily="49" charset="0"/>
+              </a:rPr>
+              <a:t> </a:t>
+            </a:r>
+            <a:r>
+              <a:rPr lang="de-DE" altLang="de-DE" sz="1400" dirty="0" smtClean="0">
+                <a:solidFill>
+                  <a:srgbClr val="333333"/>
+                </a:solidFill>
+                <a:latin typeface="Consolas" panose="020B0609020204030204" pitchFamily="49" charset="0"/>
+              </a:rPr>
+              <a:t>     </a:t>
+            </a:r>
+            <a:r>
+              <a:rPr kumimoji="0" lang="de-DE" altLang="de-DE" sz="1400" b="0" i="0" u="none" strike="noStrike" cap="none" normalizeH="0" baseline="0" dirty="0" err="1" smtClean="0">
+                <a:ln>
+                  <a:noFill/>
+                </a:ln>
+                <a:solidFill>
+                  <a:srgbClr val="333333"/>
+                </a:solidFill>
+                <a:effectLst/>
+                <a:latin typeface="Consolas" panose="020B0609020204030204" pitchFamily="49" charset="0"/>
+              </a:rPr>
+              <a:t>Loginname#inkorrekt</a:t>
+            </a:r>
+            <a:r>
+              <a:rPr kumimoji="0" lang="de-DE" altLang="de-DE" sz="1400" b="0" i="0" u="none" strike="noStrike" cap="none" normalizeH="0" baseline="0" dirty="0" smtClean="0">
+                <a:ln>
+                  <a:noFill/>
+                </a:ln>
+                <a:solidFill>
+                  <a:srgbClr val="333333"/>
+                </a:solidFill>
+                <a:effectLst/>
+                <a:latin typeface="Consolas" panose="020B0609020204030204" pitchFamily="49" charset="0"/>
+              </a:rPr>
+              <a:t> ausgefüllt</a:t>
+            </a:r>
+          </a:p>
+          <a:p>
+            <a:pPr marL="0" marR="0" lvl="0" indent="0" algn="l" defTabSz="914400" rtl="0" eaLnBrk="0" fontAlgn="base" latinLnBrk="0" hangingPunct="0">
+              <a:lnSpc>
+                <a:spcPct val="100000"/>
+              </a:lnSpc>
+              <a:spcBef>
+                <a:spcPct val="0"/>
+              </a:spcBef>
+              <a:spcAft>
+                <a:spcPct val="0"/>
+              </a:spcAft>
+              <a:buClrTx/>
+              <a:buSzTx/>
+              <a:buFontTx/>
+              <a:buNone/>
+              <a:tabLst/>
+            </a:pPr>
+            <a:r>
+              <a:rPr lang="de-DE" altLang="de-DE" sz="1400" dirty="0">
+                <a:solidFill>
+                  <a:srgbClr val="333333"/>
+                </a:solidFill>
+                <a:latin typeface="Consolas" panose="020B0609020204030204" pitchFamily="49" charset="0"/>
+              </a:rPr>
+              <a:t> </a:t>
+            </a:r>
+            <a:r>
+              <a:rPr lang="de-DE" altLang="de-DE" sz="1400" dirty="0" smtClean="0">
+                <a:solidFill>
+                  <a:srgbClr val="333333"/>
+                </a:solidFill>
+                <a:latin typeface="Consolas" panose="020B0609020204030204" pitchFamily="49" charset="0"/>
+              </a:rPr>
+              <a:t>     </a:t>
+            </a:r>
+            <a:r>
+              <a:rPr kumimoji="0" lang="de-DE" altLang="de-DE" sz="1400" b="0" i="0" u="none" strike="noStrike" cap="none" normalizeH="0" baseline="0" dirty="0" smtClean="0">
+                <a:ln>
+                  <a:noFill/>
+                </a:ln>
+                <a:solidFill>
+                  <a:srgbClr val="333333"/>
+                </a:solidFill>
+                <a:effectLst/>
+                <a:latin typeface="Consolas" panose="020B0609020204030204" pitchFamily="49" charset="0"/>
+              </a:rPr>
+              <a:t>OR </a:t>
+            </a:r>
+            <a:r>
+              <a:rPr kumimoji="0" lang="de-DE" altLang="de-DE" sz="1400" b="0" i="0" u="none" strike="noStrike" cap="none" normalizeH="0" baseline="0" dirty="0" err="1" smtClean="0">
+                <a:ln>
+                  <a:noFill/>
+                </a:ln>
+                <a:solidFill>
+                  <a:srgbClr val="333333"/>
+                </a:solidFill>
+                <a:effectLst/>
+                <a:latin typeface="Consolas" panose="020B0609020204030204" pitchFamily="49" charset="0"/>
+              </a:rPr>
+              <a:t>Passwort#inkorrekt</a:t>
+            </a:r>
+            <a:r>
+              <a:rPr kumimoji="0" lang="de-DE" altLang="de-DE" sz="1400" b="0" i="0" u="none" strike="noStrike" cap="none" normalizeH="0" baseline="0" dirty="0" smtClean="0">
+                <a:ln>
+                  <a:noFill/>
+                </a:ln>
+                <a:solidFill>
+                  <a:srgbClr val="333333"/>
+                </a:solidFill>
+                <a:effectLst/>
+                <a:latin typeface="Consolas" panose="020B0609020204030204" pitchFamily="49" charset="0"/>
+              </a:rPr>
+              <a:t> ausgefüllt</a:t>
+            </a:r>
+          </a:p>
+          <a:p>
+            <a:pPr marL="0" marR="0" lvl="0" indent="0" algn="l" defTabSz="914400" rtl="0" eaLnBrk="0" fontAlgn="base" latinLnBrk="0" hangingPunct="0">
+              <a:lnSpc>
+                <a:spcPct val="100000"/>
+              </a:lnSpc>
+              <a:spcBef>
+                <a:spcPct val="0"/>
+              </a:spcBef>
+              <a:spcAft>
+                <a:spcPct val="0"/>
+              </a:spcAft>
+              <a:buClrTx/>
+              <a:buSzTx/>
+              <a:buFontTx/>
+              <a:buNone/>
+              <a:tabLst/>
+            </a:pPr>
+            <a:r>
+              <a:rPr lang="de-DE" altLang="de-DE" sz="1400" dirty="0">
+                <a:solidFill>
+                  <a:srgbClr val="333333"/>
+                </a:solidFill>
+                <a:latin typeface="Consolas" panose="020B0609020204030204" pitchFamily="49" charset="0"/>
+              </a:rPr>
+              <a:t> </a:t>
+            </a:r>
+            <a:r>
+              <a:rPr lang="de-DE" altLang="de-DE" sz="1400" dirty="0" smtClean="0">
+                <a:solidFill>
+                  <a:srgbClr val="333333"/>
+                </a:solidFill>
+                <a:latin typeface="Consolas" panose="020B0609020204030204" pitchFamily="49" charset="0"/>
+              </a:rPr>
+              <a:t>   </a:t>
+            </a:r>
+            <a:r>
+              <a:rPr kumimoji="0" lang="de-DE" altLang="de-DE" sz="1400" b="0" i="0" u="none" strike="noStrike" cap="none" normalizeH="0" baseline="0" dirty="0" smtClean="0">
+                <a:ln>
+                  <a:noFill/>
+                </a:ln>
+                <a:solidFill>
+                  <a:srgbClr val="333333"/>
+                </a:solidFill>
+                <a:effectLst/>
+                <a:latin typeface="Consolas" panose="020B0609020204030204" pitchFamily="49" charset="0"/>
+              </a:rPr>
+              <a:t>)</a:t>
+            </a:r>
+          </a:p>
+          <a:p>
+            <a:pPr marL="0" marR="0" lvl="0" indent="0" algn="l" defTabSz="914400" rtl="0" eaLnBrk="0" fontAlgn="base" latinLnBrk="0" hangingPunct="0">
+              <a:lnSpc>
+                <a:spcPct val="100000"/>
+              </a:lnSpc>
+              <a:spcBef>
+                <a:spcPct val="0"/>
+              </a:spcBef>
+              <a:spcAft>
+                <a:spcPct val="0"/>
+              </a:spcAft>
+              <a:buClrTx/>
+              <a:buSzTx/>
+              <a:buFontTx/>
+              <a:buNone/>
+              <a:tabLst/>
+            </a:pPr>
+            <a:r>
+              <a:rPr lang="de-DE" altLang="de-DE" sz="1400" dirty="0">
+                <a:solidFill>
+                  <a:srgbClr val="333333"/>
+                </a:solidFill>
+                <a:latin typeface="Consolas" panose="020B0609020204030204" pitchFamily="49" charset="0"/>
+              </a:rPr>
+              <a:t> </a:t>
+            </a:r>
+            <a:r>
+              <a:rPr lang="de-DE" altLang="de-DE" sz="1400" dirty="0" smtClean="0">
+                <a:solidFill>
+                  <a:srgbClr val="333333"/>
+                </a:solidFill>
+                <a:latin typeface="Consolas" panose="020B0609020204030204" pitchFamily="49" charset="0"/>
+              </a:rPr>
+              <a:t>   </a:t>
+            </a:r>
+            <a:r>
+              <a:rPr kumimoji="0" lang="de-DE" altLang="de-DE" sz="1400" b="0" i="0" u="none" strike="noStrike" cap="none" normalizeH="0" baseline="0" dirty="0" smtClean="0">
+                <a:ln>
+                  <a:noFill/>
+                </a:ln>
+                <a:solidFill>
+                  <a:srgbClr val="333333"/>
+                </a:solidFill>
+                <a:effectLst/>
+                <a:latin typeface="Consolas" panose="020B0609020204030204" pitchFamily="49" charset="0"/>
+              </a:rPr>
+              <a:t>AND Login inkorrekt</a:t>
+            </a:r>
+          </a:p>
+          <a:p>
+            <a:pPr marL="0" marR="0" lvl="0" indent="0" algn="l" defTabSz="914400" rtl="0" eaLnBrk="0" fontAlgn="base" latinLnBrk="0" hangingPunct="0">
+              <a:lnSpc>
+                <a:spcPct val="100000"/>
+              </a:lnSpc>
+              <a:spcBef>
+                <a:spcPct val="0"/>
+              </a:spcBef>
+              <a:spcAft>
+                <a:spcPct val="0"/>
+              </a:spcAft>
+              <a:buClrTx/>
+              <a:buSzTx/>
+              <a:buFontTx/>
+              <a:buNone/>
+              <a:tabLst/>
+            </a:pPr>
+            <a:r>
+              <a:rPr lang="de-DE" altLang="de-DE" sz="1400" dirty="0">
+                <a:solidFill>
+                  <a:srgbClr val="333333"/>
+                </a:solidFill>
+                <a:latin typeface="Consolas" panose="020B0609020204030204" pitchFamily="49" charset="0"/>
+              </a:rPr>
+              <a:t> </a:t>
+            </a:r>
+            <a:r>
+              <a:rPr lang="de-DE" altLang="de-DE" sz="1400" dirty="0" smtClean="0">
+                <a:solidFill>
+                  <a:srgbClr val="333333"/>
+                </a:solidFill>
+                <a:latin typeface="Consolas" panose="020B0609020204030204" pitchFamily="49" charset="0"/>
+              </a:rPr>
+              <a:t>   </a:t>
+            </a:r>
+            <a:r>
+              <a:rPr kumimoji="0" lang="de-DE" altLang="de-DE" sz="1400" b="0" i="0" u="none" strike="noStrike" cap="none" normalizeH="0" baseline="0" dirty="0" smtClean="0">
+                <a:ln>
+                  <a:noFill/>
+                </a:ln>
+                <a:solidFill>
+                  <a:srgbClr val="333333"/>
+                </a:solidFill>
+                <a:effectLst/>
+                <a:latin typeface="Consolas" panose="020B0609020204030204" pitchFamily="49" charset="0"/>
+              </a:rPr>
+              <a:t>AND NOT Login korrekt</a:t>
+            </a:r>
+          </a:p>
+          <a:p>
+            <a:pPr marL="0" marR="0" lvl="0" indent="0" algn="l" defTabSz="914400" rtl="0" eaLnBrk="0" fontAlgn="base" latinLnBrk="0" hangingPunct="0">
+              <a:lnSpc>
+                <a:spcPct val="100000"/>
+              </a:lnSpc>
+              <a:spcBef>
+                <a:spcPct val="0"/>
+              </a:spcBef>
+              <a:spcAft>
+                <a:spcPct val="0"/>
+              </a:spcAft>
+              <a:buClrTx/>
+              <a:buSzTx/>
+              <a:buFontTx/>
+              <a:buNone/>
+              <a:tabLst/>
+            </a:pPr>
+            <a:r>
+              <a:rPr lang="de-DE" altLang="de-DE" sz="1400" dirty="0">
+                <a:solidFill>
+                  <a:srgbClr val="333333"/>
+                </a:solidFill>
+                <a:latin typeface="Consolas" panose="020B0609020204030204" pitchFamily="49" charset="0"/>
+              </a:rPr>
+              <a:t> </a:t>
+            </a:r>
+            <a:r>
+              <a:rPr lang="de-DE" altLang="de-DE" sz="1400" dirty="0" smtClean="0">
+                <a:solidFill>
+                  <a:srgbClr val="333333"/>
+                </a:solidFill>
+                <a:latin typeface="Consolas" panose="020B0609020204030204" pitchFamily="49" charset="0"/>
+              </a:rPr>
+              <a:t> </a:t>
+            </a:r>
+            <a:r>
+              <a:rPr kumimoji="0" lang="de-DE" altLang="de-DE" sz="1400" b="0" i="0" u="none" strike="noStrike" cap="none" normalizeH="0" baseline="0" dirty="0" smtClean="0">
+                <a:ln>
+                  <a:noFill/>
+                </a:ln>
+                <a:solidFill>
+                  <a:srgbClr val="333333"/>
+                </a:solidFill>
+                <a:effectLst/>
+                <a:latin typeface="Consolas" panose="020B0609020204030204" pitchFamily="49" charset="0"/>
+              </a:rPr>
+              <a:t>)</a:t>
+            </a:r>
+          </a:p>
+          <a:p>
+            <a:pPr marL="0" marR="0" lvl="0" indent="0" algn="l" defTabSz="914400" rtl="0" eaLnBrk="0" fontAlgn="base" latinLnBrk="0" hangingPunct="0">
+              <a:lnSpc>
+                <a:spcPct val="100000"/>
+              </a:lnSpc>
+              <a:spcBef>
+                <a:spcPct val="0"/>
+              </a:spcBef>
+              <a:spcAft>
+                <a:spcPct val="0"/>
+              </a:spcAft>
+              <a:buClrTx/>
+              <a:buSzTx/>
+              <a:buFontTx/>
+              <a:buNone/>
+              <a:tabLst/>
+            </a:pPr>
+            <a:r>
+              <a:rPr lang="de-DE" altLang="de-DE" sz="1400" dirty="0">
+                <a:solidFill>
+                  <a:srgbClr val="333333"/>
+                </a:solidFill>
+                <a:latin typeface="Consolas" panose="020B0609020204030204" pitchFamily="49" charset="0"/>
+              </a:rPr>
+              <a:t> </a:t>
+            </a:r>
+            <a:r>
+              <a:rPr lang="de-DE" altLang="de-DE" sz="1400" dirty="0" smtClean="0">
+                <a:solidFill>
+                  <a:srgbClr val="333333"/>
+                </a:solidFill>
+                <a:latin typeface="Consolas" panose="020B0609020204030204" pitchFamily="49" charset="0"/>
+              </a:rPr>
+              <a:t> </a:t>
+            </a:r>
+            <a:r>
+              <a:rPr kumimoji="0" lang="de-DE" altLang="de-DE" sz="1400" b="0" i="0" u="none" strike="noStrike" cap="none" normalizeH="0" baseline="0" dirty="0" smtClean="0">
+                <a:ln>
+                  <a:noFill/>
+                </a:ln>
+                <a:solidFill>
+                  <a:srgbClr val="333333"/>
+                </a:solidFill>
+                <a:effectLst/>
+                <a:latin typeface="Consolas" panose="020B0609020204030204" pitchFamily="49" charset="0"/>
+              </a:rPr>
+              <a:t>XOR</a:t>
+            </a:r>
+          </a:p>
+          <a:p>
+            <a:pPr marL="0" marR="0" lvl="0" indent="0" algn="l" defTabSz="914400" rtl="0" eaLnBrk="0" fontAlgn="base" latinLnBrk="0" hangingPunct="0">
+              <a:lnSpc>
+                <a:spcPct val="100000"/>
+              </a:lnSpc>
+              <a:spcBef>
+                <a:spcPct val="0"/>
+              </a:spcBef>
+              <a:spcAft>
+                <a:spcPct val="0"/>
+              </a:spcAft>
+              <a:buClrTx/>
+              <a:buSzTx/>
+              <a:buFontTx/>
+              <a:buNone/>
+              <a:tabLst/>
+            </a:pPr>
+            <a:r>
+              <a:rPr lang="de-DE" altLang="de-DE" sz="1400" dirty="0">
+                <a:solidFill>
+                  <a:srgbClr val="333333"/>
+                </a:solidFill>
+                <a:latin typeface="Consolas" panose="020B0609020204030204" pitchFamily="49" charset="0"/>
+              </a:rPr>
+              <a:t> </a:t>
+            </a:r>
+            <a:r>
+              <a:rPr lang="de-DE" altLang="de-DE" sz="1400" dirty="0" smtClean="0">
+                <a:solidFill>
+                  <a:srgbClr val="333333"/>
+                </a:solidFill>
+                <a:latin typeface="Consolas" panose="020B0609020204030204" pitchFamily="49" charset="0"/>
+              </a:rPr>
+              <a:t> </a:t>
+            </a:r>
+            <a:r>
+              <a:rPr kumimoji="0" lang="de-DE" altLang="de-DE" sz="1400" b="0" i="0" u="none" strike="noStrike" cap="none" normalizeH="0" baseline="0" dirty="0" smtClean="0">
+                <a:ln>
+                  <a:noFill/>
+                </a:ln>
+                <a:solidFill>
+                  <a:srgbClr val="333333"/>
+                </a:solidFill>
+                <a:effectLst/>
+                <a:latin typeface="Consolas" panose="020B0609020204030204" pitchFamily="49" charset="0"/>
+              </a:rPr>
+              <a:t>(</a:t>
+            </a:r>
+          </a:p>
+          <a:p>
+            <a:pPr marL="0" marR="0" lvl="0" indent="0" algn="l" defTabSz="914400" rtl="0" eaLnBrk="0" fontAlgn="base" latinLnBrk="0" hangingPunct="0">
+              <a:lnSpc>
+                <a:spcPct val="100000"/>
+              </a:lnSpc>
+              <a:spcBef>
+                <a:spcPct val="0"/>
+              </a:spcBef>
+              <a:spcAft>
+                <a:spcPct val="0"/>
+              </a:spcAft>
+              <a:buClrTx/>
+              <a:buSzTx/>
+              <a:buFontTx/>
+              <a:buNone/>
+              <a:tabLst/>
+            </a:pPr>
+            <a:r>
+              <a:rPr lang="de-DE" altLang="de-DE" sz="1400" dirty="0">
+                <a:solidFill>
+                  <a:srgbClr val="333333"/>
+                </a:solidFill>
+                <a:latin typeface="Consolas" panose="020B0609020204030204" pitchFamily="49" charset="0"/>
+              </a:rPr>
+              <a:t> </a:t>
+            </a:r>
+            <a:r>
+              <a:rPr lang="de-DE" altLang="de-DE" sz="1400" dirty="0" smtClean="0">
+                <a:solidFill>
+                  <a:srgbClr val="333333"/>
+                </a:solidFill>
+                <a:latin typeface="Consolas" panose="020B0609020204030204" pitchFamily="49" charset="0"/>
+              </a:rPr>
+              <a:t>   </a:t>
+            </a:r>
+            <a:r>
+              <a:rPr kumimoji="0" lang="de-DE" altLang="de-DE" sz="1400" b="0" i="0" u="none" strike="noStrike" cap="none" normalizeH="0" baseline="0" dirty="0" smtClean="0">
+                <a:ln>
+                  <a:noFill/>
+                </a:ln>
+                <a:solidFill>
+                  <a:srgbClr val="333333"/>
+                </a:solidFill>
+                <a:effectLst/>
+                <a:latin typeface="Consolas" panose="020B0609020204030204" pitchFamily="49" charset="0"/>
+              </a:rPr>
+              <a:t>(</a:t>
+            </a:r>
+          </a:p>
+          <a:p>
+            <a:pPr marL="0" marR="0" lvl="0" indent="0" algn="l" defTabSz="914400" rtl="0" eaLnBrk="0" fontAlgn="base" latinLnBrk="0" hangingPunct="0">
+              <a:lnSpc>
+                <a:spcPct val="100000"/>
+              </a:lnSpc>
+              <a:spcBef>
+                <a:spcPct val="0"/>
+              </a:spcBef>
+              <a:spcAft>
+                <a:spcPct val="0"/>
+              </a:spcAft>
+              <a:buClrTx/>
+              <a:buSzTx/>
+              <a:buFontTx/>
+              <a:buNone/>
+              <a:tabLst/>
+            </a:pPr>
+            <a:r>
+              <a:rPr lang="de-DE" altLang="de-DE" sz="1400" dirty="0">
+                <a:solidFill>
+                  <a:srgbClr val="333333"/>
+                </a:solidFill>
+                <a:latin typeface="Consolas" panose="020B0609020204030204" pitchFamily="49" charset="0"/>
+              </a:rPr>
+              <a:t> </a:t>
+            </a:r>
+            <a:r>
+              <a:rPr lang="de-DE" altLang="de-DE" sz="1400" dirty="0" smtClean="0">
+                <a:solidFill>
+                  <a:srgbClr val="333333"/>
+                </a:solidFill>
+                <a:latin typeface="Consolas" panose="020B0609020204030204" pitchFamily="49" charset="0"/>
+              </a:rPr>
+              <a:t>     </a:t>
+            </a:r>
+            <a:r>
+              <a:rPr kumimoji="0" lang="de-DE" altLang="de-DE" sz="1400" b="0" i="0" u="none" strike="noStrike" cap="none" normalizeH="0" baseline="0" dirty="0" err="1" smtClean="0">
+                <a:ln>
+                  <a:noFill/>
+                </a:ln>
+                <a:solidFill>
+                  <a:srgbClr val="333333"/>
+                </a:solidFill>
+                <a:effectLst/>
+                <a:latin typeface="Consolas" panose="020B0609020204030204" pitchFamily="49" charset="0"/>
+              </a:rPr>
+              <a:t>Loginname#korrekt</a:t>
+            </a:r>
+            <a:r>
+              <a:rPr kumimoji="0" lang="de-DE" altLang="de-DE" sz="1400" b="0" i="0" u="none" strike="noStrike" cap="none" normalizeH="0" baseline="0" dirty="0" smtClean="0">
+                <a:ln>
+                  <a:noFill/>
+                </a:ln>
+                <a:solidFill>
+                  <a:srgbClr val="333333"/>
+                </a:solidFill>
+                <a:effectLst/>
+                <a:latin typeface="Consolas" panose="020B0609020204030204" pitchFamily="49" charset="0"/>
+              </a:rPr>
+              <a:t> ausgefüllt</a:t>
+            </a:r>
+          </a:p>
+          <a:p>
+            <a:pPr marL="0" marR="0" lvl="0" indent="0" algn="l" defTabSz="914400" rtl="0" eaLnBrk="0" fontAlgn="base" latinLnBrk="0" hangingPunct="0">
+              <a:lnSpc>
+                <a:spcPct val="100000"/>
+              </a:lnSpc>
+              <a:spcBef>
+                <a:spcPct val="0"/>
+              </a:spcBef>
+              <a:spcAft>
+                <a:spcPct val="0"/>
+              </a:spcAft>
+              <a:buClrTx/>
+              <a:buSzTx/>
+              <a:buFontTx/>
+              <a:buNone/>
+              <a:tabLst/>
+            </a:pPr>
+            <a:r>
+              <a:rPr lang="de-DE" altLang="de-DE" sz="1400" dirty="0">
+                <a:solidFill>
+                  <a:srgbClr val="333333"/>
+                </a:solidFill>
+                <a:latin typeface="Consolas" panose="020B0609020204030204" pitchFamily="49" charset="0"/>
+              </a:rPr>
+              <a:t> </a:t>
+            </a:r>
+            <a:r>
+              <a:rPr lang="de-DE" altLang="de-DE" sz="1400" dirty="0" smtClean="0">
+                <a:solidFill>
+                  <a:srgbClr val="333333"/>
+                </a:solidFill>
+                <a:latin typeface="Consolas" panose="020B0609020204030204" pitchFamily="49" charset="0"/>
+              </a:rPr>
+              <a:t>     </a:t>
+            </a:r>
+            <a:r>
+              <a:rPr kumimoji="0" lang="de-DE" altLang="de-DE" sz="1400" b="0" i="0" u="none" strike="noStrike" cap="none" normalizeH="0" baseline="0" dirty="0" smtClean="0">
+                <a:ln>
+                  <a:noFill/>
+                </a:ln>
+                <a:solidFill>
+                  <a:srgbClr val="333333"/>
+                </a:solidFill>
+                <a:effectLst/>
+                <a:latin typeface="Consolas" panose="020B0609020204030204" pitchFamily="49" charset="0"/>
+              </a:rPr>
+              <a:t>AND </a:t>
+            </a:r>
+            <a:r>
+              <a:rPr kumimoji="0" lang="de-DE" altLang="de-DE" sz="1400" b="0" i="0" u="none" strike="noStrike" cap="none" normalizeH="0" baseline="0" dirty="0" err="1" smtClean="0">
+                <a:ln>
+                  <a:noFill/>
+                </a:ln>
+                <a:solidFill>
+                  <a:srgbClr val="333333"/>
+                </a:solidFill>
+                <a:effectLst/>
+                <a:latin typeface="Consolas" panose="020B0609020204030204" pitchFamily="49" charset="0"/>
+              </a:rPr>
+              <a:t>Password#korrekt</a:t>
+            </a:r>
+            <a:r>
+              <a:rPr kumimoji="0" lang="de-DE" altLang="de-DE" sz="1400" b="0" i="0" u="none" strike="noStrike" cap="none" normalizeH="0" baseline="0" dirty="0" smtClean="0">
+                <a:ln>
+                  <a:noFill/>
+                </a:ln>
+                <a:solidFill>
+                  <a:srgbClr val="333333"/>
+                </a:solidFill>
+                <a:effectLst/>
+                <a:latin typeface="Consolas" panose="020B0609020204030204" pitchFamily="49" charset="0"/>
+              </a:rPr>
+              <a:t> ausgefüllt</a:t>
+            </a:r>
+          </a:p>
+          <a:p>
+            <a:pPr marL="0" marR="0" lvl="0" indent="0" algn="l" defTabSz="914400" rtl="0" eaLnBrk="0" fontAlgn="base" latinLnBrk="0" hangingPunct="0">
+              <a:lnSpc>
+                <a:spcPct val="100000"/>
+              </a:lnSpc>
+              <a:spcBef>
+                <a:spcPct val="0"/>
+              </a:spcBef>
+              <a:spcAft>
+                <a:spcPct val="0"/>
+              </a:spcAft>
+              <a:buClrTx/>
+              <a:buSzTx/>
+              <a:buFontTx/>
+              <a:buNone/>
+              <a:tabLst/>
+            </a:pPr>
+            <a:r>
+              <a:rPr lang="de-DE" altLang="de-DE" sz="1400" dirty="0">
+                <a:solidFill>
+                  <a:srgbClr val="333333"/>
+                </a:solidFill>
+                <a:latin typeface="Consolas" panose="020B0609020204030204" pitchFamily="49" charset="0"/>
+              </a:rPr>
+              <a:t> </a:t>
+            </a:r>
+            <a:r>
+              <a:rPr lang="de-DE" altLang="de-DE" sz="1400" dirty="0" smtClean="0">
+                <a:solidFill>
+                  <a:srgbClr val="333333"/>
+                </a:solidFill>
+                <a:latin typeface="Consolas" panose="020B0609020204030204" pitchFamily="49" charset="0"/>
+              </a:rPr>
+              <a:t>   </a:t>
+            </a:r>
+            <a:r>
+              <a:rPr kumimoji="0" lang="de-DE" altLang="de-DE" sz="1400" b="0" i="0" u="none" strike="noStrike" cap="none" normalizeH="0" baseline="0" dirty="0" smtClean="0">
+                <a:ln>
+                  <a:noFill/>
+                </a:ln>
+                <a:solidFill>
+                  <a:srgbClr val="333333"/>
+                </a:solidFill>
+                <a:effectLst/>
+                <a:latin typeface="Consolas" panose="020B0609020204030204" pitchFamily="49" charset="0"/>
+              </a:rPr>
+              <a:t>)</a:t>
+            </a:r>
+          </a:p>
+          <a:p>
+            <a:pPr marL="0" marR="0" lvl="0" indent="0" algn="l" defTabSz="914400" rtl="0" eaLnBrk="0" fontAlgn="base" latinLnBrk="0" hangingPunct="0">
+              <a:lnSpc>
+                <a:spcPct val="100000"/>
+              </a:lnSpc>
+              <a:spcBef>
+                <a:spcPct val="0"/>
+              </a:spcBef>
+              <a:spcAft>
+                <a:spcPct val="0"/>
+              </a:spcAft>
+              <a:buClrTx/>
+              <a:buSzTx/>
+              <a:buFontTx/>
+              <a:buNone/>
+              <a:tabLst/>
+            </a:pPr>
+            <a:r>
+              <a:rPr lang="de-DE" altLang="de-DE" sz="1400" dirty="0">
+                <a:solidFill>
+                  <a:srgbClr val="333333"/>
+                </a:solidFill>
+                <a:latin typeface="Consolas" panose="020B0609020204030204" pitchFamily="49" charset="0"/>
+              </a:rPr>
+              <a:t> </a:t>
+            </a:r>
+            <a:r>
+              <a:rPr lang="de-DE" altLang="de-DE" sz="1400" dirty="0" smtClean="0">
+                <a:solidFill>
+                  <a:srgbClr val="333333"/>
+                </a:solidFill>
+                <a:latin typeface="Consolas" panose="020B0609020204030204" pitchFamily="49" charset="0"/>
+              </a:rPr>
+              <a:t>   </a:t>
+            </a:r>
+            <a:r>
+              <a:rPr kumimoji="0" lang="de-DE" altLang="de-DE" sz="1400" b="0" i="0" u="none" strike="noStrike" cap="none" normalizeH="0" baseline="0" dirty="0" smtClean="0">
+                <a:ln>
+                  <a:noFill/>
+                </a:ln>
+                <a:solidFill>
+                  <a:srgbClr val="333333"/>
+                </a:solidFill>
+                <a:effectLst/>
+                <a:latin typeface="Consolas" panose="020B0609020204030204" pitchFamily="49" charset="0"/>
+              </a:rPr>
+              <a:t>AND Login korrekt</a:t>
+            </a:r>
+          </a:p>
+          <a:p>
+            <a:pPr marL="0" marR="0" lvl="0" indent="0" algn="l" defTabSz="914400" rtl="0" eaLnBrk="0" fontAlgn="base" latinLnBrk="0" hangingPunct="0">
+              <a:lnSpc>
+                <a:spcPct val="100000"/>
+              </a:lnSpc>
+              <a:spcBef>
+                <a:spcPct val="0"/>
+              </a:spcBef>
+              <a:spcAft>
+                <a:spcPct val="0"/>
+              </a:spcAft>
+              <a:buClrTx/>
+              <a:buSzTx/>
+              <a:buFontTx/>
+              <a:buNone/>
+              <a:tabLst/>
+            </a:pPr>
+            <a:r>
+              <a:rPr lang="de-DE" altLang="de-DE" sz="1400" dirty="0">
+                <a:solidFill>
+                  <a:srgbClr val="333333"/>
+                </a:solidFill>
+                <a:latin typeface="Consolas" panose="020B0609020204030204" pitchFamily="49" charset="0"/>
+              </a:rPr>
+              <a:t> </a:t>
+            </a:r>
+            <a:r>
+              <a:rPr lang="de-DE" altLang="de-DE" sz="1400" dirty="0" smtClean="0">
+                <a:solidFill>
+                  <a:srgbClr val="333333"/>
+                </a:solidFill>
+                <a:latin typeface="Consolas" panose="020B0609020204030204" pitchFamily="49" charset="0"/>
+              </a:rPr>
+              <a:t>   </a:t>
+            </a:r>
+            <a:r>
+              <a:rPr kumimoji="0" lang="de-DE" altLang="de-DE" sz="1400" b="0" i="0" u="none" strike="noStrike" cap="none" normalizeH="0" baseline="0" dirty="0" smtClean="0">
+                <a:ln>
+                  <a:noFill/>
+                </a:ln>
+                <a:solidFill>
+                  <a:srgbClr val="333333"/>
+                </a:solidFill>
+                <a:effectLst/>
+                <a:latin typeface="Consolas" panose="020B0609020204030204" pitchFamily="49" charset="0"/>
+              </a:rPr>
+              <a:t>AND NOT Login inkorrekt</a:t>
+            </a:r>
+          </a:p>
+          <a:p>
+            <a:pPr marL="0" marR="0" lvl="0" indent="0" algn="l" defTabSz="914400" rtl="0" eaLnBrk="0" fontAlgn="base" latinLnBrk="0" hangingPunct="0">
+              <a:lnSpc>
+                <a:spcPct val="100000"/>
+              </a:lnSpc>
+              <a:spcBef>
+                <a:spcPct val="0"/>
+              </a:spcBef>
+              <a:spcAft>
+                <a:spcPct val="0"/>
+              </a:spcAft>
+              <a:buClrTx/>
+              <a:buSzTx/>
+              <a:buFontTx/>
+              <a:buNone/>
+              <a:tabLst/>
+            </a:pPr>
+            <a:r>
+              <a:rPr lang="de-DE" altLang="de-DE" sz="1400" dirty="0">
+                <a:solidFill>
+                  <a:srgbClr val="333333"/>
+                </a:solidFill>
+                <a:latin typeface="Consolas" panose="020B0609020204030204" pitchFamily="49" charset="0"/>
+              </a:rPr>
+              <a:t> </a:t>
+            </a:r>
+            <a:r>
+              <a:rPr lang="de-DE" altLang="de-DE" sz="1400" dirty="0" smtClean="0">
+                <a:solidFill>
+                  <a:srgbClr val="333333"/>
+                </a:solidFill>
+                <a:latin typeface="Consolas" panose="020B0609020204030204" pitchFamily="49" charset="0"/>
+              </a:rPr>
+              <a:t> </a:t>
+            </a:r>
+            <a:r>
+              <a:rPr kumimoji="0" lang="de-DE" altLang="de-DE" sz="1400" b="0" i="0" u="none" strike="noStrike" cap="none" normalizeH="0" baseline="0" dirty="0" smtClean="0">
+                <a:ln>
+                  <a:noFill/>
+                </a:ln>
+                <a:solidFill>
+                  <a:srgbClr val="333333"/>
+                </a:solidFill>
+                <a:effectLst/>
+                <a:latin typeface="Consolas" panose="020B0609020204030204" pitchFamily="49" charset="0"/>
+              </a:rPr>
+              <a:t>)</a:t>
+            </a:r>
+          </a:p>
+          <a:p>
+            <a:pPr marL="0" marR="0" lvl="0" indent="0" algn="l" defTabSz="914400" rtl="0" eaLnBrk="0" fontAlgn="base" latinLnBrk="0" hangingPunct="0">
+              <a:lnSpc>
+                <a:spcPct val="100000"/>
+              </a:lnSpc>
+              <a:spcBef>
+                <a:spcPct val="0"/>
+              </a:spcBef>
+              <a:spcAft>
+                <a:spcPct val="0"/>
+              </a:spcAft>
+              <a:buClrTx/>
+              <a:buSzTx/>
+              <a:buFontTx/>
+              <a:buNone/>
+              <a:tabLst/>
+            </a:pPr>
+            <a:r>
+              <a:rPr kumimoji="0" lang="de-DE" altLang="de-DE" sz="1400" b="0" i="0" u="none" strike="noStrike" cap="none" normalizeH="0" baseline="0" dirty="0" smtClean="0">
+                <a:ln>
+                  <a:noFill/>
+                </a:ln>
+                <a:solidFill>
+                  <a:srgbClr val="333333"/>
+                </a:solidFill>
+                <a:effectLst/>
+                <a:latin typeface="Consolas" panose="020B0609020204030204" pitchFamily="49" charset="0"/>
+              </a:rPr>
+              <a:t>)</a:t>
+            </a:r>
+            <a:r>
+              <a:rPr kumimoji="0" lang="de-DE" altLang="de-DE" sz="1400" b="0" i="0" u="none" strike="noStrike" cap="none" normalizeH="0" dirty="0" smtClean="0">
+                <a:ln>
+                  <a:noFill/>
+                </a:ln>
+                <a:solidFill>
+                  <a:srgbClr val="333333"/>
+                </a:solidFill>
+                <a:effectLst/>
+                <a:latin typeface="Consolas" panose="020B0609020204030204" pitchFamily="49" charset="0"/>
+              </a:rPr>
+              <a:t> </a:t>
+            </a:r>
+            <a:r>
+              <a:rPr kumimoji="0" lang="de-DE" altLang="de-DE" sz="1400" b="0" i="0" u="none" strike="noStrike" cap="none" normalizeH="0" baseline="0" dirty="0" smtClean="0">
+                <a:ln>
+                  <a:noFill/>
+                </a:ln>
+                <a:solidFill>
+                  <a:srgbClr val="333333"/>
+                </a:solidFill>
+                <a:effectLst/>
+                <a:latin typeface="Consolas" panose="020B0609020204030204" pitchFamily="49" charset="0"/>
+              </a:rPr>
+              <a:t>XOR Gast Login; </a:t>
+            </a:r>
+            <a:r>
+              <a:rPr kumimoji="0" lang="de-DE" altLang="de-DE" sz="1400" b="0" i="0" u="none" strike="noStrike" cap="none" normalizeH="0" baseline="0" dirty="0" smtClean="0">
+                <a:ln>
+                  <a:noFill/>
+                </a:ln>
+                <a:solidFill>
+                  <a:schemeClr val="tx1"/>
+                </a:solidFill>
+                <a:effectLst/>
+              </a:rPr>
+              <a:t/>
+            </a:r>
+            <a:br>
+              <a:rPr kumimoji="0" lang="de-DE" altLang="de-DE" sz="1400" b="0" i="0" u="none" strike="noStrike" cap="none" normalizeH="0" baseline="0" dirty="0" smtClean="0">
+                <a:ln>
+                  <a:noFill/>
+                </a:ln>
+                <a:solidFill>
+                  <a:schemeClr val="tx1"/>
+                </a:solidFill>
+                <a:effectLst/>
+              </a:rPr>
+            </a:br>
+            <a:endParaRPr kumimoji="0" lang="de-DE" altLang="de-DE" sz="1400" b="0" i="0" u="none" strike="noStrike" cap="none" normalizeH="0" baseline="0" dirty="0" smtClean="0">
+              <a:ln>
+                <a:noFill/>
+              </a:ln>
+              <a:solidFill>
+                <a:schemeClr val="tx1"/>
+              </a:solidFill>
+              <a:effectLst/>
+              <a:latin typeface="Arial" panose="020B0604020202020204" pitchFamily="34" charset="0"/>
+            </a:endParaRPr>
+          </a:p>
+        </p:txBody>
+      </p:sp>
+    </p:spTree>
+    <p:extLst>
+      <p:ext uri="{BB962C8B-B14F-4D97-AF65-F5344CB8AC3E}">
+        <p14:creationId xmlns:p14="http://schemas.microsoft.com/office/powerpoint/2010/main" val="3984540998"/>
+      </p:ext>
+    </p:extLst>
+  </p:cSld>
+  <p:clrMapOvr>
+    <a:masterClrMapping/>
+  </p:clrMapOvr>
+  <mc:AlternateContent xmlns:mc="http://schemas.openxmlformats.org/markup-compatibility/2006" xmlns:p14="http://schemas.microsoft.com/office/powerpoint/2010/main">
+    <mc:Choice Requires="p14">
+      <p:transition spd="med" p14:dur="700">
+        <p:fade/>
+      </p:transition>
+    </mc:Choice>
+    <mc:Fallback xmlns="">
+      <p:transition spd="med">
+        <p:fade/>
+      </p:transition>
+    </mc:Fallback>
+  </mc:AlternateContent>
+</p:sld>
+</file>
+
+<file path=ppt/slides/slide13.xml><?xml version="1.0" encoding="utf-8"?>
+<p:sld xmlns:a="http://schemas.openxmlformats.org/drawingml/2006/main" xmlns:r="http://schemas.openxmlformats.org/officeDocument/2006/relationships" xmlns:p="http://schemas.openxmlformats.org/presentationml/2006/main">
+  <p:cSld>
+    <p:spTree>
+      <p:nvGrpSpPr>
+        <p:cNvPr id="1" name=""/>
+        <p:cNvGrpSpPr/>
+        <p:nvPr/>
+      </p:nvGrpSpPr>
+      <p:grpSpPr>
+        <a:xfrm>
+          <a:off x="0" y="0"/>
+          <a:ext cx="0" cy="0"/>
+          <a:chOff x="0" y="0"/>
+          <a:chExt cx="0" cy="0"/>
+        </a:xfrm>
+      </p:grpSpPr>
+      <p:sp>
+        <p:nvSpPr>
+          <p:cNvPr id="2" name="Titel 1"/>
+          <p:cNvSpPr>
+            <a:spLocks noGrp="1"/>
+          </p:cNvSpPr>
+          <p:nvPr>
+            <p:ph type="title"/>
+          </p:nvPr>
+        </p:nvSpPr>
+        <p:spPr/>
+        <p:txBody>
+          <a:bodyPr/>
+          <a:lstStyle/>
+          <a:p>
+            <a:r>
+              <a:rPr lang="de-DE" dirty="0"/>
+              <a:t>Testen von mobilen Anwendungen</a:t>
+            </a:r>
+            <a:br>
+              <a:rPr lang="de-DE" dirty="0"/>
+            </a:br>
+            <a:r>
+              <a:rPr lang="de-DE" sz="2000" dirty="0" smtClean="0"/>
+              <a:t>Abschluss</a:t>
+            </a:r>
+            <a:endParaRPr lang="de-DE" dirty="0"/>
+          </a:p>
+        </p:txBody>
+      </p:sp>
+      <p:sp>
+        <p:nvSpPr>
+          <p:cNvPr id="3" name="Inhaltsplatzhalter 2"/>
+          <p:cNvSpPr>
+            <a:spLocks noGrp="1"/>
+          </p:cNvSpPr>
+          <p:nvPr>
+            <p:ph idx="1"/>
+          </p:nvPr>
+        </p:nvSpPr>
+        <p:spPr/>
+        <p:txBody>
+          <a:bodyPr/>
+          <a:lstStyle/>
+          <a:p>
+            <a:r>
+              <a:rPr lang="de-DE" dirty="0" smtClean="0"/>
+              <a:t>Insgesamt lief das Projekt teilweise sehr holprig, da sich einige Hürden als sehr kompliziert herausstellten.  </a:t>
+            </a:r>
+          </a:p>
+          <a:p>
+            <a:r>
+              <a:rPr lang="de-DE" dirty="0" smtClean="0"/>
+              <a:t>Jedoch wurde durch das Projekt ein guter Einblick in die verschiedenen Testprogramm gewährt.</a:t>
+            </a:r>
+          </a:p>
+        </p:txBody>
+      </p:sp>
+      <p:sp>
+        <p:nvSpPr>
+          <p:cNvPr id="4" name="Fußzeilenplatzhalter 3"/>
+          <p:cNvSpPr>
+            <a:spLocks noGrp="1"/>
+          </p:cNvSpPr>
+          <p:nvPr>
+            <p:ph type="ftr" sz="quarter" idx="11"/>
+          </p:nvPr>
+        </p:nvSpPr>
+        <p:spPr/>
+        <p:txBody>
+          <a:bodyPr/>
+          <a:lstStyle/>
+          <a:p>
+            <a:r>
+              <a:rPr lang="de-DE" smtClean="0"/>
+              <a:t>Daniel Gehn, Bianca Niklass und Aljoscha Czepoks</a:t>
+            </a:r>
+            <a:endParaRPr lang="de-DE" dirty="0"/>
+          </a:p>
+        </p:txBody>
+      </p:sp>
+      <p:sp>
+        <p:nvSpPr>
+          <p:cNvPr id="5" name="Foliennummernplatzhalter 4"/>
+          <p:cNvSpPr>
+            <a:spLocks noGrp="1"/>
+          </p:cNvSpPr>
+          <p:nvPr>
+            <p:ph type="sldNum" sz="quarter" idx="12"/>
+          </p:nvPr>
+        </p:nvSpPr>
+        <p:spPr/>
+        <p:txBody>
+          <a:bodyPr/>
+          <a:lstStyle/>
+          <a:p>
+            <a:fld id="{E31375A4-56A4-47D6-9801-1991572033F7}" type="slidenum">
+              <a:rPr lang="de-DE" smtClean="0"/>
+              <a:t>13</a:t>
+            </a:fld>
+            <a:endParaRPr lang="de-DE" dirty="0"/>
+          </a:p>
+        </p:txBody>
+      </p:sp>
+    </p:spTree>
+    <p:extLst>
+      <p:ext uri="{BB962C8B-B14F-4D97-AF65-F5344CB8AC3E}">
+        <p14:creationId xmlns:p14="http://schemas.microsoft.com/office/powerpoint/2010/main" val="3355665408"/>
+      </p:ext>
+    </p:extLst>
+  </p:cSld>
+  <p:clrMapOvr>
+    <a:masterClrMapping/>
+  </p:clrMapOvr>
+  <mc:AlternateContent xmlns:mc="http://schemas.openxmlformats.org/markup-compatibility/2006" xmlns:p14="http://schemas.microsoft.com/office/powerpoint/2010/main">
+    <mc:Choice Requires="p14">
+      <p:transition spd="med" p14:dur="700">
+        <p:fade/>
+      </p:transition>
+    </mc:Choice>
+    <mc:Fallback xmlns="">
+      <p:transition spd="med">
+        <p:fade/>
+      </p:transition>
+    </mc:Fallback>
+  </mc:AlternateContent>
+</p:sld>
+</file>
+
 <file path=ppt/slides/slide2.xml><?xml version="1.0" encoding="utf-8"?>
 <p:sld xmlns:a="http://schemas.openxmlformats.org/drawingml/2006/main" xmlns:r="http://schemas.openxmlformats.org/officeDocument/2006/relationships" xmlns:p="http://schemas.openxmlformats.org/presentationml/2006/main">
   <p:cSld>
@@ -5597,9 +7509,60 @@
           <a:p>
             <a:r>
               <a:rPr lang="de-DE" dirty="0" smtClean="0"/>
+              <a:t>Erstellung von </a:t>
+            </a:r>
+            <a:r>
+              <a:rPr lang="de-DE" dirty="0" err="1" smtClean="0"/>
+              <a:t>Classification</a:t>
+            </a:r>
+            <a:r>
+              <a:rPr lang="de-DE" dirty="0" smtClean="0"/>
               <a:t> </a:t>
             </a:r>
-            <a:endParaRPr lang="de-DE" dirty="0"/>
+            <a:r>
+              <a:rPr lang="de-DE" dirty="0" err="1" smtClean="0"/>
+              <a:t>Tree</a:t>
+            </a:r>
+            <a:r>
+              <a:rPr lang="de-DE" dirty="0" smtClean="0"/>
+              <a:t> für HAW App</a:t>
+            </a:r>
+            <a:r>
+              <a:rPr lang="de-DE" dirty="0"/>
+              <a:t> </a:t>
+            </a:r>
+            <a:r>
+              <a:rPr lang="de-DE" dirty="0" smtClean="0"/>
+              <a:t>brachte Erkenntnisse über bestimmte Situationen</a:t>
+            </a:r>
+            <a:endParaRPr lang="de-DE" dirty="0"/>
+          </a:p>
+          <a:p>
+            <a:r>
+              <a:rPr lang="de-DE" dirty="0" smtClean="0"/>
+              <a:t>4 Situationen in Anwendung und Umsetzung in </a:t>
+            </a:r>
+            <a:r>
+              <a:rPr lang="de-DE" dirty="0" err="1" smtClean="0"/>
+              <a:t>Classification</a:t>
+            </a:r>
+            <a:r>
+              <a:rPr lang="de-DE" dirty="0" smtClean="0"/>
+              <a:t> </a:t>
+            </a:r>
+            <a:r>
+              <a:rPr lang="de-DE" dirty="0" err="1" smtClean="0"/>
+              <a:t>Tree</a:t>
+            </a:r>
+            <a:r>
+              <a:rPr lang="de-DE" dirty="0" smtClean="0"/>
+              <a:t> mit </a:t>
+            </a:r>
+            <a:r>
+              <a:rPr lang="de-DE" dirty="0" err="1" smtClean="0"/>
+              <a:t>Testona</a:t>
+            </a:r>
+            <a:endParaRPr lang="de-DE" dirty="0" smtClean="0"/>
           </a:p>
         </p:txBody>
       </p:sp>
@@ -5708,44 +7671,162 @@
           <a:p>
             <a:r>
               <a:rPr lang="de-DE" dirty="0"/>
-              <a:t>Testen von mobilen Anwendungen</a:t>
+              <a:t>Testen von mobilen </a:t>
+            </a:r>
+            <a:r>
+              <a:rPr lang="de-DE" dirty="0" smtClean="0"/>
+              <a:t>Anwendungen</a:t>
             </a:r>
             <a:br>
-              <a:rPr lang="de-DE" dirty="0"/>
+              <a:rPr lang="de-DE" dirty="0" smtClean="0"/>
             </a:br>
             <a:r>
+              <a:rPr lang="de-DE" sz="2000" dirty="0" err="1" smtClean="0"/>
+              <a:t>classification</a:t>
+            </a:r>
+            <a:r>
               <a:rPr lang="de-DE" sz="2000" dirty="0" smtClean="0"/>
-              <a:t>Abschluss</a:t>
-            </a:r>
-            <a:endParaRPr lang="de-DE" dirty="0"/>
-          </a:p>
-        </p:txBody>
-      </p:sp>
-      <p:sp>
-        <p:nvSpPr>
-          <p:cNvPr id="3" name="Inhaltsplatzhalter 2"/>
-          <p:cNvSpPr>
-            <a:spLocks noGrp="1"/>
-          </p:cNvSpPr>
-          <p:nvPr>
-            <p:ph idx="1"/>
-          </p:nvPr>
-        </p:nvSpPr>
-        <p:spPr/>
+              <a:t> </a:t>
+            </a:r>
+            <a:r>
+              <a:rPr lang="de-DE" sz="2000" dirty="0" err="1" smtClean="0"/>
+              <a:t>Trees</a:t>
+            </a:r>
+            <a:r>
+              <a:rPr lang="de-DE" sz="2000" dirty="0" smtClean="0"/>
+              <a:t> - Situation 1</a:t>
+            </a:r>
+            <a:endParaRPr lang="de-DE" dirty="0"/>
+          </a:p>
+        </p:txBody>
+      </p:sp>
+      <p:pic>
+        <p:nvPicPr>
+          <p:cNvPr id="6" name="Inhaltsplatzhalter 5"/>
+          <p:cNvPicPr>
+            <a:picLocks noGrp="1" noChangeAspect="1"/>
+          </p:cNvPicPr>
+          <p:nvPr>
+            <p:ph sz="half" idx="1"/>
+          </p:nvPr>
+        </p:nvPicPr>
+        <p:blipFill>
+          <a:blip r:embed="rId2">
+            <a:extLst>
+              <a:ext uri="{28A0092B-C50C-407E-A947-70E740481C1C}">
+                <a14:useLocalDpi xmlns:a14="http://schemas.microsoft.com/office/drawing/2010/main" val="0"/>
+              </a:ext>
+            </a:extLst>
+          </a:blip>
+          <a:stretch>
+            <a:fillRect/>
+          </a:stretch>
+        </p:blipFill>
+        <p:spPr>
+          <a:xfrm>
+            <a:off x="732671" y="1523999"/>
+            <a:ext cx="2717111" cy="4661932"/>
+          </a:xfrm>
+        </p:spPr>
+      </p:pic>
+      <p:sp>
+        <p:nvSpPr>
+          <p:cNvPr id="8" name="Inhaltsplatzhalter 7"/>
+          <p:cNvSpPr>
+            <a:spLocks noGrp="1"/>
+          </p:cNvSpPr>
+          <p:nvPr>
+            <p:ph sz="half" idx="2"/>
+          </p:nvPr>
+        </p:nvSpPr>
+        <p:spPr>
+          <a:xfrm>
+            <a:off x="3449782" y="1523998"/>
+            <a:ext cx="5233889" cy="4226659"/>
+          </a:xfrm>
+        </p:spPr>
         <p:txBody>
           <a:bodyPr/>
           <a:lstStyle/>
           <a:p>
             <a:r>
               <a:rPr lang="de-DE" dirty="0" smtClean="0"/>
-              <a:t>Insgesamt lief das Projekt teilweise sehr holprig, da sich einige Hürden als sehr kompliziert herausstellten.  </a:t>
+              <a:t>unterschiedliche Ansichten als Auswahl</a:t>
             </a:r>
           </a:p>
           <a:p>
             <a:r>
               <a:rPr lang="de-DE" dirty="0" smtClean="0"/>
-              <a:t>Jedoch wurde durch das Projekt ein guter Einblick in die verschiedenen Testprogramm gewährt.</a:t>
-            </a:r>
+              <a:t>Hier: HELIOS Login oder Gast Login</a:t>
+            </a:r>
+          </a:p>
+          <a:p>
+            <a:r>
+              <a:rPr lang="de-DE" dirty="0" smtClean="0"/>
+              <a:t>Ziel: nur einen </a:t>
+            </a:r>
+            <a:r>
+              <a:rPr lang="de-DE" dirty="0" err="1" smtClean="0"/>
+              <a:t>Teilbaum</a:t>
+            </a:r>
+            <a:r>
+              <a:rPr lang="de-DE" dirty="0" smtClean="0"/>
+              <a:t> zur Zeit testen</a:t>
+            </a:r>
+          </a:p>
+          <a:p>
+            <a:r>
+              <a:rPr lang="de-DE" dirty="0" smtClean="0"/>
+              <a:t>Resultat:</a:t>
+            </a:r>
+          </a:p>
+          <a:p>
+            <a:pPr lvl="1"/>
+            <a:r>
+              <a:rPr lang="de-DE" dirty="0" err="1" smtClean="0"/>
+              <a:t>Classification</a:t>
+            </a:r>
+            <a:r>
+              <a:rPr lang="de-DE" dirty="0" smtClean="0"/>
+              <a:t> „</a:t>
+            </a:r>
+            <a:r>
+              <a:rPr lang="de-DE" dirty="0" err="1" smtClean="0"/>
+              <a:t>Loginauswahl</a:t>
+            </a:r>
+            <a:r>
+              <a:rPr lang="de-DE" dirty="0" smtClean="0"/>
+              <a:t>“</a:t>
+            </a:r>
+          </a:p>
+          <a:p>
+            <a:pPr lvl="1"/>
+            <a:r>
+              <a:rPr lang="de-DE" dirty="0" smtClean="0"/>
+              <a:t>2 </a:t>
+            </a:r>
+            <a:r>
+              <a:rPr lang="de-DE" dirty="0" err="1" smtClean="0"/>
+              <a:t>Classes</a:t>
+            </a:r>
+            <a:endParaRPr lang="de-DE" dirty="0" smtClean="0"/>
+          </a:p>
+          <a:p>
+            <a:pPr lvl="2"/>
+            <a:r>
+              <a:rPr lang="de-DE" dirty="0" smtClean="0"/>
+              <a:t>„Helios Login Button geklickt“</a:t>
+            </a:r>
+          </a:p>
+          <a:p>
+            <a:pPr lvl="2"/>
+            <a:r>
+              <a:rPr lang="de-DE" dirty="0" smtClean="0"/>
+              <a:t>„Gast Login Button geklickt“</a:t>
+            </a:r>
+          </a:p>
+          <a:p>
+            <a:endParaRPr lang="de-DE" dirty="0"/>
           </a:p>
         </p:txBody>
       </p:sp>
@@ -5795,10 +7876,310 @@
           </a:p>
         </p:txBody>
       </p:sp>
+      <p:pic>
+        <p:nvPicPr>
+          <p:cNvPr id="9" name="Grafik 8"/>
+          <p:cNvPicPr>
+            <a:picLocks noChangeAspect="1"/>
+          </p:cNvPicPr>
+          <p:nvPr/>
+        </p:nvPicPr>
+        <p:blipFill>
+          <a:blip r:embed="rId3">
+            <a:extLst>
+              <a:ext uri="{28A0092B-C50C-407E-A947-70E740481C1C}">
+                <a14:useLocalDpi xmlns:a14="http://schemas.microsoft.com/office/drawing/2010/main" val="0"/>
+              </a:ext>
+            </a:extLst>
+          </a:blip>
+          <a:stretch>
+            <a:fillRect/>
+          </a:stretch>
+        </p:blipFill>
+        <p:spPr>
+          <a:xfrm>
+            <a:off x="8683671" y="1524000"/>
+            <a:ext cx="3029373" cy="1000265"/>
+          </a:xfrm>
+          <a:prstGeom prst="rect">
+            <a:avLst/>
+          </a:prstGeom>
+        </p:spPr>
+      </p:pic>
     </p:spTree>
     <p:extLst>
       <p:ext uri="{BB962C8B-B14F-4D97-AF65-F5344CB8AC3E}">
-        <p14:creationId xmlns:p14="http://schemas.microsoft.com/office/powerpoint/2010/main" val="3355665408"/>
+        <p14:creationId xmlns:p14="http://schemas.microsoft.com/office/powerpoint/2010/main" val="3610883656"/>
+      </p:ext>
+    </p:extLst>
+  </p:cSld>
+  <p:clrMapOvr>
+    <a:masterClrMapping/>
+  </p:clrMapOvr>
+  <mc:AlternateContent xmlns:mc="http://schemas.openxmlformats.org/markup-compatibility/2006" xmlns:p14="http://schemas.microsoft.com/office/powerpoint/2010/main">
+    <mc:Choice Requires="p14">
+      <p:transition spd="med" p14:dur="700">
+        <p:fade/>
+      </p:transition>
+    </mc:Choice>
+    <mc:Fallback xmlns="">
+      <p:transition spd="med">
+        <p:fade/>
+      </p:transition>
+    </mc:Fallback>
+  </mc:AlternateContent>
+</p:sld>
+</file>
+
+<file path=ppt/slides/slide9.xml><?xml version="1.0" encoding="utf-8"?>
+<p:sld xmlns:a="http://schemas.openxmlformats.org/drawingml/2006/main" xmlns:r="http://schemas.openxmlformats.org/officeDocument/2006/relationships" xmlns:p="http://schemas.openxmlformats.org/presentationml/2006/main">
+  <p:cSld>
+    <p:spTree>
+      <p:nvGrpSpPr>
+        <p:cNvPr id="1" name=""/>
+        <p:cNvGrpSpPr/>
+        <p:nvPr/>
+      </p:nvGrpSpPr>
+      <p:grpSpPr>
+        <a:xfrm>
+          <a:off x="0" y="0"/>
+          <a:ext cx="0" cy="0"/>
+          <a:chOff x="0" y="0"/>
+          <a:chExt cx="0" cy="0"/>
+        </a:xfrm>
+      </p:grpSpPr>
+      <p:sp>
+        <p:nvSpPr>
+          <p:cNvPr id="2" name="Titel 1"/>
+          <p:cNvSpPr>
+            <a:spLocks noGrp="1"/>
+          </p:cNvSpPr>
+          <p:nvPr>
+            <p:ph type="title"/>
+          </p:nvPr>
+        </p:nvSpPr>
+        <p:spPr/>
+        <p:txBody>
+          <a:bodyPr/>
+          <a:lstStyle/>
+          <a:p>
+            <a:r>
+              <a:rPr lang="de-DE" dirty="0"/>
+              <a:t>Testen von mobilen </a:t>
+            </a:r>
+            <a:r>
+              <a:rPr lang="de-DE" dirty="0" smtClean="0"/>
+              <a:t>Anwendungen</a:t>
+            </a:r>
+            <a:br>
+              <a:rPr lang="de-DE" dirty="0" smtClean="0"/>
+            </a:br>
+            <a:r>
+              <a:rPr lang="de-DE" sz="2000" dirty="0" err="1" smtClean="0"/>
+              <a:t>classification</a:t>
+            </a:r>
+            <a:r>
+              <a:rPr lang="de-DE" sz="2000" dirty="0" smtClean="0"/>
+              <a:t> </a:t>
+            </a:r>
+            <a:r>
+              <a:rPr lang="de-DE" sz="2000" dirty="0" err="1" smtClean="0"/>
+              <a:t>Trees</a:t>
+            </a:r>
+            <a:r>
+              <a:rPr lang="de-DE" sz="2000" dirty="0" smtClean="0"/>
+              <a:t> - Situation 2</a:t>
+            </a:r>
+            <a:endParaRPr lang="de-DE" dirty="0"/>
+          </a:p>
+        </p:txBody>
+      </p:sp>
+      <p:pic>
+        <p:nvPicPr>
+          <p:cNvPr id="6" name="Inhaltsplatzhalter 5"/>
+          <p:cNvPicPr>
+            <a:picLocks noGrp="1" noChangeAspect="1"/>
+          </p:cNvPicPr>
+          <p:nvPr>
+            <p:ph sz="half" idx="1"/>
+          </p:nvPr>
+        </p:nvPicPr>
+        <p:blipFill>
+          <a:blip r:embed="rId2">
+            <a:extLst>
+              <a:ext uri="{28A0092B-C50C-407E-A947-70E740481C1C}">
+                <a14:useLocalDpi xmlns:a14="http://schemas.microsoft.com/office/drawing/2010/main" val="0"/>
+              </a:ext>
+            </a:extLst>
+          </a:blip>
+          <a:stretch>
+            <a:fillRect/>
+          </a:stretch>
+        </p:blipFill>
+        <p:spPr>
+          <a:xfrm>
+            <a:off x="732671" y="1524000"/>
+            <a:ext cx="2717111" cy="4661930"/>
+          </a:xfrm>
+        </p:spPr>
+      </p:pic>
+      <p:sp>
+        <p:nvSpPr>
+          <p:cNvPr id="8" name="Inhaltsplatzhalter 7"/>
+          <p:cNvSpPr>
+            <a:spLocks noGrp="1"/>
+          </p:cNvSpPr>
+          <p:nvPr>
+            <p:ph sz="half" idx="2"/>
+          </p:nvPr>
+        </p:nvSpPr>
+        <p:spPr>
+          <a:xfrm>
+            <a:off x="3570730" y="1524001"/>
+            <a:ext cx="8348116" cy="3530914"/>
+          </a:xfrm>
+        </p:spPr>
+        <p:txBody>
+          <a:bodyPr>
+            <a:normAutofit/>
+          </a:bodyPr>
+          <a:lstStyle/>
+          <a:p>
+            <a:r>
+              <a:rPr lang="de-DE" dirty="0" smtClean="0"/>
+              <a:t>Eingabefeld mit Validierung</a:t>
+            </a:r>
+          </a:p>
+          <a:p>
+            <a:r>
+              <a:rPr lang="de-DE" dirty="0" smtClean="0"/>
+              <a:t>Hier: Benutzername und Passwort</a:t>
+            </a:r>
+          </a:p>
+          <a:p>
+            <a:r>
+              <a:rPr lang="de-DE" dirty="0" smtClean="0"/>
+              <a:t>Ziel: Darstellung im Baum von gültiger und ungültiger Eingabe</a:t>
+            </a:r>
+          </a:p>
+          <a:p>
+            <a:r>
+              <a:rPr lang="de-DE" dirty="0" smtClean="0"/>
+              <a:t>Resultat:</a:t>
+            </a:r>
+          </a:p>
+          <a:p>
+            <a:pPr lvl="1"/>
+            <a:r>
+              <a:rPr lang="de-DE" dirty="0" err="1" smtClean="0"/>
+              <a:t>Classifications</a:t>
+            </a:r>
+            <a:r>
+              <a:rPr lang="de-DE" dirty="0" smtClean="0"/>
+              <a:t> für Eingabefelder und Button</a:t>
+            </a:r>
+          </a:p>
+          <a:p>
+            <a:pPr lvl="1"/>
+            <a:r>
+              <a:rPr lang="de-DE" dirty="0" smtClean="0"/>
+              <a:t>Eingabefelder besitzen jeweils „korrekt ausgefüllt“ und „inkorrekt ausgefüllt“</a:t>
+            </a:r>
+          </a:p>
+          <a:p>
+            <a:r>
+              <a:rPr lang="de-DE" dirty="0" smtClean="0"/>
+              <a:t>Alternativ: Werte innerhalb und außerhalb des Grenzbereiches</a:t>
+            </a:r>
+          </a:p>
+          <a:p>
+            <a:endParaRPr lang="de-DE" dirty="0" smtClean="0"/>
+          </a:p>
+          <a:p>
+            <a:endParaRPr lang="de-DE" dirty="0" smtClean="0"/>
+          </a:p>
+        </p:txBody>
+      </p:sp>
+      <p:sp>
+        <p:nvSpPr>
+          <p:cNvPr id="4" name="Fußzeilenplatzhalter 3"/>
+          <p:cNvSpPr>
+            <a:spLocks noGrp="1"/>
+          </p:cNvSpPr>
+          <p:nvPr>
+            <p:ph type="ftr" sz="quarter" idx="11"/>
+          </p:nvPr>
+        </p:nvSpPr>
+        <p:spPr/>
+        <p:txBody>
+          <a:bodyPr/>
+          <a:lstStyle/>
+          <a:p>
+            <a:r>
+              <a:rPr lang="de-DE" smtClean="0"/>
+              <a:t>Daniel Gehn, Bianca Niklass und Aljoscha Czepoks</a:t>
+            </a:r>
+            <a:endParaRPr lang="de-DE" dirty="0"/>
+          </a:p>
+        </p:txBody>
+      </p:sp>
+      <p:sp>
+        <p:nvSpPr>
+          <p:cNvPr id="5" name="Foliennummernplatzhalter 4"/>
+          <p:cNvSpPr>
+            <a:spLocks noGrp="1"/>
+          </p:cNvSpPr>
+          <p:nvPr>
+            <p:ph type="sldNum" sz="quarter" idx="12"/>
+          </p:nvPr>
+        </p:nvSpPr>
+        <p:spPr/>
+        <p:txBody>
+          <a:bodyPr/>
+          <a:lstStyle/>
+          <a:p>
+            <a:fld id="{E31375A4-56A4-47D6-9801-1991572033F7}" type="slidenum">
+              <a:rPr lang="de-DE" smtClean="0"/>
+              <a:t>9</a:t>
+            </a:fld>
+            <a:endParaRPr lang="de-DE" dirty="0"/>
+          </a:p>
+        </p:txBody>
+      </p:sp>
+      <p:pic>
+        <p:nvPicPr>
+          <p:cNvPr id="9" name="Grafik 8"/>
+          <p:cNvPicPr>
+            <a:picLocks noChangeAspect="1"/>
+          </p:cNvPicPr>
+          <p:nvPr/>
+        </p:nvPicPr>
+        <p:blipFill>
+          <a:blip r:embed="rId3">
+            <a:extLst>
+              <a:ext uri="{28A0092B-C50C-407E-A947-70E740481C1C}">
+                <a14:useLocalDpi xmlns:a14="http://schemas.microsoft.com/office/drawing/2010/main" val="0"/>
+              </a:ext>
+            </a:extLst>
+          </a:blip>
+          <a:stretch>
+            <a:fillRect/>
+          </a:stretch>
+        </p:blipFill>
+        <p:spPr>
+          <a:xfrm>
+            <a:off x="6166893" y="5054914"/>
+            <a:ext cx="5751953" cy="1146913"/>
+          </a:xfrm>
+          <a:prstGeom prst="rect">
+            <a:avLst/>
+          </a:prstGeom>
+        </p:spPr>
+      </p:pic>
+    </p:spTree>
+    <p:extLst>
+      <p:ext uri="{BB962C8B-B14F-4D97-AF65-F5344CB8AC3E}">
+        <p14:creationId xmlns:p14="http://schemas.microsoft.com/office/powerpoint/2010/main" val="204001591"/>
       </p:ext>
     </p:extLst>
   </p:cSld>

--- a/TestenMileStone3.pptx
+++ b/TestenMileStone3.pptx
@@ -226,7 +226,7 @@
           <a:p>
             <a:fld id="{65DD71D7-55AC-46BD-81B3-09AB2F9EFBD8}" type="datetimeFigureOut">
               <a:rPr lang="de-DE" smtClean="0"/>
-              <a:t>tt.01.jjjj</a:t>
+              <a:t>10.01.2016</a:t>
             </a:fld>
             <a:endParaRPr lang="de-DE" dirty="0"/>
           </a:p>
@@ -391,7 +391,7 @@
           <a:p>
             <a:fld id="{1F89424F-BB59-4F4E-9822-4CA3E770FFD2}" type="datetimeFigureOut">
               <a:rPr lang="de-DE" smtClean="0"/>
-              <a:t>tt.01.jjjj</a:t>
+              <a:t>10.01.2016</a:t>
             </a:fld>
             <a:endParaRPr lang="de-DE" dirty="0"/>
           </a:p>
@@ -1202,7 +1202,7 @@
           <a:p>
             <a:fld id="{8AE61375-67D6-420B-86AE-DA020D70A190}" type="datetime1">
               <a:rPr lang="de-DE" smtClean="0"/>
-              <a:t>tt.01.jjjj</a:t>
+              <a:t>10.01.2016</a:t>
             </a:fld>
             <a:endParaRPr lang="de-DE" dirty="0"/>
           </a:p>
@@ -1398,7 +1398,7 @@
           <a:p>
             <a:fld id="{4C3CB006-1C8F-4FFF-9886-C7F4371DAF23}" type="datetime1">
               <a:rPr lang="de-DE" smtClean="0"/>
-              <a:t>tt.01.jjjj</a:t>
+              <a:t>10.01.2016</a:t>
             </a:fld>
             <a:endParaRPr lang="de-DE" dirty="0"/>
           </a:p>
@@ -1584,7 +1584,7 @@
           <a:p>
             <a:fld id="{D321307D-809D-48F8-91EE-9AA8198446F8}" type="datetime1">
               <a:rPr lang="de-DE" smtClean="0"/>
-              <a:t>tt.01.jjjj</a:t>
+              <a:t>10.01.2016</a:t>
             </a:fld>
             <a:endParaRPr lang="de-DE" dirty="0"/>
           </a:p>
@@ -2183,7 +2183,7 @@
           <a:p>
             <a:fld id="{7F2630C1-7A3F-498A-B70C-5B81638D9A90}" type="datetime1">
               <a:rPr lang="de-DE" smtClean="0"/>
-              <a:t>tt.01.jjjj</a:t>
+              <a:t>10.01.2016</a:t>
             </a:fld>
             <a:endParaRPr lang="de-DE" dirty="0"/>
           </a:p>
@@ -2631,7 +2631,7 @@
           <a:p>
             <a:fld id="{073F4EA5-F2B1-4A30-B391-9C13E4EB1066}" type="datetime1">
               <a:rPr lang="de-DE" smtClean="0"/>
-              <a:t>tt.01.jjjj</a:t>
+              <a:t>10.01.2016</a:t>
             </a:fld>
             <a:endParaRPr lang="de-DE" dirty="0"/>
           </a:p>
@@ -2765,7 +2765,7 @@
           <a:p>
             <a:fld id="{D6A603CA-3662-4A3A-83DC-758F233EE0F1}" type="datetime1">
               <a:rPr lang="de-DE" smtClean="0"/>
-              <a:t>tt.01.jjjj</a:t>
+              <a:t>10.01.2016</a:t>
             </a:fld>
             <a:endParaRPr lang="de-DE" dirty="0"/>
           </a:p>
@@ -2876,7 +2876,7 @@
           <a:p>
             <a:fld id="{C78925BB-189B-4468-A51B-FBC34BAEE2A3}" type="datetime1">
               <a:rPr lang="de-DE" smtClean="0"/>
-              <a:t>tt.01.jjjj</a:t>
+              <a:t>10.01.2016</a:t>
             </a:fld>
             <a:endParaRPr lang="de-DE" dirty="0"/>
           </a:p>
@@ -3305,7 +3305,7 @@
           <a:p>
             <a:fld id="{A4A24417-A66A-4DB9-A411-86E6167B556E}" type="datetime1">
               <a:rPr lang="de-DE" smtClean="0"/>
-              <a:t>tt.01.jjjj</a:t>
+              <a:t>10.01.2016</a:t>
             </a:fld>
             <a:endParaRPr lang="de-DE" dirty="0"/>
           </a:p>
@@ -3724,7 +3724,7 @@
           <a:p>
             <a:fld id="{2B5E8D1E-9E6B-4DE7-806A-E0D9A440D85A}" type="datetime1">
               <a:rPr lang="de-DE" smtClean="0"/>
-              <a:t>tt.01.jjjj</a:t>
+              <a:t>10.01.2016</a:t>
             </a:fld>
             <a:endParaRPr lang="de-DE" dirty="0"/>
           </a:p>
@@ -4001,7 +4001,7 @@
           <a:p>
             <a:fld id="{76EFFB5E-0A4E-4527-8E61-46DE082A53B6}" type="datetime1">
               <a:rPr lang="de-DE" smtClean="0"/>
-              <a:t>tt.01.jjjj</a:t>
+              <a:t>10.01.2016</a:t>
             </a:fld>
             <a:endParaRPr lang="de-DE" dirty="0"/>
           </a:p>
@@ -6419,14 +6419,32 @@
           <a:p>
             <a:r>
               <a:rPr lang="de-DE" dirty="0" smtClean="0"/>
-              <a:t>Insgesamt lief das Projekt teilweise sehr holprig, da sich einige Hürden als sehr kompliziert herausstellten.  </a:t>
-            </a:r>
-          </a:p>
-          <a:p>
-            <a:r>
-              <a:rPr lang="de-DE" dirty="0" smtClean="0"/>
-              <a:t>Jedoch wurde durch das Projekt ein guter Einblick in die verschiedenen Testprogramm gewährt.</a:t>
-            </a:r>
+              <a:t>Aufgezählten Hürden komplizierten das Projekt</a:t>
+            </a:r>
+            <a:endParaRPr lang="de-DE" dirty="0"/>
+          </a:p>
+          <a:p>
+            <a:r>
+              <a:rPr lang="de-DE" dirty="0" smtClean="0"/>
+              <a:t>Jedoch </a:t>
+            </a:r>
+            <a:r>
+              <a:rPr lang="de-DE" dirty="0" smtClean="0"/>
+              <a:t>wurde </a:t>
+            </a:r>
+            <a:r>
+              <a:rPr lang="de-DE" dirty="0" smtClean="0"/>
+              <a:t>ein </a:t>
+            </a:r>
+            <a:r>
+              <a:rPr lang="de-DE" dirty="0" smtClean="0"/>
+              <a:t>guter Einblick in die verschiedenen Testprogramm </a:t>
+            </a:r>
+            <a:r>
+              <a:rPr lang="de-DE" dirty="0" smtClean="0"/>
+              <a:t>gewährt</a:t>
+            </a:r>
+            <a:endParaRPr lang="de-DE" dirty="0" smtClean="0"/>
           </a:p>
         </p:txBody>
       </p:sp>
@@ -6794,7 +6812,7 @@
         <p:spPr>
           <a:xfrm>
             <a:off x="1295400" y="1806423"/>
-            <a:ext cx="4590092" cy="1477328"/>
+            <a:ext cx="4590092" cy="2092881"/>
           </a:xfrm>
           <a:prstGeom prst="rect">
             <a:avLst/>
@@ -6812,9 +6830,30 @@
               <a:buChar char="•"/>
             </a:pPr>
             <a:r>
-              <a:rPr lang="de-DE" dirty="0" smtClean="0"/>
-              <a:t>Ziel diese Projektes war es den Kreislauf zu schließen.</a:t>
-            </a:r>
+              <a:rPr lang="de-DE" sz="2000" dirty="0" smtClean="0"/>
+              <a:t>Ziel</a:t>
+            </a:r>
+            <a:r>
+              <a:rPr lang="de-DE" dirty="0" smtClean="0"/>
+              <a:t>: </a:t>
+            </a:r>
+          </a:p>
+          <a:p>
+            <a:r>
+              <a:rPr lang="de-DE" dirty="0"/>
+              <a:t> </a:t>
+            </a:r>
+            <a:r>
+              <a:rPr lang="de-DE" dirty="0" smtClean="0"/>
+              <a:t>   </a:t>
+            </a:r>
+            <a:r>
+              <a:rPr lang="de-DE" dirty="0" smtClean="0"/>
+              <a:t> Kreislauf zu schließen</a:t>
+            </a:r>
+          </a:p>
+          <a:p>
+            <a:endParaRPr lang="de-DE" dirty="0" smtClean="0"/>
           </a:p>
           <a:p>
             <a:pPr marL="285750" indent="-285750">
@@ -6822,8 +6861,18 @@
               <a:buChar char="•"/>
             </a:pPr>
             <a:r>
-              <a:rPr lang="de-DE" dirty="0" smtClean="0"/>
-              <a:t>Grundlage war der </a:t>
+              <a:rPr lang="de-DE" sz="2000" dirty="0" smtClean="0"/>
+              <a:t>Grundlage</a:t>
+            </a:r>
+            <a:r>
+              <a:rPr lang="de-DE" dirty="0" smtClean="0"/>
+              <a:t>:</a:t>
+            </a:r>
+          </a:p>
+          <a:p>
+            <a:r>
+              <a:rPr lang="de-DE" dirty="0" smtClean="0"/>
+              <a:t>                   - </a:t>
             </a:r>
             <a:r>
               <a:rPr lang="de-DE" dirty="0" err="1" smtClean="0"/>
@@ -6831,7 +6880,15 @@
             </a:r>
             <a:r>
               <a:rPr lang="de-DE" dirty="0" smtClean="0"/>
-              <a:t> aus dem Vorsemester und </a:t>
+              <a:t> </a:t>
+            </a:r>
+            <a:r>
+              <a:rPr lang="de-DE" dirty="0" smtClean="0"/>
+              <a:t>aus dem Vorsemester </a:t>
+            </a:r>
+            <a:r>
+              <a:rPr lang="de-DE" dirty="0" smtClean="0"/>
+              <a:t>              	 - </a:t>
             </a:r>
             <a:r>
               <a:rPr lang="de-DE" dirty="0" err="1" smtClean="0"/>
@@ -6936,32 +6993,105 @@
           <a:lstStyle/>
           <a:p>
             <a:r>
-              <a:rPr lang="de-DE" dirty="0" smtClean="0"/>
-              <a:t>Ziel des ersten Meilensteins war es die Funktionsweise der einzelnen Programme heraus zu finden.</a:t>
-            </a:r>
-          </a:p>
-          <a:p>
-            <a:r>
-              <a:rPr lang="de-DE" dirty="0" smtClean="0"/>
-              <a:t>Da ergaben sich folgende Probleme</a:t>
-            </a:r>
-          </a:p>
-          <a:p>
-            <a:pPr lvl="1"/>
+              <a:rPr lang="de-DE" sz="2200" dirty="0" smtClean="0"/>
+              <a:t>Ziel</a:t>
+            </a:r>
+            <a:r>
+              <a:rPr lang="de-DE" dirty="0" smtClean="0"/>
+              <a:t>:</a:t>
+            </a:r>
+          </a:p>
+          <a:p>
+            <a:pPr marL="45720" indent="0">
+              <a:spcBef>
+                <a:spcPts val="0"/>
+              </a:spcBef>
+              <a:buNone/>
+            </a:pPr>
+            <a:r>
+              <a:rPr lang="de-DE" dirty="0" smtClean="0"/>
+              <a:t>              Funktionsweise </a:t>
+            </a:r>
+            <a:r>
+              <a:rPr lang="de-DE" dirty="0" smtClean="0"/>
+              <a:t>der einzelnen </a:t>
+            </a:r>
+            <a:r>
+              <a:rPr lang="de-DE" dirty="0" smtClean="0"/>
+              <a:t>Programme zu verstehen</a:t>
+            </a:r>
+          </a:p>
+          <a:p>
+            <a:pPr>
+              <a:spcBef>
+                <a:spcPts val="0"/>
+              </a:spcBef>
+            </a:pPr>
+            <a:r>
+              <a:rPr lang="de-DE" sz="2200" dirty="0" smtClean="0"/>
+              <a:t>Probleme</a:t>
+            </a:r>
+            <a:r>
+              <a:rPr lang="de-DE" dirty="0" smtClean="0"/>
+              <a:t>:</a:t>
+            </a:r>
+          </a:p>
+          <a:p>
+            <a:pPr marL="45720" indent="0">
+              <a:spcBef>
+                <a:spcPts val="0"/>
+              </a:spcBef>
+              <a:buNone/>
+            </a:pPr>
+            <a:r>
+              <a:rPr lang="de-DE" dirty="0" smtClean="0"/>
+              <a:t>	Timeout bei Inaktivität in </a:t>
+            </a:r>
             <a:r>
               <a:rPr lang="de-DE" dirty="0" err="1" smtClean="0"/>
               <a:t>Appium</a:t>
             </a:r>
             <a:r>
               <a:rPr lang="de-DE" dirty="0" smtClean="0"/>
-              <a:t> beendete die Session nach 60 Sekunden ohne Aktivität. Dieses Problem tritt meist bei langsamen Rechner auf. </a:t>
-            </a:r>
-          </a:p>
-          <a:p>
-            <a:pPr lvl="1"/>
-            <a:r>
-              <a:rPr lang="de-DE" dirty="0" smtClean="0"/>
-              <a:t>Ebenso waren die Beispiel </a:t>
+              <a:t> </a:t>
+            </a:r>
+            <a:r>
+              <a:rPr lang="de-DE" dirty="0"/>
+              <a:t>	</a:t>
+            </a:r>
+            <a:endParaRPr lang="de-DE" dirty="0" smtClean="0"/>
+          </a:p>
+          <a:p>
+            <a:pPr marL="45720" indent="0">
+              <a:spcBef>
+                <a:spcPts val="0"/>
+              </a:spcBef>
+              <a:buNone/>
+            </a:pPr>
+            <a:r>
+              <a:rPr lang="de-DE" dirty="0"/>
+              <a:t>	</a:t>
+            </a:r>
+            <a:r>
+              <a:rPr lang="de-DE" dirty="0" smtClean="0"/>
+              <a:t>-&gt; problematisch für langsame Computer</a:t>
+            </a:r>
+            <a:endParaRPr lang="de-DE" dirty="0"/>
+          </a:p>
+          <a:p>
+            <a:pPr marL="45720" indent="0">
+              <a:spcBef>
+                <a:spcPts val="0"/>
+              </a:spcBef>
+              <a:buNone/>
+            </a:pPr>
+            <a:r>
+              <a:rPr lang="de-DE" dirty="0"/>
+              <a:t>	</a:t>
+            </a:r>
+            <a:r>
+              <a:rPr lang="de-DE" dirty="0" smtClean="0"/>
+              <a:t>veraltete Beispiel </a:t>
             </a:r>
             <a:r>
               <a:rPr lang="de-DE" dirty="0" err="1" smtClean="0"/>
@@ -6969,19 +7099,24 @@
             </a:r>
             <a:r>
               <a:rPr lang="de-DE" dirty="0" smtClean="0"/>
-              <a:t> von </a:t>
-            </a:r>
-            <a:r>
-              <a:rPr lang="de-DE" dirty="0" err="1" smtClean="0"/>
-              <a:t>TestEditor</a:t>
-            </a:r>
-            <a:r>
-              <a:rPr lang="de-DE" dirty="0" smtClean="0"/>
-              <a:t> veraltet, so mussten dort zum Beispiel auch noch Anpassungen vorgenommen werden. </a:t>
-            </a:r>
-          </a:p>
-          <a:p>
-            <a:pPr lvl="1"/>
+              <a:t> bei dem Testeditor</a:t>
+            </a:r>
+          </a:p>
+          <a:p>
+            <a:pPr marL="45720" indent="0">
+              <a:spcBef>
+                <a:spcPts val="0"/>
+              </a:spcBef>
+              <a:buNone/>
+            </a:pPr>
+            <a:r>
+              <a:rPr lang="de-DE" dirty="0"/>
+              <a:t>	</a:t>
+            </a:r>
+            <a:r>
+              <a:rPr lang="de-DE" dirty="0" smtClean="0"/>
+              <a:t>-&gt; Anpassungen müssen vorgenommen werden</a:t>
+            </a:r>
             <a:endParaRPr lang="de-DE" dirty="0"/>
           </a:p>
         </p:txBody>
@@ -7116,20 +7251,38 @@
         </p:nvSpPr>
         <p:spPr/>
         <p:txBody>
-          <a:bodyPr/>
-          <a:lstStyle/>
-          <a:p>
-            <a:r>
-              <a:rPr lang="de-DE" dirty="0" smtClean="0"/>
-              <a:t>Im zweiten Meilenstein sollte ein </a:t>
+          <a:bodyPr>
+            <a:normAutofit/>
+          </a:bodyPr>
+          <a:lstStyle/>
+          <a:p>
+            <a:r>
+              <a:rPr lang="de-DE" sz="2200" dirty="0" smtClean="0"/>
+              <a:t>Ziel</a:t>
+            </a:r>
+            <a:r>
+              <a:rPr lang="de-DE" dirty="0" smtClean="0"/>
+              <a:t>:</a:t>
+            </a:r>
+          </a:p>
+          <a:p>
+            <a:pPr marL="45720" indent="0">
+              <a:spcBef>
+                <a:spcPts val="0"/>
+              </a:spcBef>
+              <a:buNone/>
+            </a:pPr>
+            <a:r>
+              <a:rPr lang="de-DE" dirty="0" smtClean="0"/>
+              <a:t>               -Erstellen eines </a:t>
             </a:r>
             <a:r>
               <a:rPr lang="de-DE" dirty="0" err="1" smtClean="0"/>
-              <a:t>Fixture</a:t>
-            </a:r>
-            <a:r>
-              <a:rPr lang="de-DE" dirty="0" smtClean="0"/>
-              <a:t> geschrieben werden, welches die Tests in </a:t>
+              <a:t>Fixtures</a:t>
+            </a:r>
+            <a:r>
+              <a:rPr lang="de-DE" dirty="0" smtClean="0"/>
+              <a:t>, welches die Tests in </a:t>
             </a:r>
             <a:r>
               <a:rPr lang="de-DE" dirty="0" err="1" smtClean="0"/>
@@ -7137,20 +7290,38 @@
             </a:r>
             <a:r>
               <a:rPr lang="de-DE" dirty="0" smtClean="0"/>
-              <a:t> aus dem Testeditor herausstartet. </a:t>
-            </a:r>
-          </a:p>
-          <a:p>
-            <a:r>
-              <a:rPr lang="de-DE" dirty="0" smtClean="0"/>
-              <a:t>Genauso musste der Inspektor so angepasst werden, dass es die Möglichkeit gab aus den vorhandenen Daten einen </a:t>
+              <a:t> aus dem </a:t>
+            </a:r>
+            <a:r>
+              <a:rPr lang="de-DE" dirty="0" err="1" smtClean="0"/>
+              <a:t>TestEditor</a:t>
+            </a:r>
+            <a:r>
+              <a:rPr lang="de-DE" dirty="0" smtClean="0"/>
+              <a:t>    	   	 herausstarten</a:t>
+            </a:r>
+          </a:p>
+          <a:p>
+            <a:pPr marL="45720" indent="0">
+              <a:spcBef>
+                <a:spcPts val="0"/>
+              </a:spcBef>
+              <a:buNone/>
+            </a:pPr>
+            <a:r>
+              <a:rPr lang="de-DE" dirty="0"/>
+              <a:t> </a:t>
+            </a:r>
+            <a:r>
+              <a:rPr lang="de-DE" dirty="0" smtClean="0"/>
+              <a:t> 	-Anpassung des Inspektors, sodass aus den vorhandenen Daten ein  	  	 </a:t>
             </a:r>
             <a:r>
               <a:rPr lang="de-DE" dirty="0" err="1" smtClean="0"/>
               <a:t>Classification</a:t>
             </a:r>
             <a:r>
-              <a:rPr lang="de-DE" dirty="0"/>
+              <a:rPr lang="de-DE" dirty="0" smtClean="0"/>
               <a:t> </a:t>
             </a:r>
             <a:r>
@@ -7159,58 +7330,130 @@
             </a:r>
             <a:r>
               <a:rPr lang="de-DE" dirty="0" smtClean="0"/>
-              <a:t> zu erstellen. </a:t>
-            </a:r>
-          </a:p>
-          <a:p>
-            <a:r>
-              <a:rPr lang="de-DE" dirty="0" smtClean="0"/>
-              <a:t>Auch hier gab es einige Hürden </a:t>
-            </a:r>
-          </a:p>
-          <a:p>
-            <a:pPr lvl="1"/>
-            <a:r>
-              <a:rPr lang="de-DE" dirty="0" smtClean="0"/>
-              <a:t>die Dokumentation zu Erstellung des </a:t>
-            </a:r>
-            <a:r>
-              <a:rPr lang="de-DE" dirty="0" err="1" smtClean="0"/>
+              <a:t> erstellt werden kann</a:t>
+            </a:r>
+          </a:p>
+          <a:p>
+            <a:pPr marL="45720" indent="0">
+              <a:spcBef>
+                <a:spcPts val="0"/>
+              </a:spcBef>
+              <a:buNone/>
+            </a:pPr>
+            <a:endParaRPr lang="de-DE" dirty="0" smtClean="0"/>
+          </a:p>
+          <a:p>
+            <a:pPr>
+              <a:spcBef>
+                <a:spcPts val="0"/>
+              </a:spcBef>
+            </a:pPr>
+            <a:r>
+              <a:rPr lang="de-DE" sz="2200" dirty="0" smtClean="0"/>
+              <a:t>Hürden</a:t>
+            </a:r>
+            <a:r>
+              <a:rPr lang="de-DE" dirty="0" smtClean="0"/>
+              <a:t>:</a:t>
+            </a:r>
+          </a:p>
+          <a:p>
+            <a:pPr marL="685800" lvl="2" indent="0">
+              <a:spcBef>
+                <a:spcPts val="0"/>
+              </a:spcBef>
+              <a:buNone/>
+            </a:pPr>
+            <a:r>
+              <a:rPr lang="de-DE" sz="2000" dirty="0"/>
+              <a:t>	</a:t>
+            </a:r>
+            <a:r>
+              <a:rPr lang="de-DE" sz="2000" dirty="0" smtClean="0"/>
+              <a:t>-Dokumentation zur Erstellung des </a:t>
+            </a:r>
+            <a:r>
+              <a:rPr lang="de-DE" sz="2000" dirty="0" err="1" smtClean="0"/>
+              <a:t>Fixtures</a:t>
+            </a:r>
+            <a:r>
+              <a:rPr lang="de-DE" sz="2000" dirty="0" smtClean="0"/>
+              <a:t> ist veraltet</a:t>
+            </a:r>
+          </a:p>
+          <a:p>
+            <a:pPr marL="685800" lvl="2" indent="0">
+              <a:spcBef>
+                <a:spcPts val="0"/>
+              </a:spcBef>
+              <a:buNone/>
+            </a:pPr>
+            <a:r>
+              <a:rPr lang="de-DE" sz="2000" dirty="0"/>
+              <a:t> </a:t>
+            </a:r>
+            <a:r>
+              <a:rPr lang="de-DE" sz="2000" dirty="0" smtClean="0"/>
+              <a:t>   -Debuggen durch </a:t>
+            </a:r>
+            <a:r>
+              <a:rPr lang="de-DE" sz="2000" dirty="0" err="1" smtClean="0"/>
+              <a:t>unpräziese</a:t>
+            </a:r>
+            <a:r>
+              <a:rPr lang="de-DE" sz="2000" dirty="0" smtClean="0"/>
+              <a:t> Fehlermeldungen schwierig </a:t>
+            </a:r>
+          </a:p>
+          <a:p>
+            <a:pPr marL="685800" lvl="2" indent="0">
+              <a:spcBef>
+                <a:spcPts val="0"/>
+              </a:spcBef>
+              <a:buNone/>
+            </a:pPr>
+            <a:endParaRPr lang="de-DE" sz="2000" dirty="0"/>
+          </a:p>
+          <a:p>
+            <a:pPr marL="685800" lvl="2" indent="0">
+              <a:spcBef>
+                <a:spcPts val="0"/>
+              </a:spcBef>
+              <a:buNone/>
+            </a:pPr>
+            <a:r>
+              <a:rPr lang="de-DE" sz="2000" dirty="0" smtClean="0"/>
+              <a:t>-&gt;auf ein existierendes </a:t>
+            </a:r>
+            <a:r>
+              <a:rPr lang="de-DE" sz="2000" dirty="0" err="1" smtClean="0"/>
               <a:t>Fixture</a:t>
             </a:r>
             <a:r>
-              <a:rPr lang="de-DE" dirty="0" smtClean="0"/>
-              <a:t> ist veraltet, so dass es nur durch ausprobieren zum Erfolg führte.</a:t>
-            </a:r>
-          </a:p>
-          <a:p>
-            <a:pPr lvl="1"/>
-            <a:r>
-              <a:rPr lang="de-DE" dirty="0" smtClean="0"/>
-              <a:t>Durch irreführende Fehlermeldungen war das Debuggen schwierig.</a:t>
-            </a:r>
-          </a:p>
-          <a:p>
-            <a:r>
-              <a:rPr lang="de-DE" dirty="0"/>
-              <a:t>Zur Lösung der Hürden wurden auf ein existierendes </a:t>
-            </a:r>
-            <a:r>
-              <a:rPr lang="de-DE" dirty="0" err="1"/>
+              <a:rPr lang="de-DE" sz="2000" dirty="0" smtClean="0"/>
+              <a:t> wurde zurückgegriffen</a:t>
+            </a:r>
+          </a:p>
+          <a:p>
+            <a:pPr marL="685800" lvl="2" indent="0">
+              <a:spcBef>
+                <a:spcPts val="0"/>
+              </a:spcBef>
+              <a:buNone/>
+            </a:pPr>
+            <a:r>
+              <a:rPr lang="de-DE" sz="2000" dirty="0" smtClean="0"/>
+              <a:t>-&gt;durch das original Repository war es möglich ein Core-</a:t>
+            </a:r>
+            <a:r>
+              <a:rPr lang="de-DE" sz="2000" dirty="0" err="1" smtClean="0"/>
               <a:t>Fixture</a:t>
             </a:r>
             <a:r>
-              <a:rPr lang="de-DE" dirty="0"/>
-              <a:t> zurückgegriffen. Erst durch das original Repository war es möglich eine neues Core-</a:t>
-            </a:r>
-            <a:r>
-              <a:rPr lang="de-DE" dirty="0" err="1"/>
-              <a:t>Fixture</a:t>
-            </a:r>
-            <a:r>
-              <a:rPr lang="de-DE" dirty="0"/>
-              <a:t> zu schreiben.</a:t>
-            </a:r>
+              <a:rPr lang="de-DE" sz="2000" dirty="0" smtClean="0"/>
+              <a:t> zu implementieren</a:t>
+            </a:r>
+            <a:endParaRPr lang="de-DE" sz="2000" dirty="0" smtClean="0"/>
           </a:p>
           <a:p>
             <a:endParaRPr lang="de-DE" dirty="0"/>

--- a/TestenMileStone3.pptx
+++ b/TestenMileStone3.pptx
@@ -226,7 +226,7 @@
           <a:p>
             <a:fld id="{65DD71D7-55AC-46BD-81B3-09AB2F9EFBD8}" type="datetimeFigureOut">
               <a:rPr lang="de-DE" smtClean="0"/>
-              <a:t>10.01.2016</a:t>
+              <a:t>tt.01.jjjj</a:t>
             </a:fld>
             <a:endParaRPr lang="de-DE" dirty="0"/>
           </a:p>
@@ -391,7 +391,7 @@
           <a:p>
             <a:fld id="{1F89424F-BB59-4F4E-9822-4CA3E770FFD2}" type="datetimeFigureOut">
               <a:rPr lang="de-DE" smtClean="0"/>
-              <a:t>10.01.2016</a:t>
+              <a:t>tt.01.jjjj</a:t>
             </a:fld>
             <a:endParaRPr lang="de-DE" dirty="0"/>
           </a:p>
@@ -1202,7 +1202,7 @@
           <a:p>
             <a:fld id="{8AE61375-67D6-420B-86AE-DA020D70A190}" type="datetime1">
               <a:rPr lang="de-DE" smtClean="0"/>
-              <a:t>10.01.2016</a:t>
+              <a:t>tt.01.jjjj</a:t>
             </a:fld>
             <a:endParaRPr lang="de-DE" dirty="0"/>
           </a:p>
@@ -1398,7 +1398,7 @@
           <a:p>
             <a:fld id="{4C3CB006-1C8F-4FFF-9886-C7F4371DAF23}" type="datetime1">
               <a:rPr lang="de-DE" smtClean="0"/>
-              <a:t>10.01.2016</a:t>
+              <a:t>tt.01.jjjj</a:t>
             </a:fld>
             <a:endParaRPr lang="de-DE" dirty="0"/>
           </a:p>
@@ -1584,7 +1584,7 @@
           <a:p>
             <a:fld id="{D321307D-809D-48F8-91EE-9AA8198446F8}" type="datetime1">
               <a:rPr lang="de-DE" smtClean="0"/>
-              <a:t>10.01.2016</a:t>
+              <a:t>tt.01.jjjj</a:t>
             </a:fld>
             <a:endParaRPr lang="de-DE" dirty="0"/>
           </a:p>
@@ -2183,7 +2183,7 @@
           <a:p>
             <a:fld id="{7F2630C1-7A3F-498A-B70C-5B81638D9A90}" type="datetime1">
               <a:rPr lang="de-DE" smtClean="0"/>
-              <a:t>10.01.2016</a:t>
+              <a:t>tt.01.jjjj</a:t>
             </a:fld>
             <a:endParaRPr lang="de-DE" dirty="0"/>
           </a:p>
@@ -2631,7 +2631,7 @@
           <a:p>
             <a:fld id="{073F4EA5-F2B1-4A30-B391-9C13E4EB1066}" type="datetime1">
               <a:rPr lang="de-DE" smtClean="0"/>
-              <a:t>10.01.2016</a:t>
+              <a:t>tt.01.jjjj</a:t>
             </a:fld>
             <a:endParaRPr lang="de-DE" dirty="0"/>
           </a:p>
@@ -2765,7 +2765,7 @@
           <a:p>
             <a:fld id="{D6A603CA-3662-4A3A-83DC-758F233EE0F1}" type="datetime1">
               <a:rPr lang="de-DE" smtClean="0"/>
-              <a:t>10.01.2016</a:t>
+              <a:t>tt.01.jjjj</a:t>
             </a:fld>
             <a:endParaRPr lang="de-DE" dirty="0"/>
           </a:p>
@@ -2876,7 +2876,7 @@
           <a:p>
             <a:fld id="{C78925BB-189B-4468-A51B-FBC34BAEE2A3}" type="datetime1">
               <a:rPr lang="de-DE" smtClean="0"/>
-              <a:t>10.01.2016</a:t>
+              <a:t>tt.01.jjjj</a:t>
             </a:fld>
             <a:endParaRPr lang="de-DE" dirty="0"/>
           </a:p>
@@ -3305,7 +3305,7 @@
           <a:p>
             <a:fld id="{A4A24417-A66A-4DB9-A411-86E6167B556E}" type="datetime1">
               <a:rPr lang="de-DE" smtClean="0"/>
-              <a:t>10.01.2016</a:t>
+              <a:t>tt.01.jjjj</a:t>
             </a:fld>
             <a:endParaRPr lang="de-DE" dirty="0"/>
           </a:p>
@@ -3724,7 +3724,7 @@
           <a:p>
             <a:fld id="{2B5E8D1E-9E6B-4DE7-806A-E0D9A440D85A}" type="datetime1">
               <a:rPr lang="de-DE" smtClean="0"/>
-              <a:t>10.01.2016</a:t>
+              <a:t>tt.01.jjjj</a:t>
             </a:fld>
             <a:endParaRPr lang="de-DE" dirty="0"/>
           </a:p>
@@ -4001,7 +4001,7 @@
           <a:p>
             <a:fld id="{76EFFB5E-0A4E-4527-8E61-46DE082A53B6}" type="datetime1">
               <a:rPr lang="de-DE" smtClean="0"/>
-              <a:t>10.01.2016</a:t>
+              <a:t>tt.01.jjjj</a:t>
             </a:fld>
             <a:endParaRPr lang="de-DE" dirty="0"/>
           </a:p>
@@ -6419,7 +6419,7 @@
           <a:p>
             <a:r>
               <a:rPr lang="de-DE" dirty="0" smtClean="0"/>
-              <a:t>Aufgezählten Hürden komplizierten das Projekt</a:t>
+              <a:t>Genannte Hürden verkomplizierten Projekt</a:t>
             </a:r>
             <a:endParaRPr lang="de-DE" dirty="0"/>
           </a:p>
@@ -6430,20 +6430,50 @@
             </a:r>
             <a:r>
               <a:rPr lang="de-DE" dirty="0" smtClean="0"/>
-              <a:t>wurde </a:t>
+              <a:t>guter </a:t>
             </a:r>
             <a:r>
               <a:rPr lang="de-DE" dirty="0" smtClean="0"/>
-              <a:t>ein </a:t>
+              <a:t>Einblick in </a:t>
             </a:r>
             <a:r>
               <a:rPr lang="de-DE" dirty="0" smtClean="0"/>
-              <a:t>guter Einblick in die verschiedenen Testprogramm </a:t>
-            </a:r>
+              <a:t>verschiedenen Teile des Testzyklus</a:t>
+            </a:r>
+          </a:p>
+          <a:p>
             <a:r>
               <a:rPr lang="de-DE" dirty="0" smtClean="0"/>
-              <a:t>gewährt</a:t>
-            </a:r>
+              <a:t>Implementation von Schnittstellen zur Kommunikation zwischen mehreren Tools</a:t>
+            </a:r>
+          </a:p>
+          <a:p>
+            <a:r>
+              <a:rPr lang="de-DE" dirty="0" smtClean="0"/>
+              <a:t>Erstellen von </a:t>
+            </a:r>
+            <a:r>
+              <a:rPr lang="de-DE" dirty="0" err="1" smtClean="0"/>
+              <a:t>Classification</a:t>
+            </a:r>
+            <a:r>
+              <a:rPr lang="de-DE" dirty="0" smtClean="0"/>
+              <a:t> </a:t>
+            </a:r>
+            <a:r>
+              <a:rPr lang="de-DE" dirty="0" err="1" smtClean="0"/>
+              <a:t>Trees</a:t>
+            </a:r>
+            <a:r>
+              <a:rPr lang="de-DE" dirty="0" smtClean="0"/>
+              <a:t> + Generierung von Testfällen</a:t>
+            </a:r>
+            <a:endParaRPr lang="de-DE" dirty="0" smtClean="0"/>
+          </a:p>
+          <a:p>
+            <a:endParaRPr lang="de-DE" dirty="0" smtClean="0"/>
+          </a:p>
+          <a:p>
             <a:endParaRPr lang="de-DE" dirty="0" smtClean="0"/>
           </a:p>
         </p:txBody>
@@ -6805,102 +6835,284 @@
       </p:sp>
       <p:sp>
         <p:nvSpPr>
-          <p:cNvPr id="7" name="Textfeld 6"/>
-          <p:cNvSpPr txBox="1"/>
+          <p:cNvPr id="8" name="Inhaltsplatzhalter 2"/>
+          <p:cNvSpPr txBox="1">
+            <a:spLocks/>
+          </p:cNvSpPr>
           <p:nvPr/>
         </p:nvSpPr>
         <p:spPr>
           <a:xfrm>
-            <a:off x="1295400" y="1806423"/>
-            <a:ext cx="4590092" cy="2092881"/>
+            <a:off x="1295399" y="1704836"/>
+            <a:ext cx="4590093" cy="4114800"/>
           </a:xfrm>
           <a:prstGeom prst="rect">
             <a:avLst/>
           </a:prstGeom>
-          <a:noFill/>
         </p:spPr>
         <p:txBody>
-          <a:bodyPr wrap="square" rtlCol="0">
-            <a:spAutoFit/>
+          <a:bodyPr vert="horz" lIns="91440" tIns="45720" rIns="91440" bIns="45720" rtlCol="0">
+            <a:normAutofit/>
           </a:bodyPr>
-          <a:lstStyle/>
-          <a:p>
-            <a:pPr marL="285750" indent="-285750">
-              <a:buFont typeface="Arial" panose="020B0604020202020204" pitchFamily="34" charset="0"/>
+          <a:lstStyle>
+            <a:lvl1pPr marL="274320" indent="-228600" algn="l" defTabSz="914400" rtl="0" eaLnBrk="1" latinLnBrk="0" hangingPunct="1">
+              <a:lnSpc>
+                <a:spcPct val="90000"/>
+              </a:lnSpc>
+              <a:spcBef>
+                <a:spcPts val="1800"/>
+              </a:spcBef>
+              <a:buClr>
+                <a:schemeClr val="accent1"/>
+              </a:buClr>
+              <a:buFont typeface="Arial" pitchFamily="34" charset="0"/>
               <a:buChar char="•"/>
-            </a:pPr>
-            <a:r>
-              <a:rPr lang="de-DE" sz="2000" dirty="0" smtClean="0"/>
-              <a:t>Ziel</a:t>
-            </a:r>
-            <a:r>
-              <a:rPr lang="de-DE" dirty="0" smtClean="0"/>
-              <a:t>: </a:t>
-            </a:r>
-          </a:p>
-          <a:p>
+              <a:defRPr sz="2000" kern="1200">
+                <a:solidFill>
+                  <a:schemeClr val="tx1"/>
+                </a:solidFill>
+                <a:latin typeface="+mn-lt"/>
+                <a:ea typeface="+mn-ea"/>
+                <a:cs typeface="+mn-cs"/>
+              </a:defRPr>
+            </a:lvl1pPr>
+            <a:lvl2pPr marL="594360" indent="-228600" algn="l" defTabSz="914400" rtl="0" eaLnBrk="1" latinLnBrk="0" hangingPunct="1">
+              <a:lnSpc>
+                <a:spcPct val="90000"/>
+              </a:lnSpc>
+              <a:spcBef>
+                <a:spcPts val="1000"/>
+              </a:spcBef>
+              <a:buClr>
+                <a:schemeClr val="accent1"/>
+              </a:buClr>
+              <a:buFont typeface="Arial" pitchFamily="34" charset="0"/>
+              <a:buChar char="•"/>
+              <a:defRPr sz="1800" kern="1200">
+                <a:solidFill>
+                  <a:schemeClr val="tx1"/>
+                </a:solidFill>
+                <a:latin typeface="+mn-lt"/>
+                <a:ea typeface="+mn-ea"/>
+                <a:cs typeface="+mn-cs"/>
+              </a:defRPr>
+            </a:lvl2pPr>
+            <a:lvl3pPr marL="914400" indent="-228600" algn="l" defTabSz="914400" rtl="0" eaLnBrk="1" latinLnBrk="0" hangingPunct="1">
+              <a:lnSpc>
+                <a:spcPct val="90000"/>
+              </a:lnSpc>
+              <a:spcBef>
+                <a:spcPts val="800"/>
+              </a:spcBef>
+              <a:buClr>
+                <a:schemeClr val="accent1"/>
+              </a:buClr>
+              <a:buFont typeface="Arial" pitchFamily="34" charset="0"/>
+              <a:buChar char="•"/>
+              <a:defRPr sz="1600" kern="1200">
+                <a:solidFill>
+                  <a:schemeClr val="tx1"/>
+                </a:solidFill>
+                <a:latin typeface="+mn-lt"/>
+                <a:ea typeface="+mn-ea"/>
+                <a:cs typeface="+mn-cs"/>
+              </a:defRPr>
+            </a:lvl3pPr>
+            <a:lvl4pPr marL="1234440" indent="-228600" algn="l" defTabSz="914400" rtl="0" eaLnBrk="1" latinLnBrk="0" hangingPunct="1">
+              <a:lnSpc>
+                <a:spcPct val="90000"/>
+              </a:lnSpc>
+              <a:spcBef>
+                <a:spcPts val="800"/>
+              </a:spcBef>
+              <a:buClr>
+                <a:schemeClr val="accent1"/>
+              </a:buClr>
+              <a:buFont typeface="Arial" pitchFamily="34" charset="0"/>
+              <a:buChar char="•"/>
+              <a:defRPr sz="1400" kern="1200">
+                <a:solidFill>
+                  <a:schemeClr val="tx1"/>
+                </a:solidFill>
+                <a:latin typeface="+mn-lt"/>
+                <a:ea typeface="+mn-ea"/>
+                <a:cs typeface="+mn-cs"/>
+              </a:defRPr>
+            </a:lvl4pPr>
+            <a:lvl5pPr marL="1554480" indent="-228600" algn="l" defTabSz="914400" rtl="0" eaLnBrk="1" latinLnBrk="0" hangingPunct="1">
+              <a:lnSpc>
+                <a:spcPct val="90000"/>
+              </a:lnSpc>
+              <a:spcBef>
+                <a:spcPts val="800"/>
+              </a:spcBef>
+              <a:buClr>
+                <a:schemeClr val="accent1"/>
+              </a:buClr>
+              <a:buFont typeface="Arial" pitchFamily="34" charset="0"/>
+              <a:buChar char="•"/>
+              <a:defRPr sz="1400" kern="1200">
+                <a:solidFill>
+                  <a:schemeClr val="tx1"/>
+                </a:solidFill>
+                <a:latin typeface="+mn-lt"/>
+                <a:ea typeface="+mn-ea"/>
+                <a:cs typeface="+mn-cs"/>
+              </a:defRPr>
+            </a:lvl5pPr>
+            <a:lvl6pPr marL="1828800" indent="-228600" algn="l" defTabSz="914400" rtl="0" eaLnBrk="1" latinLnBrk="0" hangingPunct="1">
+              <a:lnSpc>
+                <a:spcPct val="90000"/>
+              </a:lnSpc>
+              <a:spcBef>
+                <a:spcPts val="800"/>
+              </a:spcBef>
+              <a:buClr>
+                <a:schemeClr val="accent1"/>
+              </a:buClr>
+              <a:buFont typeface="Arial" pitchFamily="34" charset="0"/>
+              <a:buChar char="•"/>
+              <a:defRPr sz="1400" kern="1200">
+                <a:solidFill>
+                  <a:schemeClr val="tx1"/>
+                </a:solidFill>
+                <a:latin typeface="+mn-lt"/>
+                <a:ea typeface="+mn-ea"/>
+                <a:cs typeface="+mn-cs"/>
+              </a:defRPr>
+            </a:lvl6pPr>
+            <a:lvl7pPr marL="2103120" indent="-228600" algn="l" defTabSz="914400" rtl="0" eaLnBrk="1" latinLnBrk="0" hangingPunct="1">
+              <a:lnSpc>
+                <a:spcPct val="90000"/>
+              </a:lnSpc>
+              <a:spcBef>
+                <a:spcPts val="800"/>
+              </a:spcBef>
+              <a:buClr>
+                <a:schemeClr val="accent1"/>
+              </a:buClr>
+              <a:buFont typeface="Arial" pitchFamily="34" charset="0"/>
+              <a:buChar char="•"/>
+              <a:defRPr sz="1400" kern="1200">
+                <a:solidFill>
+                  <a:schemeClr val="tx1"/>
+                </a:solidFill>
+                <a:latin typeface="+mn-lt"/>
+                <a:ea typeface="+mn-ea"/>
+                <a:cs typeface="+mn-cs"/>
+              </a:defRPr>
+            </a:lvl7pPr>
+            <a:lvl8pPr marL="2377440" indent="-228600" algn="l" defTabSz="914400" rtl="0" eaLnBrk="1" latinLnBrk="0" hangingPunct="1">
+              <a:lnSpc>
+                <a:spcPct val="90000"/>
+              </a:lnSpc>
+              <a:spcBef>
+                <a:spcPts val="800"/>
+              </a:spcBef>
+              <a:buClr>
+                <a:schemeClr val="accent1"/>
+              </a:buClr>
+              <a:buFont typeface="Arial" pitchFamily="34" charset="0"/>
+              <a:buChar char="•"/>
+              <a:defRPr sz="1400" kern="1200">
+                <a:solidFill>
+                  <a:schemeClr val="tx1"/>
+                </a:solidFill>
+                <a:latin typeface="+mn-lt"/>
+                <a:ea typeface="+mn-ea"/>
+                <a:cs typeface="+mn-cs"/>
+              </a:defRPr>
+            </a:lvl8pPr>
+            <a:lvl9pPr marL="2651760" indent="-228600" algn="l" defTabSz="914400" rtl="0" eaLnBrk="1" latinLnBrk="0" hangingPunct="1">
+              <a:lnSpc>
+                <a:spcPct val="90000"/>
+              </a:lnSpc>
+              <a:spcBef>
+                <a:spcPts val="800"/>
+              </a:spcBef>
+              <a:buClr>
+                <a:schemeClr val="accent1"/>
+              </a:buClr>
+              <a:buFont typeface="Arial" pitchFamily="34" charset="0"/>
+              <a:buChar char="•"/>
+              <a:defRPr sz="1400" kern="1200">
+                <a:solidFill>
+                  <a:schemeClr val="tx1"/>
+                </a:solidFill>
+                <a:latin typeface="+mn-lt"/>
+                <a:ea typeface="+mn-ea"/>
+                <a:cs typeface="+mn-cs"/>
+              </a:defRPr>
+            </a:lvl9pPr>
+          </a:lstStyle>
+          <a:p>
+            <a:pPr marL="285750" indent="-285750"/>
+            <a:r>
+              <a:rPr lang="de-DE" sz="2200" dirty="0"/>
+              <a:t>Ziel:</a:t>
+            </a:r>
             <a:r>
               <a:rPr lang="de-DE" dirty="0"/>
               <a:t> </a:t>
             </a:r>
+            <a:endParaRPr lang="de-DE" dirty="0" smtClean="0"/>
+          </a:p>
+          <a:p>
+            <a:pPr marL="605790" lvl="1" indent="-285750"/>
+            <a:r>
+              <a:rPr lang="de-DE" sz="2000" dirty="0" smtClean="0"/>
+              <a:t>Kreislauf</a:t>
+            </a:r>
             <a:r>
               <a:rPr lang="de-DE" dirty="0" smtClean="0"/>
-              <a:t>   </a:t>
-            </a:r>
-            <a:r>
-              <a:rPr lang="de-DE" dirty="0" smtClean="0"/>
-              <a:t> Kreislauf zu schließen</a:t>
-            </a:r>
-          </a:p>
-          <a:p>
-            <a:endParaRPr lang="de-DE" dirty="0" smtClean="0"/>
-          </a:p>
-          <a:p>
-            <a:pPr marL="285750" indent="-285750">
-              <a:buFont typeface="Arial" panose="020B0604020202020204" pitchFamily="34" charset="0"/>
-              <a:buChar char="•"/>
-            </a:pPr>
+              <a:t> schließen</a:t>
+            </a:r>
+            <a:endParaRPr lang="de-DE" dirty="0"/>
+          </a:p>
+          <a:p>
+            <a:pPr marL="285750" indent="-285750"/>
+            <a:r>
+              <a:rPr lang="de-DE" sz="2200" dirty="0" smtClean="0"/>
+              <a:t>Grundlage:</a:t>
+            </a:r>
+          </a:p>
+          <a:p>
+            <a:pPr marL="605790" lvl="1" indent="-285750"/>
+            <a:r>
+              <a:rPr lang="de-DE" dirty="0" err="1" smtClean="0"/>
+              <a:t>Ins</a:t>
+            </a:r>
+            <a:r>
+              <a:rPr lang="de-DE" sz="2000" dirty="0" err="1" smtClean="0"/>
+              <a:t>pector</a:t>
+            </a:r>
             <a:r>
               <a:rPr lang="de-DE" sz="2000" dirty="0" smtClean="0"/>
-              <a:t>Grundlage</a:t>
-            </a:r>
-            <a:r>
-              <a:rPr lang="de-DE" dirty="0" smtClean="0"/>
-              <a:t>:</a:t>
-            </a:r>
-          </a:p>
-          <a:p>
-            <a:r>
-              <a:rPr lang="de-DE" dirty="0" smtClean="0"/>
-              <a:t>                   - </a:t>
+              <a:t> </a:t>
+            </a:r>
+            <a:r>
+              <a:rPr lang="de-DE" sz="2000" dirty="0"/>
+              <a:t>aus </a:t>
+            </a:r>
+            <a:r>
+              <a:rPr lang="de-DE" sz="2000" dirty="0" smtClean="0"/>
+              <a:t>Vorsemester</a:t>
+            </a:r>
+          </a:p>
+          <a:p>
+            <a:pPr marL="605790" lvl="1" indent="-285750"/>
+            <a:r>
+              <a:rPr lang="de-DE" sz="2000" dirty="0" err="1" smtClean="0"/>
+              <a:t>Ap</a:t>
             </a:r>
             <a:r>
               <a:rPr lang="de-DE" dirty="0" err="1" smtClean="0"/>
-              <a:t>Inspector</a:t>
-            </a:r>
-            <a:r>
-              <a:rPr lang="de-DE" dirty="0" smtClean="0"/>
-              <a:t> </a:t>
-            </a:r>
-            <a:r>
-              <a:rPr lang="de-DE" dirty="0" smtClean="0"/>
-              <a:t>aus dem Vorsemester </a:t>
-            </a:r>
-            <a:r>
-              <a:rPr lang="de-DE" dirty="0" smtClean="0"/>
-              <a:t>              	 - </a:t>
-            </a:r>
-            <a:r>
-              <a:rPr lang="de-DE" dirty="0" err="1" smtClean="0"/>
-              <a:t>Appium</a:t>
-            </a:r>
-            <a:endParaRPr lang="de-DE" dirty="0" smtClean="0"/>
-          </a:p>
-          <a:p>
-            <a:pPr marL="285750" indent="-285750">
-              <a:buFont typeface="Arial" panose="020B0604020202020204" pitchFamily="34" charset="0"/>
-              <a:buChar char="•"/>
-            </a:pPr>
+              <a:t>pium</a:t>
+            </a:r>
+            <a:endParaRPr lang="de-DE" dirty="0"/>
+          </a:p>
+          <a:p>
+            <a:pPr marL="285750" indent="-285750"/>
             <a:endParaRPr lang="de-DE" dirty="0"/>
           </a:p>
         </p:txBody>
@@ -6994,23 +7206,18 @@
           <a:p>
             <a:r>
               <a:rPr lang="de-DE" sz="2200" dirty="0" smtClean="0"/>
-              <a:t>Ziel</a:t>
+              <a:t>Ziel:</a:t>
+            </a:r>
+          </a:p>
+          <a:p>
+            <a:pPr lvl="1"/>
+            <a:r>
+              <a:rPr lang="de-DE" sz="2000" dirty="0" smtClean="0"/>
+              <a:t>Funktionsweise</a:t>
             </a:r>
             <a:r>
               <a:rPr lang="de-DE" dirty="0" smtClean="0"/>
-              <a:t>:</a:t>
-            </a:r>
-          </a:p>
-          <a:p>
-            <a:pPr marL="45720" indent="0">
-              <a:spcBef>
-                <a:spcPts val="0"/>
-              </a:spcBef>
-              <a:buNone/>
-            </a:pPr>
-            <a:r>
-              <a:rPr lang="de-DE" dirty="0" smtClean="0"/>
-              <a:t>              Funktionsweise </a:t>
+              <a:t> </a:t>
             </a:r>
             <a:r>
               <a:rPr lang="de-DE" dirty="0" smtClean="0"/>
@@ -7018,8 +7225,9 @@
             </a:r>
             <a:r>
               <a:rPr lang="de-DE" dirty="0" smtClean="0"/>
-              <a:t>Programme zu verstehen</a:t>
-            </a:r>
+              <a:t>Programme verstehen</a:t>
+            </a:r>
+            <a:endParaRPr lang="de-DE" dirty="0" smtClean="0"/>
           </a:p>
           <a:p>
             <a:pPr>
@@ -7029,93 +7237,101 @@
             </a:pPr>
             <a:r>
               <a:rPr lang="de-DE" sz="2200" dirty="0" smtClean="0"/>
-              <a:t>Probleme</a:t>
-            </a:r>
-            <a:r>
-              <a:rPr lang="de-DE" dirty="0" smtClean="0"/>
-              <a:t>:</a:t>
-            </a:r>
-          </a:p>
-          <a:p>
-            <a:pPr marL="45720" indent="0">
+              <a:t>Probleme:</a:t>
+            </a:r>
+          </a:p>
+          <a:p>
+            <a:pPr lvl="1">
               <a:spcBef>
                 <a:spcPts val="0"/>
               </a:spcBef>
-              <a:buNone/>
             </a:pPr>
             <a:r>
               <a:rPr lang="de-DE" dirty="0" smtClean="0"/>
-              <a:t>	Timeout bei Inaktivität in </a:t>
-            </a:r>
-            <a:r>
-              <a:rPr lang="de-DE" dirty="0" err="1" smtClean="0"/>
+              <a:t>Ti</a:t>
+            </a:r>
+            <a:r>
+              <a:rPr lang="de-DE" sz="2000" dirty="0" smtClean="0"/>
+              <a:t>meout </a:t>
+            </a:r>
+            <a:r>
+              <a:rPr lang="de-DE" sz="2000" dirty="0" smtClean="0"/>
+              <a:t>bei Inaktivität in </a:t>
+            </a:r>
+            <a:r>
+              <a:rPr lang="de-DE" sz="2000" dirty="0" err="1" smtClean="0"/>
               <a:t>Appium</a:t>
             </a:r>
             <a:r>
-              <a:rPr lang="de-DE" dirty="0" smtClean="0"/>
+              <a:rPr lang="de-DE" sz="2000" dirty="0" smtClean="0"/>
               <a:t> </a:t>
             </a:r>
-            <a:r>
-              <a:rPr lang="de-DE" dirty="0"/>
-              <a:t>	</a:t>
-            </a:r>
-            <a:endParaRPr lang="de-DE" dirty="0" smtClean="0"/>
-          </a:p>
-          <a:p>
-            <a:pPr marL="45720" indent="0">
+            <a:endParaRPr lang="de-DE" sz="2000" dirty="0"/>
+          </a:p>
+          <a:p>
+            <a:pPr lvl="2">
               <a:spcBef>
                 <a:spcPts val="0"/>
               </a:spcBef>
-              <a:buNone/>
             </a:pPr>
             <a:r>
-              <a:rPr lang="de-DE" dirty="0"/>
-              <a:t>	</a:t>
-            </a:r>
-            <a:r>
-              <a:rPr lang="de-DE" dirty="0" smtClean="0"/>
-              <a:t>-&gt; problematisch für langsame Computer</a:t>
-            </a:r>
-            <a:endParaRPr lang="de-DE" dirty="0"/>
-          </a:p>
-          <a:p>
-            <a:pPr marL="45720" indent="0">
+              <a:rPr lang="de-DE" sz="1800" dirty="0" smtClean="0"/>
+              <a:t>problematisch </a:t>
+            </a:r>
+            <a:r>
+              <a:rPr lang="de-DE" sz="1800" dirty="0" smtClean="0"/>
+              <a:t>für langsame </a:t>
+            </a:r>
+            <a:r>
+              <a:rPr lang="de-DE" sz="1800" dirty="0" smtClean="0"/>
+              <a:t>Computer</a:t>
+            </a:r>
+            <a:endParaRPr lang="de-DE" sz="1800" dirty="0"/>
+          </a:p>
+          <a:p>
+            <a:pPr lvl="1">
               <a:spcBef>
                 <a:spcPts val="0"/>
               </a:spcBef>
-              <a:buNone/>
             </a:pPr>
             <a:r>
-              <a:rPr lang="de-DE" dirty="0"/>
-              <a:t>	</a:t>
-            </a:r>
-            <a:r>
-              <a:rPr lang="de-DE" dirty="0" smtClean="0"/>
-              <a:t>veraltete Beispiel </a:t>
-            </a:r>
-            <a:r>
-              <a:rPr lang="de-DE" dirty="0" err="1" smtClean="0"/>
+              <a:rPr lang="de-DE" sz="2000" dirty="0" smtClean="0"/>
+              <a:t>veraltete </a:t>
+            </a:r>
+            <a:r>
+              <a:rPr lang="de-DE" sz="2000" dirty="0" smtClean="0"/>
+              <a:t>Beispiel </a:t>
+            </a:r>
+            <a:r>
+              <a:rPr lang="de-DE" sz="2000" dirty="0" err="1" smtClean="0"/>
               <a:t>Webtests</a:t>
             </a:r>
             <a:r>
-              <a:rPr lang="de-DE" dirty="0" smtClean="0"/>
-              <a:t> bei dem Testeditor</a:t>
-            </a:r>
-          </a:p>
-          <a:p>
-            <a:pPr marL="45720" indent="0">
+              <a:rPr lang="de-DE" sz="2000" dirty="0" smtClean="0"/>
+              <a:t> bei dem </a:t>
+            </a:r>
+            <a:r>
+              <a:rPr lang="de-DE" sz="2000" dirty="0" smtClean="0"/>
+              <a:t>Testeditor</a:t>
+            </a:r>
+          </a:p>
+          <a:p>
+            <a:pPr lvl="2">
               <a:spcBef>
                 <a:spcPts val="0"/>
               </a:spcBef>
-              <a:buNone/>
             </a:pPr>
             <a:r>
-              <a:rPr lang="de-DE" dirty="0"/>
-              <a:t>	</a:t>
+              <a:rPr lang="de-DE" sz="1800" dirty="0" smtClean="0"/>
+              <a:t>An</a:t>
             </a:r>
             <a:r>
               <a:rPr lang="de-DE" dirty="0" smtClean="0"/>
-              <a:t>-&gt; Anpassungen müssen vorgenommen werden</a:t>
+              <a:t>passungen </a:t>
+            </a:r>
+            <a:r>
+              <a:rPr lang="de-DE" dirty="0" smtClean="0"/>
+              <a:t>müssen vorgenommen werden</a:t>
             </a:r>
             <a:endParaRPr lang="de-DE" dirty="0"/>
           </a:p>
@@ -7266,200 +7482,77 @@
             </a:r>
           </a:p>
           <a:p>
-            <a:pPr marL="45720" indent="0">
-              <a:spcBef>
-                <a:spcPts val="0"/>
-              </a:spcBef>
-              <a:buNone/>
-            </a:pPr>
-            <a:r>
-              <a:rPr lang="de-DE" dirty="0" smtClean="0"/>
-              <a:t>               -Erstellen eines </a:t>
-            </a:r>
-            <a:r>
-              <a:rPr lang="de-DE" dirty="0" err="1" smtClean="0"/>
-              <a:t>Fixtures</a:t>
-            </a:r>
-            <a:r>
-              <a:rPr lang="de-DE" dirty="0" smtClean="0"/>
-              <a:t>, welches die Tests in </a:t>
-            </a:r>
-            <a:r>
-              <a:rPr lang="de-DE" dirty="0" err="1" smtClean="0"/>
-              <a:t>Appium</a:t>
-            </a:r>
-            <a:r>
-              <a:rPr lang="de-DE" dirty="0" smtClean="0"/>
-              <a:t> aus dem </a:t>
-            </a:r>
-            <a:r>
-              <a:rPr lang="de-DE" dirty="0" err="1" smtClean="0"/>
-              <a:t>TestEditor</a:t>
-            </a:r>
-            <a:r>
-              <a:rPr lang="de-DE" dirty="0" smtClean="0"/>
-              <a:t>    	   	 herausstarten</a:t>
-            </a:r>
-          </a:p>
-          <a:p>
-            <a:pPr marL="45720" indent="0">
-              <a:spcBef>
-                <a:spcPts val="0"/>
-              </a:spcBef>
-              <a:buNone/>
-            </a:pPr>
-            <a:r>
-              <a:rPr lang="de-DE" dirty="0"/>
-              <a:t> </a:t>
-            </a:r>
-            <a:r>
-              <a:rPr lang="de-DE" dirty="0" smtClean="0"/>
-              <a:t> 	-Anpassung des Inspektors, sodass aus den vorhandenen Daten ein  	  	 </a:t>
-            </a:r>
-            <a:r>
-              <a:rPr lang="de-DE" dirty="0" err="1" smtClean="0"/>
-              <a:t>Classification</a:t>
-            </a:r>
-            <a:r>
-              <a:rPr lang="de-DE" dirty="0" smtClean="0"/>
-              <a:t> </a:t>
-            </a:r>
-            <a:r>
-              <a:rPr lang="de-DE" dirty="0" err="1" smtClean="0"/>
-              <a:t>Tree</a:t>
-            </a:r>
-            <a:r>
-              <a:rPr lang="de-DE" dirty="0" smtClean="0"/>
-              <a:t> erstellt werden kann</a:t>
-            </a:r>
-          </a:p>
-          <a:p>
-            <a:pPr marL="45720" indent="0">
-              <a:spcBef>
-                <a:spcPts val="0"/>
-              </a:spcBef>
-              <a:buNone/>
-            </a:pPr>
-            <a:endParaRPr lang="de-DE" dirty="0" smtClean="0"/>
-          </a:p>
-          <a:p>
-            <a:pPr>
-              <a:spcBef>
-                <a:spcPts val="0"/>
-              </a:spcBef>
-            </a:pPr>
-            <a:r>
-              <a:rPr lang="de-DE" sz="2200" dirty="0" smtClean="0"/>
-              <a:t>Hürden</a:t>
-            </a:r>
-            <a:r>
-              <a:rPr lang="de-DE" dirty="0" smtClean="0"/>
-              <a:t>:</a:t>
-            </a:r>
-          </a:p>
-          <a:p>
-            <a:pPr marL="685800" lvl="2" indent="0">
-              <a:spcBef>
-                <a:spcPts val="0"/>
-              </a:spcBef>
-              <a:buNone/>
-            </a:pPr>
-            <a:r>
-              <a:rPr lang="de-DE" sz="2000" dirty="0"/>
-              <a:t>	</a:t>
-            </a:r>
-            <a:r>
-              <a:rPr lang="de-DE" sz="2000" dirty="0" smtClean="0"/>
-              <a:t>-Dokumentation zur Erstellung des </a:t>
-            </a:r>
-            <a:r>
-              <a:rPr lang="de-DE" sz="2000" dirty="0" err="1" smtClean="0"/>
-              <a:t>Fixtures</a:t>
-            </a:r>
-            <a:r>
-              <a:rPr lang="de-DE" sz="2000" dirty="0" smtClean="0"/>
-              <a:t> ist veraltet</a:t>
-            </a:r>
-          </a:p>
-          <a:p>
-            <a:pPr marL="685800" lvl="2" indent="0">
-              <a:spcBef>
-                <a:spcPts val="0"/>
-              </a:spcBef>
-              <a:buNone/>
-            </a:pPr>
-            <a:r>
-              <a:rPr lang="de-DE" sz="2000" dirty="0"/>
-              <a:t> </a:t>
-            </a:r>
-            <a:r>
-              <a:rPr lang="de-DE" sz="2000" dirty="0" smtClean="0"/>
-              <a:t>   -Debuggen durch </a:t>
-            </a:r>
-            <a:r>
-              <a:rPr lang="de-DE" sz="2000" dirty="0" err="1" smtClean="0"/>
-              <a:t>unpräziese</a:t>
-            </a:r>
-            <a:r>
-              <a:rPr lang="de-DE" sz="2000" dirty="0" smtClean="0"/>
-              <a:t> Fehlermeldungen schwierig </a:t>
-            </a:r>
-          </a:p>
-          <a:p>
-            <a:pPr marL="685800" lvl="2" indent="0">
-              <a:spcBef>
-                <a:spcPts val="0"/>
-              </a:spcBef>
-              <a:buNone/>
-            </a:pPr>
-            <a:endParaRPr lang="de-DE" sz="2000" dirty="0"/>
-          </a:p>
-          <a:p>
-            <a:pPr marL="685800" lvl="2" indent="0">
-              <a:spcBef>
-                <a:spcPts val="0"/>
-              </a:spcBef>
-              <a:buNone/>
-            </a:pPr>
-            <a:r>
-              <a:rPr lang="de-DE" sz="2000" dirty="0" smtClean="0"/>
-              <a:t>-&gt;auf ein existierendes </a:t>
-            </a:r>
+            <a:pPr lvl="1"/>
             <a:r>
               <a:rPr lang="de-DE" sz="2000" dirty="0" err="1" smtClean="0"/>
               <a:t>Fixture</a:t>
             </a:r>
             <a:r>
               <a:rPr lang="de-DE" sz="2000" dirty="0" smtClean="0"/>
-              <a:t> wurde zurückgegriffen</a:t>
-            </a:r>
-          </a:p>
-          <a:p>
-            <a:pPr marL="685800" lvl="2" indent="0">
-              <a:spcBef>
-                <a:spcPts val="0"/>
-              </a:spcBef>
-              <a:buNone/>
-            </a:pPr>
+              <a:t> für Test Editor, um Tests via </a:t>
+            </a:r>
+            <a:r>
+              <a:rPr lang="de-DE" sz="2000" dirty="0" err="1" smtClean="0"/>
+              <a:t>Appium</a:t>
+            </a:r>
             <a:r>
               <a:rPr lang="de-DE" sz="2000" dirty="0" smtClean="0"/>
-              <a:t>-&gt;durch das original Repository war es möglich ein Core-</a:t>
+              <a:t> unter Android auszuführen</a:t>
+            </a:r>
+            <a:endParaRPr lang="de-DE" sz="2000" dirty="0" smtClean="0"/>
+          </a:p>
+          <a:p>
+            <a:pPr lvl="1"/>
+            <a:r>
+              <a:rPr lang="de-DE" sz="2000" dirty="0" smtClean="0"/>
+              <a:t>Anpassung </a:t>
             </a:r>
             <a:r>
               <a:rPr lang="de-DE" sz="2000" dirty="0" err="1" smtClean="0"/>
-              <a:t>Fixture</a:t>
+              <a:t>Inspector</a:t>
             </a:r>
             <a:r>
               <a:rPr lang="de-DE" sz="2000" dirty="0" smtClean="0"/>
-              <a:t> zu implementieren</a:t>
-            </a:r>
-            <a:endParaRPr lang="de-DE" sz="2000" dirty="0" smtClean="0"/>
-          </a:p>
-          <a:p>
-            <a:endParaRPr lang="de-DE" dirty="0"/>
-          </a:p>
-          <a:p>
-            <a:pPr lvl="1"/>
+              <a:t>, sodass aus App ein </a:t>
+            </a:r>
+            <a:r>
+              <a:rPr lang="de-DE" sz="2000" dirty="0" err="1" smtClean="0"/>
+              <a:t>Teilbaum</a:t>
+            </a:r>
+            <a:r>
+              <a:rPr lang="de-DE" sz="2000" dirty="0" smtClean="0"/>
+              <a:t> für </a:t>
+            </a:r>
+            <a:r>
+              <a:rPr lang="de-DE" sz="2000" dirty="0" err="1" smtClean="0"/>
+              <a:t>Classification</a:t>
+            </a:r>
+            <a:r>
+              <a:rPr lang="de-DE" sz="2000" dirty="0" smtClean="0"/>
+              <a:t> </a:t>
+            </a:r>
+            <a:r>
+              <a:rPr lang="de-DE" sz="2000" dirty="0" err="1" smtClean="0"/>
+              <a:t>Tree</a:t>
+            </a:r>
+            <a:r>
+              <a:rPr lang="de-DE" sz="2000" dirty="0" smtClean="0"/>
+              <a:t> erstellt werden </a:t>
+            </a:r>
+            <a:r>
+              <a:rPr lang="de-DE" dirty="0" smtClean="0"/>
+              <a:t>kann</a:t>
+            </a:r>
+          </a:p>
+          <a:p>
+            <a:r>
+              <a:rPr lang="de-DE" dirty="0" smtClean="0"/>
+              <a:t>Demo von Testdurchlauf mit Test Editor und </a:t>
+            </a:r>
+            <a:r>
+              <a:rPr lang="de-DE" dirty="0" err="1" smtClean="0"/>
+              <a:t>Inspector</a:t>
+            </a:r>
             <a:endParaRPr lang="de-DE" dirty="0" smtClean="0"/>
           </a:p>
         </p:txBody>
@@ -7576,7 +7669,7 @@
             </a:br>
             <a:r>
               <a:rPr lang="de-DE" sz="2000" dirty="0" smtClean="0"/>
-              <a:t>Hürden mit dem </a:t>
+              <a:t>zweiter Meilenstein - Negatives am </a:t>
             </a:r>
             <a:r>
               <a:rPr lang="de-DE" sz="2000" dirty="0" err="1" smtClean="0"/>
@@ -7602,10 +7695,161 @@
         </p:nvSpPr>
         <p:spPr/>
         <p:txBody>
-          <a:bodyPr/>
-          <a:lstStyle/>
-          <a:p>
-            <a:endParaRPr lang="de-DE" dirty="0"/>
+          <a:bodyPr>
+            <a:normAutofit/>
+          </a:bodyPr>
+          <a:lstStyle/>
+          <a:p>
+            <a:pPr>
+              <a:spcBef>
+                <a:spcPts val="0"/>
+              </a:spcBef>
+            </a:pPr>
+            <a:r>
+              <a:rPr lang="de-DE" sz="2200" dirty="0" smtClean="0"/>
+              <a:t>Dokumentation </a:t>
+            </a:r>
+            <a:r>
+              <a:rPr lang="de-DE" sz="2200" dirty="0"/>
+              <a:t>zur Erstellung des </a:t>
+            </a:r>
+            <a:r>
+              <a:rPr lang="de-DE" sz="2200" dirty="0" err="1"/>
+              <a:t>Fixtures</a:t>
+            </a:r>
+            <a:r>
+              <a:rPr lang="de-DE" sz="2200" dirty="0"/>
+              <a:t> </a:t>
+            </a:r>
+            <a:r>
+              <a:rPr lang="de-DE" sz="2200" dirty="0" smtClean="0"/>
+              <a:t>veraltet / nicht ausführlich</a:t>
+            </a:r>
+            <a:endParaRPr lang="de-DE" sz="2200" dirty="0"/>
+          </a:p>
+          <a:p>
+            <a:pPr>
+              <a:spcBef>
+                <a:spcPts val="0"/>
+              </a:spcBef>
+            </a:pPr>
+            <a:r>
+              <a:rPr lang="de-DE" sz="2200" dirty="0"/>
+              <a:t>Debuggen durch </a:t>
+            </a:r>
+            <a:r>
+              <a:rPr lang="de-DE" sz="2200" dirty="0" smtClean="0"/>
+              <a:t>unpräzise </a:t>
+            </a:r>
+            <a:r>
+              <a:rPr lang="de-DE" sz="2200" dirty="0"/>
+              <a:t>Fehlermeldungen </a:t>
+            </a:r>
+            <a:r>
+              <a:rPr lang="de-DE" sz="2200" dirty="0" smtClean="0"/>
+              <a:t>schwierig</a:t>
+            </a:r>
+            <a:r>
+              <a:rPr lang="de-DE" sz="2200" dirty="0"/>
+              <a:t> </a:t>
+            </a:r>
+            <a:r>
+              <a:rPr lang="de-DE" sz="2200" dirty="0" smtClean="0"/>
+              <a:t>(Teils Problem von </a:t>
+            </a:r>
+            <a:r>
+              <a:rPr lang="de-DE" sz="2200" dirty="0" err="1" smtClean="0"/>
+              <a:t>Fitnesse</a:t>
+            </a:r>
+            <a:r>
+              <a:rPr lang="de-DE" sz="2200" dirty="0" smtClean="0"/>
+              <a:t>)</a:t>
+            </a:r>
+          </a:p>
+          <a:p>
+            <a:pPr>
+              <a:spcBef>
+                <a:spcPts val="0"/>
+              </a:spcBef>
+            </a:pPr>
+            <a:r>
+              <a:rPr lang="de-DE" sz="2200" dirty="0" smtClean="0"/>
+              <a:t>Neues Projekt kann kein „Template“ nutzen (z.B. </a:t>
+            </a:r>
+            <a:r>
+              <a:rPr lang="de-DE" sz="2200" dirty="0" err="1" smtClean="0"/>
+              <a:t>WebTest</a:t>
+            </a:r>
+            <a:r>
+              <a:rPr lang="de-DE" sz="2200" dirty="0" smtClean="0"/>
+              <a:t>, </a:t>
+            </a:r>
+            <a:r>
+              <a:rPr lang="de-DE" sz="2200" dirty="0" err="1" smtClean="0"/>
+              <a:t>AppiumTests</a:t>
+            </a:r>
+            <a:r>
+              <a:rPr lang="de-DE" sz="2200" dirty="0" smtClean="0"/>
+              <a:t>)</a:t>
+            </a:r>
+          </a:p>
+          <a:p>
+            <a:pPr>
+              <a:spcBef>
+                <a:spcPts val="0"/>
+              </a:spcBef>
+            </a:pPr>
+            <a:r>
+              <a:rPr lang="de-DE" sz="2200" dirty="0" smtClean="0"/>
+              <a:t>Kein </a:t>
+            </a:r>
+            <a:r>
+              <a:rPr lang="de-DE" sz="2200" dirty="0" err="1" smtClean="0"/>
+              <a:t>Copy</a:t>
+            </a:r>
+            <a:r>
+              <a:rPr lang="de-DE" sz="2200" dirty="0" smtClean="0"/>
+              <a:t> &amp; Paste von Testschritten aus normalem Text möglich</a:t>
+            </a:r>
+          </a:p>
+          <a:p>
+            <a:pPr>
+              <a:spcBef>
+                <a:spcPts val="0"/>
+              </a:spcBef>
+            </a:pPr>
+            <a:r>
+              <a:rPr lang="de-DE" sz="2200" dirty="0" smtClean="0"/>
+              <a:t>Oftmals viel Quelltextarbeit</a:t>
+            </a:r>
+          </a:p>
+          <a:p>
+            <a:pPr lvl="1">
+              <a:spcBef>
+                <a:spcPts val="0"/>
+              </a:spcBef>
+            </a:pPr>
+            <a:r>
+              <a:rPr lang="de-DE" sz="2000" dirty="0" smtClean="0"/>
+              <a:t>z.B. normaler Nutzer kann kein Szenario mit Variablen bauen</a:t>
+            </a:r>
+            <a:endParaRPr lang="de-DE" sz="2200" dirty="0" smtClean="0"/>
+          </a:p>
+          <a:p>
+            <a:pPr>
+              <a:spcBef>
+                <a:spcPts val="0"/>
+              </a:spcBef>
+            </a:pPr>
+            <a:endParaRPr lang="de-DE" sz="2200" dirty="0" smtClean="0"/>
+          </a:p>
+          <a:p>
+            <a:pPr>
+              <a:spcBef>
+                <a:spcPts val="0"/>
+              </a:spcBef>
+            </a:pPr>
+            <a:endParaRPr lang="de-DE" sz="2200" dirty="0" smtClean="0"/>
           </a:p>
         </p:txBody>
       </p:sp>

--- a/TestenMileStone3.pptx
+++ b/TestenMileStone3.pptx
@@ -6426,19 +6426,7 @@
           <a:p>
             <a:r>
               <a:rPr lang="de-DE" dirty="0" smtClean="0"/>
-              <a:t>Jedoch </a:t>
-            </a:r>
-            <a:r>
-              <a:rPr lang="de-DE" dirty="0" smtClean="0"/>
-              <a:t>guter </a:t>
-            </a:r>
-            <a:r>
-              <a:rPr lang="de-DE" dirty="0" smtClean="0"/>
-              <a:t>Einblick in </a:t>
-            </a:r>
-            <a:r>
-              <a:rPr lang="de-DE" dirty="0" smtClean="0"/>
-              <a:t>verschiedenen Teile des Testzyklus</a:t>
+              <a:t>Jedoch guter Einblick in verschiedenen Teile des Testzyklus</a:t>
             </a:r>
           </a:p>
           <a:p>
@@ -6468,7 +6456,6 @@
               <a:rPr lang="de-DE" dirty="0" smtClean="0"/>
               <a:t> + Generierung von Testfällen</a:t>
             </a:r>
-            <a:endParaRPr lang="de-DE" dirty="0" smtClean="0"/>
           </a:p>
           <a:p>
             <a:endParaRPr lang="de-DE" dirty="0" smtClean="0"/>
@@ -6843,7 +6830,7 @@
         </p:nvSpPr>
         <p:spPr>
           <a:xfrm>
-            <a:off x="1295399" y="1704836"/>
+            <a:off x="1087581" y="1914331"/>
             <a:ext cx="4590093" cy="4114800"/>
           </a:xfrm>
           <a:prstGeom prst="rect">
@@ -7061,13 +7048,9 @@
             <a:pPr marL="605790" lvl="1" indent="-285750"/>
             <a:r>
               <a:rPr lang="de-DE" sz="2000" dirty="0" smtClean="0"/>
-              <a:t>Kreislauf</a:t>
-            </a:r>
-            <a:r>
-              <a:rPr lang="de-DE" dirty="0" smtClean="0"/>
-              <a:t> schließen</a:t>
-            </a:r>
-            <a:endParaRPr lang="de-DE" dirty="0"/>
+              <a:t>Kreislauf schließen</a:t>
+            </a:r>
+            <a:endParaRPr lang="de-DE" sz="2000" dirty="0"/>
           </a:p>
           <a:p>
             <a:pPr marL="285750" indent="-285750"/>
@@ -7079,12 +7062,16 @@
           <a:p>
             <a:pPr marL="605790" lvl="1" indent="-285750"/>
             <a:r>
-              <a:rPr lang="de-DE" dirty="0" err="1" smtClean="0"/>
-              <a:t>Ins</a:t>
-            </a:r>
-            <a:r>
               <a:rPr lang="de-DE" sz="2000" dirty="0" err="1" smtClean="0"/>
-              <a:t>pector</a:t>
+              <a:t>Appium</a:t>
+            </a:r>
+            <a:endParaRPr lang="de-DE" sz="2000" dirty="0" smtClean="0"/>
+          </a:p>
+          <a:p>
+            <a:pPr marL="605790" lvl="1" indent="-285750"/>
+            <a:r>
+              <a:rPr lang="de-DE" sz="2000" dirty="0" err="1" smtClean="0"/>
+              <a:t>Inspector</a:t>
             </a:r>
             <a:r>
               <a:rPr lang="de-DE" sz="2000" dirty="0" smtClean="0"/>
@@ -7103,13 +7090,31 @@
             <a:pPr marL="605790" lvl="1" indent="-285750"/>
             <a:r>
               <a:rPr lang="de-DE" sz="2000" dirty="0" err="1" smtClean="0"/>
-              <a:t>Ap</a:t>
-            </a:r>
-            <a:r>
-              <a:rPr lang="de-DE" dirty="0" err="1" smtClean="0"/>
-              <a:t>pium</a:t>
-            </a:r>
-            <a:endParaRPr lang="de-DE" dirty="0"/>
+              <a:t>Testona</a:t>
+            </a:r>
+            <a:endParaRPr lang="de-DE" sz="2000" dirty="0" smtClean="0"/>
+          </a:p>
+          <a:p>
+            <a:pPr marL="605790" lvl="1" indent="-285750"/>
+            <a:r>
+              <a:rPr lang="de-DE" sz="2000" dirty="0" smtClean="0"/>
+              <a:t>Test Editor</a:t>
+            </a:r>
+          </a:p>
+          <a:p>
+            <a:pPr marL="285750" indent="-285750"/>
+            <a:r>
+              <a:rPr lang="de-DE" sz="2200" dirty="0" smtClean="0"/>
+              <a:t>Fallstudie:</a:t>
+            </a:r>
+          </a:p>
+          <a:p>
+            <a:pPr marL="605790" lvl="1" indent="-285750"/>
+            <a:r>
+              <a:rPr lang="de-DE" sz="2000" smtClean="0"/>
+              <a:t>HAW App</a:t>
+            </a:r>
+            <a:endParaRPr lang="de-DE" sz="2000" dirty="0" smtClean="0"/>
           </a:p>
           <a:p>
             <a:pPr marL="285750" indent="-285750"/>
@@ -7217,17 +7222,8 @@
             </a:r>
             <a:r>
               <a:rPr lang="de-DE" dirty="0" smtClean="0"/>
-              <a:t> </a:t>
-            </a:r>
-            <a:r>
-              <a:rPr lang="de-DE" dirty="0" smtClean="0"/>
-              <a:t>der einzelnen </a:t>
-            </a:r>
-            <a:r>
-              <a:rPr lang="de-DE" dirty="0" smtClean="0"/>
-              <a:t>Programme verstehen</a:t>
-            </a:r>
-            <a:endParaRPr lang="de-DE" dirty="0" smtClean="0"/>
+              <a:t> der einzelnen Programme verstehen</a:t>
+            </a:r>
           </a:p>
           <a:p>
             <a:pPr>
@@ -7252,11 +7248,7 @@
             </a:r>
             <a:r>
               <a:rPr lang="de-DE" sz="2000" dirty="0" smtClean="0"/>
-              <a:t>meout </a:t>
-            </a:r>
-            <a:r>
-              <a:rPr lang="de-DE" sz="2000" dirty="0" smtClean="0"/>
-              <a:t>bei Inaktivität in </a:t>
+              <a:t>meout bei Inaktivität in </a:t>
             </a:r>
             <a:r>
               <a:rPr lang="de-DE" sz="2000" dirty="0" err="1" smtClean="0"/>
@@ -7276,15 +7268,7 @@
             </a:pPr>
             <a:r>
               <a:rPr lang="de-DE" sz="1800" dirty="0" smtClean="0"/>
-              <a:t>problematisch </a:t>
-            </a:r>
-            <a:r>
-              <a:rPr lang="de-DE" sz="1800" dirty="0" smtClean="0"/>
-              <a:t>für langsame </a:t>
-            </a:r>
-            <a:r>
-              <a:rPr lang="de-DE" sz="1800" dirty="0" smtClean="0"/>
-              <a:t>Computer</a:t>
+              <a:t>problematisch für langsame Computer</a:t>
             </a:r>
             <a:endParaRPr lang="de-DE" sz="1800" dirty="0"/>
           </a:p>
@@ -7296,11 +7280,7 @@
             </a:pPr>
             <a:r>
               <a:rPr lang="de-DE" sz="2000" dirty="0" smtClean="0"/>
-              <a:t>veraltete </a:t>
-            </a:r>
-            <a:r>
-              <a:rPr lang="de-DE" sz="2000" dirty="0" smtClean="0"/>
-              <a:t>Beispiel </a:t>
+              <a:t>veraltete Beispiel </a:t>
             </a:r>
             <a:r>
               <a:rPr lang="de-DE" sz="2000" dirty="0" err="1" smtClean="0"/>
@@ -7308,11 +7288,7 @@
             </a:r>
             <a:r>
               <a:rPr lang="de-DE" sz="2000" dirty="0" smtClean="0"/>
-              <a:t> bei dem </a:t>
-            </a:r>
-            <a:r>
-              <a:rPr lang="de-DE" sz="2000" dirty="0" smtClean="0"/>
-              <a:t>Testeditor</a:t>
+              <a:t> bei dem Testeditor</a:t>
             </a:r>
           </a:p>
           <a:p>
@@ -7327,11 +7303,7 @@
             </a:r>
             <a:r>
               <a:rPr lang="de-DE" dirty="0" smtClean="0"/>
-              <a:t>passungen </a:t>
-            </a:r>
-            <a:r>
-              <a:rPr lang="de-DE" dirty="0" smtClean="0"/>
-              <a:t>müssen vorgenommen werden</a:t>
+              <a:t>passungen müssen vorgenommen werden</a:t>
             </a:r>
             <a:endParaRPr lang="de-DE" dirty="0"/>
           </a:p>
@@ -7499,7 +7471,6 @@
               <a:rPr lang="de-DE" sz="2000" dirty="0" smtClean="0"/>
               <a:t> unter Android auszuführen</a:t>
             </a:r>
-            <a:endParaRPr lang="de-DE" sz="2000" dirty="0" smtClean="0"/>
           </a:p>
           <a:p>
             <a:pPr lvl="1"/>
@@ -8026,8 +7997,20 @@
           </a:p>
           <a:p>
             <a:r>
+              <a:rPr lang="de-DE" smtClean="0"/>
+              <a:t>4 </a:t>
+            </a:r>
+            <a:r>
+              <a:rPr lang="de-DE" smtClean="0"/>
+              <a:t>typische </a:t>
+            </a:r>
+            <a:r>
               <a:rPr lang="de-DE" dirty="0" smtClean="0"/>
-              <a:t>4 Situationen in Anwendung und Umsetzung in </a:t>
+              <a:t>Situationen </a:t>
+            </a:r>
+            <a:r>
+              <a:rPr lang="de-DE" dirty="0" smtClean="0"/>
+              <a:t>in Anwendung und Umsetzung in </a:t>
             </a:r>
             <a:r>
               <a:rPr lang="de-DE" dirty="0" err="1" smtClean="0"/>
@@ -8048,6 +8031,17 @@
             <a:r>
               <a:rPr lang="de-DE" dirty="0" err="1" smtClean="0"/>
               <a:t>Testona</a:t>
+            </a:r>
+            <a:endParaRPr lang="de-DE" dirty="0" smtClean="0"/>
+          </a:p>
+          <a:p>
+            <a:pPr marL="502920" indent="-457200">
+              <a:buFont typeface="+mj-lt"/>
+              <a:buAutoNum type="arabicPeriod"/>
+            </a:pPr>
+            <a:r>
+              <a:rPr lang="de-DE" dirty="0" smtClean="0"/>
+              <a:t>Auswahl</a:t>
             </a:r>
             <a:endParaRPr lang="de-DE" dirty="0" smtClean="0"/>
           </a:p>
